--- a/개인공부/알고리즘 스터디/5주차/알쓰5주차.pptx
+++ b/개인공부/알고리즘 스터디/5주차/알쓰5주차.pptx
@@ -7,15 +7,19 @@
   <p:sldIdLst>
     <p:sldId id="256" r:id="rId2"/>
     <p:sldId id="258" r:id="rId3"/>
-    <p:sldId id="257" r:id="rId4"/>
-    <p:sldId id="266" r:id="rId5"/>
-    <p:sldId id="265" r:id="rId6"/>
-    <p:sldId id="259" r:id="rId7"/>
-    <p:sldId id="263" r:id="rId8"/>
-    <p:sldId id="260" r:id="rId9"/>
-    <p:sldId id="264" r:id="rId10"/>
-    <p:sldId id="261" r:id="rId11"/>
-    <p:sldId id="262" r:id="rId12"/>
+    <p:sldId id="267" r:id="rId4"/>
+    <p:sldId id="268" r:id="rId5"/>
+    <p:sldId id="269" r:id="rId6"/>
+    <p:sldId id="270" r:id="rId7"/>
+    <p:sldId id="257" r:id="rId8"/>
+    <p:sldId id="266" r:id="rId9"/>
+    <p:sldId id="265" r:id="rId10"/>
+    <p:sldId id="259" r:id="rId11"/>
+    <p:sldId id="263" r:id="rId12"/>
+    <p:sldId id="260" r:id="rId13"/>
+    <p:sldId id="264" r:id="rId14"/>
+    <p:sldId id="261" r:id="rId15"/>
+    <p:sldId id="262" r:id="rId16"/>
   </p:sldIdLst>
   <p:sldSz cx="9144000" cy="5143500" type="screen16x9"/>
   <p:notesSz cx="6858000" cy="9144000"/>
@@ -312,7 +316,7 @@
           <a:p>
             <a:fld id="{D25C4847-3046-402D-B3FA-4F374D72C8FE}" type="datetimeFigureOut">
               <a:rPr lang="ko-KR" altLang="en-US" smtClean="0"/>
-              <a:t>2020-07-23</a:t>
+              <a:t>2020-07-27</a:t>
             </a:fld>
             <a:endParaRPr lang="ko-KR" altLang="en-US"/>
           </a:p>
@@ -475,7 +479,7 @@
           <a:p>
             <a:fld id="{D25C4847-3046-402D-B3FA-4F374D72C8FE}" type="datetimeFigureOut">
               <a:rPr lang="ko-KR" altLang="en-US" smtClean="0"/>
-              <a:t>2020-07-23</a:t>
+              <a:t>2020-07-27</a:t>
             </a:fld>
             <a:endParaRPr lang="ko-KR" altLang="en-US"/>
           </a:p>
@@ -648,7 +652,7 @@
           <a:p>
             <a:fld id="{D25C4847-3046-402D-B3FA-4F374D72C8FE}" type="datetimeFigureOut">
               <a:rPr lang="ko-KR" altLang="en-US" smtClean="0"/>
-              <a:t>2020-07-23</a:t>
+              <a:t>2020-07-27</a:t>
             </a:fld>
             <a:endParaRPr lang="ko-KR" altLang="en-US"/>
           </a:p>
@@ -811,7 +815,7 @@
           <a:p>
             <a:fld id="{D25C4847-3046-402D-B3FA-4F374D72C8FE}" type="datetimeFigureOut">
               <a:rPr lang="ko-KR" altLang="en-US" smtClean="0"/>
-              <a:t>2020-07-23</a:t>
+              <a:t>2020-07-27</a:t>
             </a:fld>
             <a:endParaRPr lang="ko-KR" altLang="en-US"/>
           </a:p>
@@ -1051,7 +1055,7 @@
           <a:p>
             <a:fld id="{D25C4847-3046-402D-B3FA-4F374D72C8FE}" type="datetimeFigureOut">
               <a:rPr lang="ko-KR" altLang="en-US" smtClean="0"/>
-              <a:t>2020-07-23</a:t>
+              <a:t>2020-07-27</a:t>
             </a:fld>
             <a:endParaRPr lang="ko-KR" altLang="en-US"/>
           </a:p>
@@ -1331,7 +1335,7 @@
           <a:p>
             <a:fld id="{D25C4847-3046-402D-B3FA-4F374D72C8FE}" type="datetimeFigureOut">
               <a:rPr lang="ko-KR" altLang="en-US" smtClean="0"/>
-              <a:t>2020-07-23</a:t>
+              <a:t>2020-07-27</a:t>
             </a:fld>
             <a:endParaRPr lang="ko-KR" altLang="en-US"/>
           </a:p>
@@ -1750,7 +1754,7 @@
           <a:p>
             <a:fld id="{D25C4847-3046-402D-B3FA-4F374D72C8FE}" type="datetimeFigureOut">
               <a:rPr lang="ko-KR" altLang="en-US" smtClean="0"/>
-              <a:t>2020-07-23</a:t>
+              <a:t>2020-07-27</a:t>
             </a:fld>
             <a:endParaRPr lang="ko-KR" altLang="en-US"/>
           </a:p>
@@ -1862,7 +1866,7 @@
           <a:p>
             <a:fld id="{D25C4847-3046-402D-B3FA-4F374D72C8FE}" type="datetimeFigureOut">
               <a:rPr lang="ko-KR" altLang="en-US" smtClean="0"/>
-              <a:t>2020-07-23</a:t>
+              <a:t>2020-07-27</a:t>
             </a:fld>
             <a:endParaRPr lang="ko-KR" altLang="en-US"/>
           </a:p>
@@ -1952,7 +1956,7 @@
           <a:p>
             <a:fld id="{D25C4847-3046-402D-B3FA-4F374D72C8FE}" type="datetimeFigureOut">
               <a:rPr lang="ko-KR" altLang="en-US" smtClean="0"/>
-              <a:t>2020-07-23</a:t>
+              <a:t>2020-07-27</a:t>
             </a:fld>
             <a:endParaRPr lang="ko-KR" altLang="en-US"/>
           </a:p>
@@ -2222,7 +2226,7 @@
           <a:p>
             <a:fld id="{D25C4847-3046-402D-B3FA-4F374D72C8FE}" type="datetimeFigureOut">
               <a:rPr lang="ko-KR" altLang="en-US" smtClean="0"/>
-              <a:t>2020-07-23</a:t>
+              <a:t>2020-07-27</a:t>
             </a:fld>
             <a:endParaRPr lang="ko-KR" altLang="en-US"/>
           </a:p>
@@ -2469,7 +2473,7 @@
           <a:p>
             <a:fld id="{D25C4847-3046-402D-B3FA-4F374D72C8FE}" type="datetimeFigureOut">
               <a:rPr lang="ko-KR" altLang="en-US" smtClean="0"/>
-              <a:t>2020-07-23</a:t>
+              <a:t>2020-07-27</a:t>
             </a:fld>
             <a:endParaRPr lang="ko-KR" altLang="en-US"/>
           </a:p>
@@ -2684,7 +2688,7 @@
           <a:p>
             <a:fld id="{D25C4847-3046-402D-B3FA-4F374D72C8FE}" type="datetimeFigureOut">
               <a:rPr lang="ko-KR" altLang="en-US" smtClean="0"/>
-              <a:t>2020-07-23</a:t>
+              <a:t>2020-07-27</a:t>
             </a:fld>
             <a:endParaRPr lang="ko-KR" altLang="en-US"/>
           </a:p>
@@ -3142,6 +3146,184 @@
 <file path=ppt/slides/slide10.xml><?xml version="1.0" encoding="utf-8"?>
 <p:sld xmlns:a="http://schemas.openxmlformats.org/drawingml/2006/main" xmlns:r="http://schemas.openxmlformats.org/officeDocument/2006/relationships" xmlns:p="http://schemas.openxmlformats.org/presentationml/2006/main">
   <p:cSld>
+    <p:spTree>
+      <p:nvGrpSpPr>
+        <p:cNvPr id="1" name=""/>
+        <p:cNvGrpSpPr/>
+        <p:nvPr/>
+      </p:nvGrpSpPr>
+      <p:grpSpPr>
+        <a:xfrm>
+          <a:off x="0" y="0"/>
+          <a:ext cx="0" cy="0"/>
+          <a:chOff x="0" y="0"/>
+          <a:chExt cx="0" cy="0"/>
+        </a:xfrm>
+      </p:grpSpPr>
+      <p:pic>
+        <p:nvPicPr>
+          <p:cNvPr id="2" name="Picture 3" descr="C:\Users\진희\Desktop\재배포 나빠요.png"/>
+          <p:cNvPicPr>
+            <a:picLocks noChangeAspect="1" noChangeArrowheads="1"/>
+          </p:cNvPicPr>
+          <p:nvPr/>
+        </p:nvPicPr>
+        <p:blipFill>
+          <a:blip r:embed="rId2" cstate="print"/>
+          <a:srcRect/>
+          <a:stretch>
+            <a:fillRect/>
+          </a:stretch>
+        </p:blipFill>
+        <p:spPr bwMode="auto">
+          <a:xfrm>
+            <a:off x="5842028" y="2981894"/>
+            <a:ext cx="2834428" cy="1738093"/>
+          </a:xfrm>
+          <a:prstGeom prst="rect">
+            <a:avLst/>
+          </a:prstGeom>
+          <a:noFill/>
+        </p:spPr>
+      </p:pic>
+      <p:pic>
+        <p:nvPicPr>
+          <p:cNvPr id="2050" name="Picture 2" descr="C:\Users\진희\Desktop\그림1.png"/>
+          <p:cNvPicPr>
+            <a:picLocks noChangeAspect="1" noChangeArrowheads="1"/>
+          </p:cNvPicPr>
+          <p:nvPr/>
+        </p:nvPicPr>
+        <p:blipFill>
+          <a:blip r:embed="rId3" cstate="print"/>
+          <a:srcRect/>
+          <a:stretch>
+            <a:fillRect/>
+          </a:stretch>
+        </p:blipFill>
+        <p:spPr bwMode="auto">
+          <a:xfrm>
+            <a:off x="467544" y="1059582"/>
+            <a:ext cx="5760640" cy="3876429"/>
+          </a:xfrm>
+          <a:prstGeom prst="rect">
+            <a:avLst/>
+          </a:prstGeom>
+          <a:noFill/>
+        </p:spPr>
+      </p:pic>
+      <p:pic>
+        <p:nvPicPr>
+          <p:cNvPr id="2051" name="Picture 3" descr="C:\Users\진희\Desktop\5.png"/>
+          <p:cNvPicPr>
+            <a:picLocks noChangeAspect="1" noChangeArrowheads="1"/>
+          </p:cNvPicPr>
+          <p:nvPr/>
+        </p:nvPicPr>
+        <p:blipFill>
+          <a:blip r:embed="rId4" cstate="print"/>
+          <a:srcRect/>
+          <a:stretch>
+            <a:fillRect/>
+          </a:stretch>
+        </p:blipFill>
+        <p:spPr bwMode="auto">
+          <a:xfrm>
+            <a:off x="6156176" y="1492880"/>
+            <a:ext cx="2255540" cy="1282891"/>
+          </a:xfrm>
+          <a:prstGeom prst="rect">
+            <a:avLst/>
+          </a:prstGeom>
+          <a:noFill/>
+        </p:spPr>
+      </p:pic>
+    </p:spTree>
+  </p:cSld>
+  <p:clrMapOvr>
+    <a:masterClrMapping/>
+  </p:clrMapOvr>
+</p:sld>
+</file>
+
+<file path=ppt/slides/slide11.xml><?xml version="1.0" encoding="utf-8"?>
+<p:sld xmlns:a="http://schemas.openxmlformats.org/drawingml/2006/main" xmlns:r="http://schemas.openxmlformats.org/officeDocument/2006/relationships" xmlns:p="http://schemas.openxmlformats.org/presentationml/2006/main">
+  <p:cSld>
+    <p:spTree>
+      <p:nvGrpSpPr>
+        <p:cNvPr id="1" name=""/>
+        <p:cNvGrpSpPr/>
+        <p:nvPr/>
+      </p:nvGrpSpPr>
+      <p:grpSpPr>
+        <a:xfrm>
+          <a:off x="0" y="0"/>
+          <a:ext cx="0" cy="0"/>
+          <a:chOff x="0" y="0"/>
+          <a:chExt cx="0" cy="0"/>
+        </a:xfrm>
+      </p:grpSpPr>
+    </p:spTree>
+  </p:cSld>
+  <p:clrMapOvr>
+    <a:masterClrMapping/>
+  </p:clrMapOvr>
+</p:sld>
+</file>
+
+<file path=ppt/slides/slide12.xml><?xml version="1.0" encoding="utf-8"?>
+<p:sld xmlns:a="http://schemas.openxmlformats.org/drawingml/2006/main" xmlns:r="http://schemas.openxmlformats.org/officeDocument/2006/relationships" xmlns:p="http://schemas.openxmlformats.org/presentationml/2006/main">
+  <p:cSld>
+    <p:spTree>
+      <p:nvGrpSpPr>
+        <p:cNvPr id="1" name=""/>
+        <p:cNvGrpSpPr/>
+        <p:nvPr/>
+      </p:nvGrpSpPr>
+      <p:grpSpPr>
+        <a:xfrm>
+          <a:off x="0" y="0"/>
+          <a:ext cx="0" cy="0"/>
+          <a:chOff x="0" y="0"/>
+          <a:chExt cx="0" cy="0"/>
+        </a:xfrm>
+      </p:grpSpPr>
+    </p:spTree>
+  </p:cSld>
+  <p:clrMapOvr>
+    <a:masterClrMapping/>
+  </p:clrMapOvr>
+</p:sld>
+</file>
+
+<file path=ppt/slides/slide13.xml><?xml version="1.0" encoding="utf-8"?>
+<p:sld xmlns:a="http://schemas.openxmlformats.org/drawingml/2006/main" xmlns:r="http://schemas.openxmlformats.org/officeDocument/2006/relationships" xmlns:p="http://schemas.openxmlformats.org/presentationml/2006/main">
+  <p:cSld>
+    <p:spTree>
+      <p:nvGrpSpPr>
+        <p:cNvPr id="1" name=""/>
+        <p:cNvGrpSpPr/>
+        <p:nvPr/>
+      </p:nvGrpSpPr>
+      <p:grpSpPr>
+        <a:xfrm>
+          <a:off x="0" y="0"/>
+          <a:ext cx="0" cy="0"/>
+          <a:chOff x="0" y="0"/>
+          <a:chExt cx="0" cy="0"/>
+        </a:xfrm>
+      </p:grpSpPr>
+    </p:spTree>
+  </p:cSld>
+  <p:clrMapOvr>
+    <a:masterClrMapping/>
+  </p:clrMapOvr>
+</p:sld>
+</file>
+
+<file path=ppt/slides/slide14.xml><?xml version="1.0" encoding="utf-8"?>
+<p:sld xmlns:a="http://schemas.openxmlformats.org/drawingml/2006/main" xmlns:r="http://schemas.openxmlformats.org/officeDocument/2006/relationships" xmlns:p="http://schemas.openxmlformats.org/presentationml/2006/main">
+  <p:cSld>
     <p:bg>
       <p:bgPr>
         <a:blipFill dpi="0" rotWithShape="1">
@@ -3178,7 +3360,7 @@
 </p:sld>
 </file>
 
-<file path=ppt/slides/slide11.xml><?xml version="1.0" encoding="utf-8"?>
+<file path=ppt/slides/slide15.xml><?xml version="1.0" encoding="utf-8"?>
 <p:sld xmlns:a="http://schemas.openxmlformats.org/drawingml/2006/main" xmlns:r="http://schemas.openxmlformats.org/officeDocument/2006/relationships" xmlns:p="http://schemas.openxmlformats.org/presentationml/2006/main">
   <p:cSld>
     <p:bg>
@@ -3867,6 +4049,6140 @@
                 <a:latin typeface="Aharoni" panose="020B0604020202020204" pitchFamily="2" charset="-79"/>
                 <a:cs typeface="Aharoni" panose="020B0604020202020204" pitchFamily="2" charset="-79"/>
               </a:rPr>
+              <a:t>등굣길</a:t>
+            </a:r>
+            <a:endParaRPr lang="en-US" altLang="ko-KR" sz="4000" dirty="0">
+              <a:latin typeface="Aharoni" panose="020B0604020202020204" pitchFamily="2" charset="-79"/>
+              <a:cs typeface="Aharoni" panose="020B0604020202020204" pitchFamily="2" charset="-79"/>
+            </a:endParaRPr>
+          </a:p>
+          <a:p>
+            <a:pPr algn="ctr"/>
+            <a:r>
+              <a:rPr lang="en-US" altLang="ko-KR" sz="2000" dirty="0">
+                <a:latin typeface="Aharoni" panose="020B0604020202020204" pitchFamily="2" charset="-79"/>
+                <a:cs typeface="Aharoni" panose="020B0604020202020204" pitchFamily="2" charset="-79"/>
+              </a:rPr>
+              <a:t>(</a:t>
+            </a:r>
+            <a:r>
+              <a:rPr lang="ko-KR" altLang="en-US" sz="2000" dirty="0">
+                <a:latin typeface="Aharoni" panose="020B0604020202020204" pitchFamily="2" charset="-79"/>
+                <a:cs typeface="Aharoni" panose="020B0604020202020204" pitchFamily="2" charset="-79"/>
+              </a:rPr>
+              <a:t>동적계획법</a:t>
+            </a:r>
+            <a:r>
+              <a:rPr lang="en-US" altLang="ko-KR" sz="2000" dirty="0">
+                <a:latin typeface="Aharoni" panose="020B0604020202020204" pitchFamily="2" charset="-79"/>
+                <a:cs typeface="Aharoni" panose="020B0604020202020204" pitchFamily="2" charset="-79"/>
+              </a:rPr>
+              <a:t>)</a:t>
+            </a:r>
+          </a:p>
+        </p:txBody>
+      </p:sp>
+    </p:spTree>
+    <p:extLst>
+      <p:ext uri="{BB962C8B-B14F-4D97-AF65-F5344CB8AC3E}">
+        <p14:creationId xmlns:p14="http://schemas.microsoft.com/office/powerpoint/2010/main" val="353598866"/>
+      </p:ext>
+    </p:extLst>
+  </p:cSld>
+  <p:clrMapOvr>
+    <a:masterClrMapping/>
+  </p:clrMapOvr>
+</p:sld>
+</file>
+
+<file path=ppt/slides/slide4.xml><?xml version="1.0" encoding="utf-8"?>
+<p:sld xmlns:a="http://schemas.openxmlformats.org/drawingml/2006/main" xmlns:r="http://schemas.openxmlformats.org/officeDocument/2006/relationships" xmlns:p="http://schemas.openxmlformats.org/presentationml/2006/main">
+  <p:cSld>
+    <p:spTree>
+      <p:nvGrpSpPr>
+        <p:cNvPr id="1" name=""/>
+        <p:cNvGrpSpPr/>
+        <p:nvPr/>
+      </p:nvGrpSpPr>
+      <p:grpSpPr>
+        <a:xfrm>
+          <a:off x="0" y="0"/>
+          <a:ext cx="0" cy="0"/>
+          <a:chOff x="0" y="0"/>
+          <a:chExt cx="0" cy="0"/>
+        </a:xfrm>
+      </p:grpSpPr>
+      <p:pic>
+        <p:nvPicPr>
+          <p:cNvPr id="1030" name="Picture 6" descr="불, 불꽃 아이콘 클립 아트 | +1,566,198 클립 아트">
+            <a:extLst>
+              <a:ext uri="{FF2B5EF4-FFF2-40B4-BE49-F238E27FC236}">
+                <a16:creationId xmlns:a16="http://schemas.microsoft.com/office/drawing/2014/main" id="{131678D6-DA65-4EDD-9EEF-C0AE74418F5C}"/>
+              </a:ext>
+            </a:extLst>
+          </p:cNvPr>
+          <p:cNvPicPr>
+            <a:picLocks noChangeAspect="1" noChangeArrowheads="1"/>
+          </p:cNvPicPr>
+          <p:nvPr/>
+        </p:nvPicPr>
+        <p:blipFill>
+          <a:blip r:embed="rId2" cstate="print">
+            <a:extLst>
+              <a:ext uri="{28A0092B-C50C-407E-A947-70E740481C1C}">
+                <a14:useLocalDpi xmlns:a14="http://schemas.microsoft.com/office/drawing/2010/main" val="0"/>
+              </a:ext>
+            </a:extLst>
+          </a:blip>
+          <a:srcRect/>
+          <a:stretch>
+            <a:fillRect/>
+          </a:stretch>
+        </p:blipFill>
+        <p:spPr bwMode="auto">
+          <a:xfrm>
+            <a:off x="1187624" y="1878592"/>
+            <a:ext cx="575992" cy="575992"/>
+          </a:xfrm>
+          <a:prstGeom prst="rect">
+            <a:avLst/>
+          </a:prstGeom>
+          <a:noFill/>
+          <a:extLst>
+            <a:ext uri="{909E8E84-426E-40DD-AFC4-6F175D3DCCD1}">
+              <a14:hiddenFill xmlns:a14="http://schemas.microsoft.com/office/drawing/2010/main">
+                <a:solidFill>
+                  <a:srgbClr val="FFFFFF"/>
+                </a:solidFill>
+              </a14:hiddenFill>
+            </a:ext>
+          </a:extLst>
+        </p:spPr>
+      </p:pic>
+      <p:pic>
+        <p:nvPicPr>
+          <p:cNvPr id="1028" name="Picture 4" descr="학교 무료 아이콘 의 Selman Icons">
+            <a:extLst>
+              <a:ext uri="{FF2B5EF4-FFF2-40B4-BE49-F238E27FC236}">
+                <a16:creationId xmlns:a16="http://schemas.microsoft.com/office/drawing/2014/main" id="{D4665C9C-4000-4019-987F-34398EB071B9}"/>
+              </a:ext>
+            </a:extLst>
+          </p:cNvPr>
+          <p:cNvPicPr>
+            <a:picLocks noChangeAspect="1" noChangeArrowheads="1"/>
+          </p:cNvPicPr>
+          <p:nvPr/>
+        </p:nvPicPr>
+        <p:blipFill>
+          <a:blip r:embed="rId3" cstate="print">
+            <a:extLst>
+              <a:ext uri="{28A0092B-C50C-407E-A947-70E740481C1C}">
+                <a14:useLocalDpi xmlns:a14="http://schemas.microsoft.com/office/drawing/2010/main" val="0"/>
+              </a:ext>
+            </a:extLst>
+          </a:blip>
+          <a:srcRect/>
+          <a:stretch>
+            <a:fillRect/>
+          </a:stretch>
+        </p:blipFill>
+        <p:spPr bwMode="auto">
+          <a:xfrm>
+            <a:off x="2483768" y="2540636"/>
+            <a:ext cx="673432" cy="614393"/>
+          </a:xfrm>
+          <a:prstGeom prst="rect">
+            <a:avLst/>
+          </a:prstGeom>
+          <a:noFill/>
+          <a:extLst>
+            <a:ext uri="{909E8E84-426E-40DD-AFC4-6F175D3DCCD1}">
+              <a14:hiddenFill xmlns:a14="http://schemas.microsoft.com/office/drawing/2010/main">
+                <a:solidFill>
+                  <a:srgbClr val="FFFFFF"/>
+                </a:solidFill>
+              </a14:hiddenFill>
+            </a:ext>
+          </a:extLst>
+        </p:spPr>
+      </p:pic>
+      <p:pic>
+        <p:nvPicPr>
+          <p:cNvPr id="1026" name="Picture 2" descr="집 아이콘 디자인 서식 파일 벡터 절연, 하우스, 선, 실루엣 PNG 및 ...">
+            <a:extLst>
+              <a:ext uri="{FF2B5EF4-FFF2-40B4-BE49-F238E27FC236}">
+                <a16:creationId xmlns:a16="http://schemas.microsoft.com/office/drawing/2014/main" id="{CB4F0F24-8075-4E56-BA26-3A46A0AE852F}"/>
+              </a:ext>
+            </a:extLst>
+          </p:cNvPr>
+          <p:cNvPicPr>
+            <a:picLocks noChangeAspect="1" noChangeArrowheads="1"/>
+          </p:cNvPicPr>
+          <p:nvPr/>
+        </p:nvPicPr>
+        <p:blipFill>
+          <a:blip r:embed="rId4" cstate="print">
+            <a:extLst>
+              <a:ext uri="{28A0092B-C50C-407E-A947-70E740481C1C}">
+                <a14:useLocalDpi xmlns:a14="http://schemas.microsoft.com/office/drawing/2010/main" val="0"/>
+              </a:ext>
+            </a:extLst>
+          </a:blip>
+          <a:srcRect/>
+          <a:stretch>
+            <a:fillRect/>
+          </a:stretch>
+        </p:blipFill>
+        <p:spPr bwMode="auto">
+          <a:xfrm>
+            <a:off x="457200" y="1199512"/>
+            <a:ext cx="658416" cy="652158"/>
+          </a:xfrm>
+          <a:prstGeom prst="rect">
+            <a:avLst/>
+          </a:prstGeom>
+          <a:noFill/>
+          <a:extLst>
+            <a:ext uri="{909E8E84-426E-40DD-AFC4-6F175D3DCCD1}">
+              <a14:hiddenFill xmlns:a14="http://schemas.microsoft.com/office/drawing/2010/main">
+                <a:solidFill>
+                  <a:srgbClr val="FFFFFF"/>
+                </a:solidFill>
+              </a14:hiddenFill>
+            </a:ext>
+          </a:extLst>
+        </p:spPr>
+      </p:pic>
+      <p:sp>
+        <p:nvSpPr>
+          <p:cNvPr id="2" name="제목 1">
+            <a:extLst>
+              <a:ext uri="{FF2B5EF4-FFF2-40B4-BE49-F238E27FC236}">
+                <a16:creationId xmlns:a16="http://schemas.microsoft.com/office/drawing/2014/main" id="{9E528D3C-2E06-4FA8-9BEF-6030470CEABD}"/>
+              </a:ext>
+            </a:extLst>
+          </p:cNvPr>
+          <p:cNvSpPr>
+            <a:spLocks noGrp="1"/>
+          </p:cNvSpPr>
+          <p:nvPr>
+            <p:ph type="title"/>
+          </p:nvPr>
+        </p:nvSpPr>
+        <p:spPr>
+          <a:xfrm>
+            <a:off x="107504" y="123478"/>
+            <a:ext cx="8229600" cy="342898"/>
+          </a:xfrm>
+        </p:spPr>
+        <p:txBody>
+          <a:bodyPr>
+            <a:noAutofit/>
+          </a:bodyPr>
+          <a:lstStyle/>
+          <a:p>
+            <a:pPr algn="l"/>
+            <a:r>
+              <a:rPr lang="ko-KR" altLang="en-US" sz="2800" b="1" dirty="0">
+                <a:solidFill>
+                  <a:srgbClr val="FF99FF"/>
+                </a:solidFill>
+                <a:latin typeface="HY엽서M" panose="02030600000101010101" pitchFamily="18" charset="-127"/>
+                <a:ea typeface="HY엽서M" panose="02030600000101010101" pitchFamily="18" charset="-127"/>
+              </a:rPr>
+              <a:t>등굣길</a:t>
+            </a:r>
+          </a:p>
+        </p:txBody>
+      </p:sp>
+      <p:graphicFrame>
+        <p:nvGraphicFramePr>
+          <p:cNvPr id="20" name="표 20">
+            <a:extLst>
+              <a:ext uri="{FF2B5EF4-FFF2-40B4-BE49-F238E27FC236}">
+                <a16:creationId xmlns:a16="http://schemas.microsoft.com/office/drawing/2014/main" id="{EA5A29F7-7F5B-4C9A-BFD2-66CE9D05A0DF}"/>
+              </a:ext>
+            </a:extLst>
+          </p:cNvPr>
+          <p:cNvGraphicFramePr>
+            <a:graphicFrameLocks noGrp="1"/>
+          </p:cNvGraphicFramePr>
+          <p:nvPr>
+            <p:ph idx="1"/>
+            <p:extLst>
+              <p:ext uri="{D42A27DB-BD31-4B8C-83A1-F6EECF244321}">
+                <p14:modId xmlns:p14="http://schemas.microsoft.com/office/powerpoint/2010/main" val="90242692"/>
+              </p:ext>
+            </p:extLst>
+          </p:nvPr>
+        </p:nvGraphicFramePr>
+        <p:xfrm>
+          <a:off x="457200" y="1200150"/>
+          <a:ext cx="2700000" cy="1980000"/>
+        </p:xfrm>
+        <a:graphic>
+          <a:graphicData uri="http://schemas.openxmlformats.org/drawingml/2006/table">
+            <a:tbl>
+              <a:tblPr>
+                <a:tableStyleId>{073A0DAA-6AF3-43AB-8588-CEC1D06C72B9}</a:tableStyleId>
+              </a:tblPr>
+              <a:tblGrid>
+                <a:gridCol w="675000">
+                  <a:extLst>
+                    <a:ext uri="{9D8B030D-6E8A-4147-A177-3AD203B41FA5}">
+                      <a16:colId xmlns:a16="http://schemas.microsoft.com/office/drawing/2014/main" val="987985523"/>
+                    </a:ext>
+                  </a:extLst>
+                </a:gridCol>
+                <a:gridCol w="675000">
+                  <a:extLst>
+                    <a:ext uri="{9D8B030D-6E8A-4147-A177-3AD203B41FA5}">
+                      <a16:colId xmlns:a16="http://schemas.microsoft.com/office/drawing/2014/main" val="585349148"/>
+                    </a:ext>
+                  </a:extLst>
+                </a:gridCol>
+                <a:gridCol w="675000">
+                  <a:extLst>
+                    <a:ext uri="{9D8B030D-6E8A-4147-A177-3AD203B41FA5}">
+                      <a16:colId xmlns:a16="http://schemas.microsoft.com/office/drawing/2014/main" val="1673932392"/>
+                    </a:ext>
+                  </a:extLst>
+                </a:gridCol>
+                <a:gridCol w="675000">
+                  <a:extLst>
+                    <a:ext uri="{9D8B030D-6E8A-4147-A177-3AD203B41FA5}">
+                      <a16:colId xmlns:a16="http://schemas.microsoft.com/office/drawing/2014/main" val="655733267"/>
+                    </a:ext>
+                  </a:extLst>
+                </a:gridCol>
+              </a:tblGrid>
+              <a:tr h="660000">
+                <a:tc>
+                  <a:txBody>
+                    <a:bodyPr/>
+                    <a:lstStyle/>
+                    <a:p>
+                      <a:pPr algn="ctr" latinLnBrk="1"/>
+                      <a:endParaRPr lang="ko-KR" altLang="en-US" sz="3200" b="1" dirty="0">
+                        <a:solidFill>
+                          <a:srgbClr val="FF0000"/>
+                        </a:solidFill>
+                      </a:endParaRPr>
+                    </a:p>
+                  </a:txBody>
+                  <a:tcPr anchor="ctr">
+                    <a:lnL w="12700" cap="flat" cmpd="sng" algn="ctr">
+                      <a:solidFill>
+                        <a:schemeClr val="tx1"/>
+                      </a:solidFill>
+                      <a:prstDash val="solid"/>
+                      <a:round/>
+                      <a:headEnd type="none" w="med" len="med"/>
+                      <a:tailEnd type="none" w="med" len="med"/>
+                    </a:lnL>
+                    <a:lnR w="12700" cap="flat" cmpd="sng" algn="ctr">
+                      <a:solidFill>
+                        <a:schemeClr val="tx1"/>
+                      </a:solidFill>
+                      <a:prstDash val="solid"/>
+                      <a:round/>
+                      <a:headEnd type="none" w="med" len="med"/>
+                      <a:tailEnd type="none" w="med" len="med"/>
+                    </a:lnR>
+                    <a:lnT w="12700" cap="flat" cmpd="sng" algn="ctr">
+                      <a:solidFill>
+                        <a:schemeClr val="tx1"/>
+                      </a:solidFill>
+                      <a:prstDash val="solid"/>
+                      <a:round/>
+                      <a:headEnd type="none" w="med" len="med"/>
+                      <a:tailEnd type="none" w="med" len="med"/>
+                    </a:lnT>
+                    <a:lnB w="12700" cap="flat" cmpd="sng" algn="ctr">
+                      <a:solidFill>
+                        <a:schemeClr val="tx1"/>
+                      </a:solidFill>
+                      <a:prstDash val="solid"/>
+                      <a:round/>
+                      <a:headEnd type="none" w="med" len="med"/>
+                      <a:tailEnd type="none" w="med" len="med"/>
+                    </a:lnB>
+                    <a:noFill/>
+                  </a:tcPr>
+                </a:tc>
+                <a:tc>
+                  <a:txBody>
+                    <a:bodyPr/>
+                    <a:lstStyle/>
+                    <a:p>
+                      <a:pPr algn="ctr" latinLnBrk="1"/>
+                      <a:endParaRPr lang="ko-KR" altLang="en-US" sz="3200" b="1" dirty="0">
+                        <a:solidFill>
+                          <a:srgbClr val="FF0000"/>
+                        </a:solidFill>
+                      </a:endParaRPr>
+                    </a:p>
+                  </a:txBody>
+                  <a:tcPr anchor="ctr">
+                    <a:lnL w="12700" cap="flat" cmpd="sng" algn="ctr">
+                      <a:solidFill>
+                        <a:schemeClr val="tx1"/>
+                      </a:solidFill>
+                      <a:prstDash val="solid"/>
+                      <a:round/>
+                      <a:headEnd type="none" w="med" len="med"/>
+                      <a:tailEnd type="none" w="med" len="med"/>
+                    </a:lnL>
+                    <a:lnR w="12700" cap="flat" cmpd="sng" algn="ctr">
+                      <a:solidFill>
+                        <a:schemeClr val="tx1"/>
+                      </a:solidFill>
+                      <a:prstDash val="solid"/>
+                      <a:round/>
+                      <a:headEnd type="none" w="med" len="med"/>
+                      <a:tailEnd type="none" w="med" len="med"/>
+                    </a:lnR>
+                    <a:lnT w="12700" cap="flat" cmpd="sng" algn="ctr">
+                      <a:solidFill>
+                        <a:schemeClr val="tx1"/>
+                      </a:solidFill>
+                      <a:prstDash val="solid"/>
+                      <a:round/>
+                      <a:headEnd type="none" w="med" len="med"/>
+                      <a:tailEnd type="none" w="med" len="med"/>
+                    </a:lnT>
+                    <a:lnB w="12700" cap="flat" cmpd="sng" algn="ctr">
+                      <a:solidFill>
+                        <a:schemeClr val="tx1"/>
+                      </a:solidFill>
+                      <a:prstDash val="solid"/>
+                      <a:round/>
+                      <a:headEnd type="none" w="med" len="med"/>
+                      <a:tailEnd type="none" w="med" len="med"/>
+                    </a:lnB>
+                    <a:noFill/>
+                  </a:tcPr>
+                </a:tc>
+                <a:tc>
+                  <a:txBody>
+                    <a:bodyPr/>
+                    <a:lstStyle/>
+                    <a:p>
+                      <a:pPr algn="ctr" latinLnBrk="1"/>
+                      <a:endParaRPr lang="ko-KR" altLang="en-US" sz="3200" b="1">
+                        <a:solidFill>
+                          <a:srgbClr val="FF0000"/>
+                        </a:solidFill>
+                      </a:endParaRPr>
+                    </a:p>
+                  </a:txBody>
+                  <a:tcPr anchor="ctr">
+                    <a:lnL w="12700" cap="flat" cmpd="sng" algn="ctr">
+                      <a:solidFill>
+                        <a:schemeClr val="tx1"/>
+                      </a:solidFill>
+                      <a:prstDash val="solid"/>
+                      <a:round/>
+                      <a:headEnd type="none" w="med" len="med"/>
+                      <a:tailEnd type="none" w="med" len="med"/>
+                    </a:lnL>
+                    <a:lnR w="12700" cap="flat" cmpd="sng" algn="ctr">
+                      <a:solidFill>
+                        <a:schemeClr val="tx1"/>
+                      </a:solidFill>
+                      <a:prstDash val="solid"/>
+                      <a:round/>
+                      <a:headEnd type="none" w="med" len="med"/>
+                      <a:tailEnd type="none" w="med" len="med"/>
+                    </a:lnR>
+                    <a:lnT w="12700" cap="flat" cmpd="sng" algn="ctr">
+                      <a:solidFill>
+                        <a:schemeClr val="tx1"/>
+                      </a:solidFill>
+                      <a:prstDash val="solid"/>
+                      <a:round/>
+                      <a:headEnd type="none" w="med" len="med"/>
+                      <a:tailEnd type="none" w="med" len="med"/>
+                    </a:lnT>
+                    <a:lnB w="12700" cap="flat" cmpd="sng" algn="ctr">
+                      <a:solidFill>
+                        <a:schemeClr val="tx1"/>
+                      </a:solidFill>
+                      <a:prstDash val="solid"/>
+                      <a:round/>
+                      <a:headEnd type="none" w="med" len="med"/>
+                      <a:tailEnd type="none" w="med" len="med"/>
+                    </a:lnB>
+                    <a:noFill/>
+                  </a:tcPr>
+                </a:tc>
+                <a:tc>
+                  <a:txBody>
+                    <a:bodyPr/>
+                    <a:lstStyle/>
+                    <a:p>
+                      <a:pPr algn="ctr" latinLnBrk="1"/>
+                      <a:endParaRPr lang="ko-KR" altLang="en-US" sz="3200" b="1">
+                        <a:solidFill>
+                          <a:srgbClr val="FF0000"/>
+                        </a:solidFill>
+                      </a:endParaRPr>
+                    </a:p>
+                  </a:txBody>
+                  <a:tcPr anchor="ctr">
+                    <a:lnL w="12700" cap="flat" cmpd="sng" algn="ctr">
+                      <a:solidFill>
+                        <a:schemeClr val="tx1"/>
+                      </a:solidFill>
+                      <a:prstDash val="solid"/>
+                      <a:round/>
+                      <a:headEnd type="none" w="med" len="med"/>
+                      <a:tailEnd type="none" w="med" len="med"/>
+                    </a:lnL>
+                    <a:lnR w="12700" cap="flat" cmpd="sng" algn="ctr">
+                      <a:solidFill>
+                        <a:schemeClr val="tx1"/>
+                      </a:solidFill>
+                      <a:prstDash val="solid"/>
+                      <a:round/>
+                      <a:headEnd type="none" w="med" len="med"/>
+                      <a:tailEnd type="none" w="med" len="med"/>
+                    </a:lnR>
+                    <a:lnT w="12700" cap="flat" cmpd="sng" algn="ctr">
+                      <a:solidFill>
+                        <a:schemeClr val="tx1"/>
+                      </a:solidFill>
+                      <a:prstDash val="solid"/>
+                      <a:round/>
+                      <a:headEnd type="none" w="med" len="med"/>
+                      <a:tailEnd type="none" w="med" len="med"/>
+                    </a:lnT>
+                    <a:lnB w="12700" cap="flat" cmpd="sng" algn="ctr">
+                      <a:solidFill>
+                        <a:schemeClr val="tx1"/>
+                      </a:solidFill>
+                      <a:prstDash val="solid"/>
+                      <a:round/>
+                      <a:headEnd type="none" w="med" len="med"/>
+                      <a:tailEnd type="none" w="med" len="med"/>
+                    </a:lnB>
+                    <a:noFill/>
+                  </a:tcPr>
+                </a:tc>
+                <a:extLst>
+                  <a:ext uri="{0D108BD9-81ED-4DB2-BD59-A6C34878D82A}">
+                    <a16:rowId xmlns:a16="http://schemas.microsoft.com/office/drawing/2014/main" val="482910767"/>
+                  </a:ext>
+                </a:extLst>
+              </a:tr>
+              <a:tr h="660000">
+                <a:tc>
+                  <a:txBody>
+                    <a:bodyPr/>
+                    <a:lstStyle/>
+                    <a:p>
+                      <a:pPr algn="ctr" latinLnBrk="1"/>
+                      <a:endParaRPr lang="ko-KR" altLang="en-US" sz="3200" b="1" dirty="0">
+                        <a:solidFill>
+                          <a:srgbClr val="FF0000"/>
+                        </a:solidFill>
+                      </a:endParaRPr>
+                    </a:p>
+                  </a:txBody>
+                  <a:tcPr anchor="ctr">
+                    <a:lnL w="12700" cap="flat" cmpd="sng" algn="ctr">
+                      <a:solidFill>
+                        <a:schemeClr val="tx1"/>
+                      </a:solidFill>
+                      <a:prstDash val="solid"/>
+                      <a:round/>
+                      <a:headEnd type="none" w="med" len="med"/>
+                      <a:tailEnd type="none" w="med" len="med"/>
+                    </a:lnL>
+                    <a:lnR w="12700" cap="flat" cmpd="sng" algn="ctr">
+                      <a:solidFill>
+                        <a:schemeClr val="tx1"/>
+                      </a:solidFill>
+                      <a:prstDash val="solid"/>
+                      <a:round/>
+                      <a:headEnd type="none" w="med" len="med"/>
+                      <a:tailEnd type="none" w="med" len="med"/>
+                    </a:lnR>
+                    <a:lnT w="12700" cap="flat" cmpd="sng" algn="ctr">
+                      <a:solidFill>
+                        <a:schemeClr val="tx1"/>
+                      </a:solidFill>
+                      <a:prstDash val="solid"/>
+                      <a:round/>
+                      <a:headEnd type="none" w="med" len="med"/>
+                      <a:tailEnd type="none" w="med" len="med"/>
+                    </a:lnT>
+                    <a:lnB w="12700" cap="flat" cmpd="sng" algn="ctr">
+                      <a:solidFill>
+                        <a:schemeClr val="tx1"/>
+                      </a:solidFill>
+                      <a:prstDash val="solid"/>
+                      <a:round/>
+                      <a:headEnd type="none" w="med" len="med"/>
+                      <a:tailEnd type="none" w="med" len="med"/>
+                    </a:lnB>
+                    <a:noFill/>
+                  </a:tcPr>
+                </a:tc>
+                <a:tc>
+                  <a:txBody>
+                    <a:bodyPr/>
+                    <a:lstStyle/>
+                    <a:p>
+                      <a:pPr algn="ctr" latinLnBrk="1"/>
+                      <a:endParaRPr lang="ko-KR" altLang="en-US" sz="3200" b="1" dirty="0">
+                        <a:solidFill>
+                          <a:srgbClr val="FF0000"/>
+                        </a:solidFill>
+                      </a:endParaRPr>
+                    </a:p>
+                  </a:txBody>
+                  <a:tcPr anchor="ctr">
+                    <a:lnL w="12700" cap="flat" cmpd="sng" algn="ctr">
+                      <a:solidFill>
+                        <a:schemeClr val="tx1"/>
+                      </a:solidFill>
+                      <a:prstDash val="solid"/>
+                      <a:round/>
+                      <a:headEnd type="none" w="med" len="med"/>
+                      <a:tailEnd type="none" w="med" len="med"/>
+                    </a:lnL>
+                    <a:lnR w="12700" cap="flat" cmpd="sng" algn="ctr">
+                      <a:solidFill>
+                        <a:schemeClr val="tx1"/>
+                      </a:solidFill>
+                      <a:prstDash val="solid"/>
+                      <a:round/>
+                      <a:headEnd type="none" w="med" len="med"/>
+                      <a:tailEnd type="none" w="med" len="med"/>
+                    </a:lnR>
+                    <a:lnT w="12700" cap="flat" cmpd="sng" algn="ctr">
+                      <a:solidFill>
+                        <a:schemeClr val="tx1"/>
+                      </a:solidFill>
+                      <a:prstDash val="solid"/>
+                      <a:round/>
+                      <a:headEnd type="none" w="med" len="med"/>
+                      <a:tailEnd type="none" w="med" len="med"/>
+                    </a:lnT>
+                    <a:lnB w="12700" cap="flat" cmpd="sng" algn="ctr">
+                      <a:solidFill>
+                        <a:schemeClr val="tx1"/>
+                      </a:solidFill>
+                      <a:prstDash val="solid"/>
+                      <a:round/>
+                      <a:headEnd type="none" w="med" len="med"/>
+                      <a:tailEnd type="none" w="med" len="med"/>
+                    </a:lnB>
+                    <a:noFill/>
+                  </a:tcPr>
+                </a:tc>
+                <a:tc>
+                  <a:txBody>
+                    <a:bodyPr/>
+                    <a:lstStyle/>
+                    <a:p>
+                      <a:pPr algn="ctr" latinLnBrk="1"/>
+                      <a:endParaRPr lang="ko-KR" altLang="en-US" sz="3200" b="1" dirty="0">
+                        <a:solidFill>
+                          <a:srgbClr val="FF0000"/>
+                        </a:solidFill>
+                      </a:endParaRPr>
+                    </a:p>
+                  </a:txBody>
+                  <a:tcPr anchor="ctr">
+                    <a:lnL w="12700" cap="flat" cmpd="sng" algn="ctr">
+                      <a:solidFill>
+                        <a:schemeClr val="tx1"/>
+                      </a:solidFill>
+                      <a:prstDash val="solid"/>
+                      <a:round/>
+                      <a:headEnd type="none" w="med" len="med"/>
+                      <a:tailEnd type="none" w="med" len="med"/>
+                    </a:lnL>
+                    <a:lnR w="12700" cap="flat" cmpd="sng" algn="ctr">
+                      <a:solidFill>
+                        <a:schemeClr val="tx1"/>
+                      </a:solidFill>
+                      <a:prstDash val="solid"/>
+                      <a:round/>
+                      <a:headEnd type="none" w="med" len="med"/>
+                      <a:tailEnd type="none" w="med" len="med"/>
+                    </a:lnR>
+                    <a:lnT w="12700" cap="flat" cmpd="sng" algn="ctr">
+                      <a:solidFill>
+                        <a:schemeClr val="tx1"/>
+                      </a:solidFill>
+                      <a:prstDash val="solid"/>
+                      <a:round/>
+                      <a:headEnd type="none" w="med" len="med"/>
+                      <a:tailEnd type="none" w="med" len="med"/>
+                    </a:lnT>
+                    <a:lnB w="12700" cap="flat" cmpd="sng" algn="ctr">
+                      <a:solidFill>
+                        <a:schemeClr val="tx1"/>
+                      </a:solidFill>
+                      <a:prstDash val="solid"/>
+                      <a:round/>
+                      <a:headEnd type="none" w="med" len="med"/>
+                      <a:tailEnd type="none" w="med" len="med"/>
+                    </a:lnB>
+                    <a:noFill/>
+                  </a:tcPr>
+                </a:tc>
+                <a:tc>
+                  <a:txBody>
+                    <a:bodyPr/>
+                    <a:lstStyle/>
+                    <a:p>
+                      <a:pPr algn="ctr" latinLnBrk="1"/>
+                      <a:endParaRPr lang="ko-KR" altLang="en-US" sz="3200" b="1" dirty="0">
+                        <a:solidFill>
+                          <a:srgbClr val="FF0000"/>
+                        </a:solidFill>
+                      </a:endParaRPr>
+                    </a:p>
+                  </a:txBody>
+                  <a:tcPr anchor="ctr">
+                    <a:lnL w="12700" cap="flat" cmpd="sng" algn="ctr">
+                      <a:solidFill>
+                        <a:schemeClr val="tx1"/>
+                      </a:solidFill>
+                      <a:prstDash val="solid"/>
+                      <a:round/>
+                      <a:headEnd type="none" w="med" len="med"/>
+                      <a:tailEnd type="none" w="med" len="med"/>
+                    </a:lnL>
+                    <a:lnR w="12700" cap="flat" cmpd="sng" algn="ctr">
+                      <a:solidFill>
+                        <a:schemeClr val="tx1"/>
+                      </a:solidFill>
+                      <a:prstDash val="solid"/>
+                      <a:round/>
+                      <a:headEnd type="none" w="med" len="med"/>
+                      <a:tailEnd type="none" w="med" len="med"/>
+                    </a:lnR>
+                    <a:lnT w="12700" cap="flat" cmpd="sng" algn="ctr">
+                      <a:solidFill>
+                        <a:schemeClr val="tx1"/>
+                      </a:solidFill>
+                      <a:prstDash val="solid"/>
+                      <a:round/>
+                      <a:headEnd type="none" w="med" len="med"/>
+                      <a:tailEnd type="none" w="med" len="med"/>
+                    </a:lnT>
+                    <a:lnB w="12700" cap="flat" cmpd="sng" algn="ctr">
+                      <a:solidFill>
+                        <a:schemeClr val="tx1"/>
+                      </a:solidFill>
+                      <a:prstDash val="solid"/>
+                      <a:round/>
+                      <a:headEnd type="none" w="med" len="med"/>
+                      <a:tailEnd type="none" w="med" len="med"/>
+                    </a:lnB>
+                    <a:noFill/>
+                  </a:tcPr>
+                </a:tc>
+                <a:extLst>
+                  <a:ext uri="{0D108BD9-81ED-4DB2-BD59-A6C34878D82A}">
+                    <a16:rowId xmlns:a16="http://schemas.microsoft.com/office/drawing/2014/main" val="733504754"/>
+                  </a:ext>
+                </a:extLst>
+              </a:tr>
+              <a:tr h="660000">
+                <a:tc>
+                  <a:txBody>
+                    <a:bodyPr/>
+                    <a:lstStyle/>
+                    <a:p>
+                      <a:pPr algn="ctr" latinLnBrk="1"/>
+                      <a:endParaRPr lang="ko-KR" altLang="en-US" sz="3200" b="1">
+                        <a:solidFill>
+                          <a:srgbClr val="FF0000"/>
+                        </a:solidFill>
+                      </a:endParaRPr>
+                    </a:p>
+                  </a:txBody>
+                  <a:tcPr anchor="ctr">
+                    <a:lnL w="12700" cap="flat" cmpd="sng" algn="ctr">
+                      <a:solidFill>
+                        <a:schemeClr val="tx1"/>
+                      </a:solidFill>
+                      <a:prstDash val="solid"/>
+                      <a:round/>
+                      <a:headEnd type="none" w="med" len="med"/>
+                      <a:tailEnd type="none" w="med" len="med"/>
+                    </a:lnL>
+                    <a:lnR w="12700" cap="flat" cmpd="sng" algn="ctr">
+                      <a:solidFill>
+                        <a:schemeClr val="tx1"/>
+                      </a:solidFill>
+                      <a:prstDash val="solid"/>
+                      <a:round/>
+                      <a:headEnd type="none" w="med" len="med"/>
+                      <a:tailEnd type="none" w="med" len="med"/>
+                    </a:lnR>
+                    <a:lnT w="12700" cap="flat" cmpd="sng" algn="ctr">
+                      <a:solidFill>
+                        <a:schemeClr val="tx1"/>
+                      </a:solidFill>
+                      <a:prstDash val="solid"/>
+                      <a:round/>
+                      <a:headEnd type="none" w="med" len="med"/>
+                      <a:tailEnd type="none" w="med" len="med"/>
+                    </a:lnT>
+                    <a:lnB w="12700" cap="flat" cmpd="sng" algn="ctr">
+                      <a:solidFill>
+                        <a:schemeClr val="tx1"/>
+                      </a:solidFill>
+                      <a:prstDash val="solid"/>
+                      <a:round/>
+                      <a:headEnd type="none" w="med" len="med"/>
+                      <a:tailEnd type="none" w="med" len="med"/>
+                    </a:lnB>
+                    <a:noFill/>
+                  </a:tcPr>
+                </a:tc>
+                <a:tc>
+                  <a:txBody>
+                    <a:bodyPr/>
+                    <a:lstStyle/>
+                    <a:p>
+                      <a:pPr algn="ctr" latinLnBrk="1"/>
+                      <a:endParaRPr lang="ko-KR" altLang="en-US" sz="3200" b="1">
+                        <a:solidFill>
+                          <a:srgbClr val="FF0000"/>
+                        </a:solidFill>
+                      </a:endParaRPr>
+                    </a:p>
+                  </a:txBody>
+                  <a:tcPr anchor="ctr">
+                    <a:lnL w="12700" cap="flat" cmpd="sng" algn="ctr">
+                      <a:solidFill>
+                        <a:schemeClr val="tx1"/>
+                      </a:solidFill>
+                      <a:prstDash val="solid"/>
+                      <a:round/>
+                      <a:headEnd type="none" w="med" len="med"/>
+                      <a:tailEnd type="none" w="med" len="med"/>
+                    </a:lnL>
+                    <a:lnR w="12700" cap="flat" cmpd="sng" algn="ctr">
+                      <a:solidFill>
+                        <a:schemeClr val="tx1"/>
+                      </a:solidFill>
+                      <a:prstDash val="solid"/>
+                      <a:round/>
+                      <a:headEnd type="none" w="med" len="med"/>
+                      <a:tailEnd type="none" w="med" len="med"/>
+                    </a:lnR>
+                    <a:lnT w="12700" cap="flat" cmpd="sng" algn="ctr">
+                      <a:solidFill>
+                        <a:schemeClr val="tx1"/>
+                      </a:solidFill>
+                      <a:prstDash val="solid"/>
+                      <a:round/>
+                      <a:headEnd type="none" w="med" len="med"/>
+                      <a:tailEnd type="none" w="med" len="med"/>
+                    </a:lnT>
+                    <a:lnB w="12700" cap="flat" cmpd="sng" algn="ctr">
+                      <a:solidFill>
+                        <a:schemeClr val="tx1"/>
+                      </a:solidFill>
+                      <a:prstDash val="solid"/>
+                      <a:round/>
+                      <a:headEnd type="none" w="med" len="med"/>
+                      <a:tailEnd type="none" w="med" len="med"/>
+                    </a:lnB>
+                    <a:noFill/>
+                  </a:tcPr>
+                </a:tc>
+                <a:tc>
+                  <a:txBody>
+                    <a:bodyPr/>
+                    <a:lstStyle/>
+                    <a:p>
+                      <a:pPr algn="ctr" latinLnBrk="1"/>
+                      <a:endParaRPr lang="ko-KR" altLang="en-US" sz="3200" b="1" dirty="0">
+                        <a:solidFill>
+                          <a:srgbClr val="FF0000"/>
+                        </a:solidFill>
+                      </a:endParaRPr>
+                    </a:p>
+                  </a:txBody>
+                  <a:tcPr anchor="ctr">
+                    <a:lnL w="12700" cap="flat" cmpd="sng" algn="ctr">
+                      <a:solidFill>
+                        <a:schemeClr val="tx1"/>
+                      </a:solidFill>
+                      <a:prstDash val="solid"/>
+                      <a:round/>
+                      <a:headEnd type="none" w="med" len="med"/>
+                      <a:tailEnd type="none" w="med" len="med"/>
+                    </a:lnL>
+                    <a:lnR w="12700" cap="flat" cmpd="sng" algn="ctr">
+                      <a:solidFill>
+                        <a:schemeClr val="tx1"/>
+                      </a:solidFill>
+                      <a:prstDash val="solid"/>
+                      <a:round/>
+                      <a:headEnd type="none" w="med" len="med"/>
+                      <a:tailEnd type="none" w="med" len="med"/>
+                    </a:lnR>
+                    <a:lnT w="12700" cap="flat" cmpd="sng" algn="ctr">
+                      <a:solidFill>
+                        <a:schemeClr val="tx1"/>
+                      </a:solidFill>
+                      <a:prstDash val="solid"/>
+                      <a:round/>
+                      <a:headEnd type="none" w="med" len="med"/>
+                      <a:tailEnd type="none" w="med" len="med"/>
+                    </a:lnT>
+                    <a:lnB w="12700" cap="flat" cmpd="sng" algn="ctr">
+                      <a:solidFill>
+                        <a:schemeClr val="tx1"/>
+                      </a:solidFill>
+                      <a:prstDash val="solid"/>
+                      <a:round/>
+                      <a:headEnd type="none" w="med" len="med"/>
+                      <a:tailEnd type="none" w="med" len="med"/>
+                    </a:lnB>
+                    <a:noFill/>
+                  </a:tcPr>
+                </a:tc>
+                <a:tc>
+                  <a:txBody>
+                    <a:bodyPr/>
+                    <a:lstStyle/>
+                    <a:p>
+                      <a:pPr algn="ctr" latinLnBrk="1"/>
+                      <a:endParaRPr lang="ko-KR" altLang="en-US" sz="3200" b="1" dirty="0">
+                        <a:solidFill>
+                          <a:srgbClr val="FF0000"/>
+                        </a:solidFill>
+                      </a:endParaRPr>
+                    </a:p>
+                  </a:txBody>
+                  <a:tcPr anchor="ctr">
+                    <a:lnL w="12700" cap="flat" cmpd="sng" algn="ctr">
+                      <a:solidFill>
+                        <a:schemeClr val="tx1"/>
+                      </a:solidFill>
+                      <a:prstDash val="solid"/>
+                      <a:round/>
+                      <a:headEnd type="none" w="med" len="med"/>
+                      <a:tailEnd type="none" w="med" len="med"/>
+                    </a:lnL>
+                    <a:lnR w="12700" cap="flat" cmpd="sng" algn="ctr">
+                      <a:solidFill>
+                        <a:schemeClr val="tx1"/>
+                      </a:solidFill>
+                      <a:prstDash val="solid"/>
+                      <a:round/>
+                      <a:headEnd type="none" w="med" len="med"/>
+                      <a:tailEnd type="none" w="med" len="med"/>
+                    </a:lnR>
+                    <a:lnT w="12700" cap="flat" cmpd="sng" algn="ctr">
+                      <a:solidFill>
+                        <a:schemeClr val="tx1"/>
+                      </a:solidFill>
+                      <a:prstDash val="solid"/>
+                      <a:round/>
+                      <a:headEnd type="none" w="med" len="med"/>
+                      <a:tailEnd type="none" w="med" len="med"/>
+                    </a:lnT>
+                    <a:lnB w="12700" cap="flat" cmpd="sng" algn="ctr">
+                      <a:solidFill>
+                        <a:schemeClr val="tx1"/>
+                      </a:solidFill>
+                      <a:prstDash val="solid"/>
+                      <a:round/>
+                      <a:headEnd type="none" w="med" len="med"/>
+                      <a:tailEnd type="none" w="med" len="med"/>
+                    </a:lnB>
+                    <a:noFill/>
+                  </a:tcPr>
+                </a:tc>
+                <a:extLst>
+                  <a:ext uri="{0D108BD9-81ED-4DB2-BD59-A6C34878D82A}">
+                    <a16:rowId xmlns:a16="http://schemas.microsoft.com/office/drawing/2014/main" val="2553521684"/>
+                  </a:ext>
+                </a:extLst>
+              </a:tr>
+            </a:tbl>
+          </a:graphicData>
+        </a:graphic>
+      </p:graphicFrame>
+      <p:graphicFrame>
+        <p:nvGraphicFramePr>
+          <p:cNvPr id="27" name="표 20">
+            <a:extLst>
+              <a:ext uri="{FF2B5EF4-FFF2-40B4-BE49-F238E27FC236}">
+                <a16:creationId xmlns:a16="http://schemas.microsoft.com/office/drawing/2014/main" id="{0E5BF6C0-E8A7-47B7-84CA-C02C1BBC6551}"/>
+              </a:ext>
+            </a:extLst>
+          </p:cNvPr>
+          <p:cNvGraphicFramePr>
+            <a:graphicFrameLocks/>
+          </p:cNvGraphicFramePr>
+          <p:nvPr>
+            <p:extLst>
+              <p:ext uri="{D42A27DB-BD31-4B8C-83A1-F6EECF244321}">
+                <p14:modId xmlns:p14="http://schemas.microsoft.com/office/powerpoint/2010/main" val="3628961588"/>
+              </p:ext>
+            </p:extLst>
+          </p:nvPr>
+        </p:nvGraphicFramePr>
+        <p:xfrm>
+          <a:off x="457200" y="1199512"/>
+          <a:ext cx="2700000" cy="1980000"/>
+        </p:xfrm>
+        <a:graphic>
+          <a:graphicData uri="http://schemas.openxmlformats.org/drawingml/2006/table">
+            <a:tbl>
+              <a:tblPr>
+                <a:tableStyleId>{073A0DAA-6AF3-43AB-8588-CEC1D06C72B9}</a:tableStyleId>
+              </a:tblPr>
+              <a:tblGrid>
+                <a:gridCol w="675000">
+                  <a:extLst>
+                    <a:ext uri="{9D8B030D-6E8A-4147-A177-3AD203B41FA5}">
+                      <a16:colId xmlns:a16="http://schemas.microsoft.com/office/drawing/2014/main" val="987985523"/>
+                    </a:ext>
+                  </a:extLst>
+                </a:gridCol>
+                <a:gridCol w="675000">
+                  <a:extLst>
+                    <a:ext uri="{9D8B030D-6E8A-4147-A177-3AD203B41FA5}">
+                      <a16:colId xmlns:a16="http://schemas.microsoft.com/office/drawing/2014/main" val="585349148"/>
+                    </a:ext>
+                  </a:extLst>
+                </a:gridCol>
+                <a:gridCol w="675000">
+                  <a:extLst>
+                    <a:ext uri="{9D8B030D-6E8A-4147-A177-3AD203B41FA5}">
+                      <a16:colId xmlns:a16="http://schemas.microsoft.com/office/drawing/2014/main" val="1673932392"/>
+                    </a:ext>
+                  </a:extLst>
+                </a:gridCol>
+                <a:gridCol w="675000">
+                  <a:extLst>
+                    <a:ext uri="{9D8B030D-6E8A-4147-A177-3AD203B41FA5}">
+                      <a16:colId xmlns:a16="http://schemas.microsoft.com/office/drawing/2014/main" val="655733267"/>
+                    </a:ext>
+                  </a:extLst>
+                </a:gridCol>
+              </a:tblGrid>
+              <a:tr h="660000">
+                <a:tc>
+                  <a:txBody>
+                    <a:bodyPr/>
+                    <a:lstStyle/>
+                    <a:p>
+                      <a:pPr algn="ctr" latinLnBrk="1"/>
+                      <a:r>
+                        <a:rPr lang="en-US" altLang="ko-KR" sz="3200" b="1" dirty="0">
+                          <a:solidFill>
+                            <a:srgbClr val="FF0000"/>
+                          </a:solidFill>
+                        </a:rPr>
+                        <a:t>1</a:t>
+                      </a:r>
+                      <a:endParaRPr lang="ko-KR" altLang="en-US" sz="3200" b="1" dirty="0">
+                        <a:solidFill>
+                          <a:srgbClr val="FF0000"/>
+                        </a:solidFill>
+                      </a:endParaRPr>
+                    </a:p>
+                  </a:txBody>
+                  <a:tcPr anchor="ctr">
+                    <a:lnL w="12700" cap="flat" cmpd="sng" algn="ctr">
+                      <a:solidFill>
+                        <a:schemeClr val="tx1"/>
+                      </a:solidFill>
+                      <a:prstDash val="solid"/>
+                      <a:round/>
+                      <a:headEnd type="none" w="med" len="med"/>
+                      <a:tailEnd type="none" w="med" len="med"/>
+                    </a:lnL>
+                    <a:lnR w="12700" cap="flat" cmpd="sng" algn="ctr">
+                      <a:solidFill>
+                        <a:schemeClr val="tx1"/>
+                      </a:solidFill>
+                      <a:prstDash val="solid"/>
+                      <a:round/>
+                      <a:headEnd type="none" w="med" len="med"/>
+                      <a:tailEnd type="none" w="med" len="med"/>
+                    </a:lnR>
+                    <a:lnT w="12700" cap="flat" cmpd="sng" algn="ctr">
+                      <a:solidFill>
+                        <a:schemeClr val="tx1"/>
+                      </a:solidFill>
+                      <a:prstDash val="solid"/>
+                      <a:round/>
+                      <a:headEnd type="none" w="med" len="med"/>
+                      <a:tailEnd type="none" w="med" len="med"/>
+                    </a:lnT>
+                    <a:lnB w="12700" cap="flat" cmpd="sng" algn="ctr">
+                      <a:solidFill>
+                        <a:schemeClr val="tx1"/>
+                      </a:solidFill>
+                      <a:prstDash val="solid"/>
+                      <a:round/>
+                      <a:headEnd type="none" w="med" len="med"/>
+                      <a:tailEnd type="none" w="med" len="med"/>
+                    </a:lnB>
+                    <a:noFill/>
+                  </a:tcPr>
+                </a:tc>
+                <a:tc>
+                  <a:txBody>
+                    <a:bodyPr/>
+                    <a:lstStyle/>
+                    <a:p>
+                      <a:pPr algn="ctr" latinLnBrk="1"/>
+                      <a:endParaRPr lang="ko-KR" altLang="en-US" sz="3200" b="1" dirty="0">
+                        <a:solidFill>
+                          <a:srgbClr val="FF0000"/>
+                        </a:solidFill>
+                      </a:endParaRPr>
+                    </a:p>
+                  </a:txBody>
+                  <a:tcPr anchor="ctr">
+                    <a:lnL w="12700" cap="flat" cmpd="sng" algn="ctr">
+                      <a:solidFill>
+                        <a:schemeClr val="tx1"/>
+                      </a:solidFill>
+                      <a:prstDash val="solid"/>
+                      <a:round/>
+                      <a:headEnd type="none" w="med" len="med"/>
+                      <a:tailEnd type="none" w="med" len="med"/>
+                    </a:lnL>
+                    <a:lnR w="12700" cap="flat" cmpd="sng" algn="ctr">
+                      <a:solidFill>
+                        <a:schemeClr val="tx1"/>
+                      </a:solidFill>
+                      <a:prstDash val="solid"/>
+                      <a:round/>
+                      <a:headEnd type="none" w="med" len="med"/>
+                      <a:tailEnd type="none" w="med" len="med"/>
+                    </a:lnR>
+                    <a:lnT w="12700" cap="flat" cmpd="sng" algn="ctr">
+                      <a:solidFill>
+                        <a:schemeClr val="tx1"/>
+                      </a:solidFill>
+                      <a:prstDash val="solid"/>
+                      <a:round/>
+                      <a:headEnd type="none" w="med" len="med"/>
+                      <a:tailEnd type="none" w="med" len="med"/>
+                    </a:lnT>
+                    <a:lnB w="12700" cap="flat" cmpd="sng" algn="ctr">
+                      <a:solidFill>
+                        <a:schemeClr val="tx1"/>
+                      </a:solidFill>
+                      <a:prstDash val="solid"/>
+                      <a:round/>
+                      <a:headEnd type="none" w="med" len="med"/>
+                      <a:tailEnd type="none" w="med" len="med"/>
+                    </a:lnB>
+                    <a:noFill/>
+                  </a:tcPr>
+                </a:tc>
+                <a:tc>
+                  <a:txBody>
+                    <a:bodyPr/>
+                    <a:lstStyle/>
+                    <a:p>
+                      <a:pPr algn="ctr" latinLnBrk="1"/>
+                      <a:endParaRPr lang="ko-KR" altLang="en-US" sz="3200" b="1">
+                        <a:solidFill>
+                          <a:srgbClr val="FF0000"/>
+                        </a:solidFill>
+                      </a:endParaRPr>
+                    </a:p>
+                  </a:txBody>
+                  <a:tcPr anchor="ctr">
+                    <a:lnL w="12700" cap="flat" cmpd="sng" algn="ctr">
+                      <a:solidFill>
+                        <a:schemeClr val="tx1"/>
+                      </a:solidFill>
+                      <a:prstDash val="solid"/>
+                      <a:round/>
+                      <a:headEnd type="none" w="med" len="med"/>
+                      <a:tailEnd type="none" w="med" len="med"/>
+                    </a:lnL>
+                    <a:lnR w="12700" cap="flat" cmpd="sng" algn="ctr">
+                      <a:solidFill>
+                        <a:schemeClr val="tx1"/>
+                      </a:solidFill>
+                      <a:prstDash val="solid"/>
+                      <a:round/>
+                      <a:headEnd type="none" w="med" len="med"/>
+                      <a:tailEnd type="none" w="med" len="med"/>
+                    </a:lnR>
+                    <a:lnT w="12700" cap="flat" cmpd="sng" algn="ctr">
+                      <a:solidFill>
+                        <a:schemeClr val="tx1"/>
+                      </a:solidFill>
+                      <a:prstDash val="solid"/>
+                      <a:round/>
+                      <a:headEnd type="none" w="med" len="med"/>
+                      <a:tailEnd type="none" w="med" len="med"/>
+                    </a:lnT>
+                    <a:lnB w="12700" cap="flat" cmpd="sng" algn="ctr">
+                      <a:solidFill>
+                        <a:schemeClr val="tx1"/>
+                      </a:solidFill>
+                      <a:prstDash val="solid"/>
+                      <a:round/>
+                      <a:headEnd type="none" w="med" len="med"/>
+                      <a:tailEnd type="none" w="med" len="med"/>
+                    </a:lnB>
+                    <a:noFill/>
+                  </a:tcPr>
+                </a:tc>
+                <a:tc>
+                  <a:txBody>
+                    <a:bodyPr/>
+                    <a:lstStyle/>
+                    <a:p>
+                      <a:pPr algn="ctr" latinLnBrk="1"/>
+                      <a:endParaRPr lang="ko-KR" altLang="en-US" sz="3200" b="1">
+                        <a:solidFill>
+                          <a:srgbClr val="FF0000"/>
+                        </a:solidFill>
+                      </a:endParaRPr>
+                    </a:p>
+                  </a:txBody>
+                  <a:tcPr anchor="ctr">
+                    <a:lnL w="12700" cap="flat" cmpd="sng" algn="ctr">
+                      <a:solidFill>
+                        <a:schemeClr val="tx1"/>
+                      </a:solidFill>
+                      <a:prstDash val="solid"/>
+                      <a:round/>
+                      <a:headEnd type="none" w="med" len="med"/>
+                      <a:tailEnd type="none" w="med" len="med"/>
+                    </a:lnL>
+                    <a:lnR w="12700" cap="flat" cmpd="sng" algn="ctr">
+                      <a:solidFill>
+                        <a:schemeClr val="tx1"/>
+                      </a:solidFill>
+                      <a:prstDash val="solid"/>
+                      <a:round/>
+                      <a:headEnd type="none" w="med" len="med"/>
+                      <a:tailEnd type="none" w="med" len="med"/>
+                    </a:lnR>
+                    <a:lnT w="12700" cap="flat" cmpd="sng" algn="ctr">
+                      <a:solidFill>
+                        <a:schemeClr val="tx1"/>
+                      </a:solidFill>
+                      <a:prstDash val="solid"/>
+                      <a:round/>
+                      <a:headEnd type="none" w="med" len="med"/>
+                      <a:tailEnd type="none" w="med" len="med"/>
+                    </a:lnT>
+                    <a:lnB w="12700" cap="flat" cmpd="sng" algn="ctr">
+                      <a:solidFill>
+                        <a:schemeClr val="tx1"/>
+                      </a:solidFill>
+                      <a:prstDash val="solid"/>
+                      <a:round/>
+                      <a:headEnd type="none" w="med" len="med"/>
+                      <a:tailEnd type="none" w="med" len="med"/>
+                    </a:lnB>
+                    <a:noFill/>
+                  </a:tcPr>
+                </a:tc>
+                <a:extLst>
+                  <a:ext uri="{0D108BD9-81ED-4DB2-BD59-A6C34878D82A}">
+                    <a16:rowId xmlns:a16="http://schemas.microsoft.com/office/drawing/2014/main" val="482910767"/>
+                  </a:ext>
+                </a:extLst>
+              </a:tr>
+              <a:tr h="660000">
+                <a:tc>
+                  <a:txBody>
+                    <a:bodyPr/>
+                    <a:lstStyle/>
+                    <a:p>
+                      <a:pPr algn="ctr" latinLnBrk="1"/>
+                      <a:endParaRPr lang="ko-KR" altLang="en-US" sz="3200" b="1" dirty="0">
+                        <a:solidFill>
+                          <a:srgbClr val="FF0000"/>
+                        </a:solidFill>
+                      </a:endParaRPr>
+                    </a:p>
+                  </a:txBody>
+                  <a:tcPr anchor="ctr">
+                    <a:lnL w="12700" cap="flat" cmpd="sng" algn="ctr">
+                      <a:solidFill>
+                        <a:schemeClr val="tx1"/>
+                      </a:solidFill>
+                      <a:prstDash val="solid"/>
+                      <a:round/>
+                      <a:headEnd type="none" w="med" len="med"/>
+                      <a:tailEnd type="none" w="med" len="med"/>
+                    </a:lnL>
+                    <a:lnR w="12700" cap="flat" cmpd="sng" algn="ctr">
+                      <a:solidFill>
+                        <a:schemeClr val="tx1"/>
+                      </a:solidFill>
+                      <a:prstDash val="solid"/>
+                      <a:round/>
+                      <a:headEnd type="none" w="med" len="med"/>
+                      <a:tailEnd type="none" w="med" len="med"/>
+                    </a:lnR>
+                    <a:lnT w="12700" cap="flat" cmpd="sng" algn="ctr">
+                      <a:solidFill>
+                        <a:schemeClr val="tx1"/>
+                      </a:solidFill>
+                      <a:prstDash val="solid"/>
+                      <a:round/>
+                      <a:headEnd type="none" w="med" len="med"/>
+                      <a:tailEnd type="none" w="med" len="med"/>
+                    </a:lnT>
+                    <a:lnB w="12700" cap="flat" cmpd="sng" algn="ctr">
+                      <a:solidFill>
+                        <a:schemeClr val="tx1"/>
+                      </a:solidFill>
+                      <a:prstDash val="solid"/>
+                      <a:round/>
+                      <a:headEnd type="none" w="med" len="med"/>
+                      <a:tailEnd type="none" w="med" len="med"/>
+                    </a:lnB>
+                    <a:noFill/>
+                  </a:tcPr>
+                </a:tc>
+                <a:tc>
+                  <a:txBody>
+                    <a:bodyPr/>
+                    <a:lstStyle/>
+                    <a:p>
+                      <a:pPr algn="ctr" latinLnBrk="1"/>
+                      <a:r>
+                        <a:rPr lang="en-US" altLang="ko-KR" sz="3200" b="1" dirty="0">
+                          <a:solidFill>
+                            <a:srgbClr val="FF0000"/>
+                          </a:solidFill>
+                        </a:rPr>
+                        <a:t>0</a:t>
+                      </a:r>
+                      <a:endParaRPr lang="ko-KR" altLang="en-US" sz="3200" b="1" dirty="0">
+                        <a:solidFill>
+                          <a:srgbClr val="FF0000"/>
+                        </a:solidFill>
+                      </a:endParaRPr>
+                    </a:p>
+                  </a:txBody>
+                  <a:tcPr anchor="ctr">
+                    <a:lnL w="12700" cap="flat" cmpd="sng" algn="ctr">
+                      <a:solidFill>
+                        <a:schemeClr val="tx1"/>
+                      </a:solidFill>
+                      <a:prstDash val="solid"/>
+                      <a:round/>
+                      <a:headEnd type="none" w="med" len="med"/>
+                      <a:tailEnd type="none" w="med" len="med"/>
+                    </a:lnL>
+                    <a:lnR w="12700" cap="flat" cmpd="sng" algn="ctr">
+                      <a:solidFill>
+                        <a:schemeClr val="tx1"/>
+                      </a:solidFill>
+                      <a:prstDash val="solid"/>
+                      <a:round/>
+                      <a:headEnd type="none" w="med" len="med"/>
+                      <a:tailEnd type="none" w="med" len="med"/>
+                    </a:lnR>
+                    <a:lnT w="12700" cap="flat" cmpd="sng" algn="ctr">
+                      <a:solidFill>
+                        <a:schemeClr val="tx1"/>
+                      </a:solidFill>
+                      <a:prstDash val="solid"/>
+                      <a:round/>
+                      <a:headEnd type="none" w="med" len="med"/>
+                      <a:tailEnd type="none" w="med" len="med"/>
+                    </a:lnT>
+                    <a:lnB w="12700" cap="flat" cmpd="sng" algn="ctr">
+                      <a:solidFill>
+                        <a:schemeClr val="tx1"/>
+                      </a:solidFill>
+                      <a:prstDash val="solid"/>
+                      <a:round/>
+                      <a:headEnd type="none" w="med" len="med"/>
+                      <a:tailEnd type="none" w="med" len="med"/>
+                    </a:lnB>
+                    <a:noFill/>
+                  </a:tcPr>
+                </a:tc>
+                <a:tc>
+                  <a:txBody>
+                    <a:bodyPr/>
+                    <a:lstStyle/>
+                    <a:p>
+                      <a:pPr algn="ctr" latinLnBrk="1"/>
+                      <a:endParaRPr lang="ko-KR" altLang="en-US" sz="3200" b="1" dirty="0">
+                        <a:solidFill>
+                          <a:srgbClr val="FF0000"/>
+                        </a:solidFill>
+                      </a:endParaRPr>
+                    </a:p>
+                  </a:txBody>
+                  <a:tcPr anchor="ctr">
+                    <a:lnL w="12700" cap="flat" cmpd="sng" algn="ctr">
+                      <a:solidFill>
+                        <a:schemeClr val="tx1"/>
+                      </a:solidFill>
+                      <a:prstDash val="solid"/>
+                      <a:round/>
+                      <a:headEnd type="none" w="med" len="med"/>
+                      <a:tailEnd type="none" w="med" len="med"/>
+                    </a:lnL>
+                    <a:lnR w="12700" cap="flat" cmpd="sng" algn="ctr">
+                      <a:solidFill>
+                        <a:schemeClr val="tx1"/>
+                      </a:solidFill>
+                      <a:prstDash val="solid"/>
+                      <a:round/>
+                      <a:headEnd type="none" w="med" len="med"/>
+                      <a:tailEnd type="none" w="med" len="med"/>
+                    </a:lnR>
+                    <a:lnT w="12700" cap="flat" cmpd="sng" algn="ctr">
+                      <a:solidFill>
+                        <a:schemeClr val="tx1"/>
+                      </a:solidFill>
+                      <a:prstDash val="solid"/>
+                      <a:round/>
+                      <a:headEnd type="none" w="med" len="med"/>
+                      <a:tailEnd type="none" w="med" len="med"/>
+                    </a:lnT>
+                    <a:lnB w="12700" cap="flat" cmpd="sng" algn="ctr">
+                      <a:solidFill>
+                        <a:schemeClr val="tx1"/>
+                      </a:solidFill>
+                      <a:prstDash val="solid"/>
+                      <a:round/>
+                      <a:headEnd type="none" w="med" len="med"/>
+                      <a:tailEnd type="none" w="med" len="med"/>
+                    </a:lnB>
+                    <a:noFill/>
+                  </a:tcPr>
+                </a:tc>
+                <a:tc>
+                  <a:txBody>
+                    <a:bodyPr/>
+                    <a:lstStyle/>
+                    <a:p>
+                      <a:pPr algn="ctr" latinLnBrk="1"/>
+                      <a:endParaRPr lang="ko-KR" altLang="en-US" sz="3200" b="1" dirty="0">
+                        <a:solidFill>
+                          <a:srgbClr val="FF0000"/>
+                        </a:solidFill>
+                      </a:endParaRPr>
+                    </a:p>
+                  </a:txBody>
+                  <a:tcPr anchor="ctr">
+                    <a:lnL w="12700" cap="flat" cmpd="sng" algn="ctr">
+                      <a:solidFill>
+                        <a:schemeClr val="tx1"/>
+                      </a:solidFill>
+                      <a:prstDash val="solid"/>
+                      <a:round/>
+                      <a:headEnd type="none" w="med" len="med"/>
+                      <a:tailEnd type="none" w="med" len="med"/>
+                    </a:lnL>
+                    <a:lnR w="12700" cap="flat" cmpd="sng" algn="ctr">
+                      <a:solidFill>
+                        <a:schemeClr val="tx1"/>
+                      </a:solidFill>
+                      <a:prstDash val="solid"/>
+                      <a:round/>
+                      <a:headEnd type="none" w="med" len="med"/>
+                      <a:tailEnd type="none" w="med" len="med"/>
+                    </a:lnR>
+                    <a:lnT w="12700" cap="flat" cmpd="sng" algn="ctr">
+                      <a:solidFill>
+                        <a:schemeClr val="tx1"/>
+                      </a:solidFill>
+                      <a:prstDash val="solid"/>
+                      <a:round/>
+                      <a:headEnd type="none" w="med" len="med"/>
+                      <a:tailEnd type="none" w="med" len="med"/>
+                    </a:lnT>
+                    <a:lnB w="12700" cap="flat" cmpd="sng" algn="ctr">
+                      <a:solidFill>
+                        <a:schemeClr val="tx1"/>
+                      </a:solidFill>
+                      <a:prstDash val="solid"/>
+                      <a:round/>
+                      <a:headEnd type="none" w="med" len="med"/>
+                      <a:tailEnd type="none" w="med" len="med"/>
+                    </a:lnB>
+                    <a:noFill/>
+                  </a:tcPr>
+                </a:tc>
+                <a:extLst>
+                  <a:ext uri="{0D108BD9-81ED-4DB2-BD59-A6C34878D82A}">
+                    <a16:rowId xmlns:a16="http://schemas.microsoft.com/office/drawing/2014/main" val="733504754"/>
+                  </a:ext>
+                </a:extLst>
+              </a:tr>
+              <a:tr h="660000">
+                <a:tc>
+                  <a:txBody>
+                    <a:bodyPr/>
+                    <a:lstStyle/>
+                    <a:p>
+                      <a:pPr algn="ctr" latinLnBrk="1"/>
+                      <a:endParaRPr lang="ko-KR" altLang="en-US" sz="3200" b="1">
+                        <a:solidFill>
+                          <a:srgbClr val="FF0000"/>
+                        </a:solidFill>
+                      </a:endParaRPr>
+                    </a:p>
+                  </a:txBody>
+                  <a:tcPr anchor="ctr">
+                    <a:lnL w="12700" cap="flat" cmpd="sng" algn="ctr">
+                      <a:solidFill>
+                        <a:schemeClr val="tx1"/>
+                      </a:solidFill>
+                      <a:prstDash val="solid"/>
+                      <a:round/>
+                      <a:headEnd type="none" w="med" len="med"/>
+                      <a:tailEnd type="none" w="med" len="med"/>
+                    </a:lnL>
+                    <a:lnR w="12700" cap="flat" cmpd="sng" algn="ctr">
+                      <a:solidFill>
+                        <a:schemeClr val="tx1"/>
+                      </a:solidFill>
+                      <a:prstDash val="solid"/>
+                      <a:round/>
+                      <a:headEnd type="none" w="med" len="med"/>
+                      <a:tailEnd type="none" w="med" len="med"/>
+                    </a:lnR>
+                    <a:lnT w="12700" cap="flat" cmpd="sng" algn="ctr">
+                      <a:solidFill>
+                        <a:schemeClr val="tx1"/>
+                      </a:solidFill>
+                      <a:prstDash val="solid"/>
+                      <a:round/>
+                      <a:headEnd type="none" w="med" len="med"/>
+                      <a:tailEnd type="none" w="med" len="med"/>
+                    </a:lnT>
+                    <a:lnB w="12700" cap="flat" cmpd="sng" algn="ctr">
+                      <a:solidFill>
+                        <a:schemeClr val="tx1"/>
+                      </a:solidFill>
+                      <a:prstDash val="solid"/>
+                      <a:round/>
+                      <a:headEnd type="none" w="med" len="med"/>
+                      <a:tailEnd type="none" w="med" len="med"/>
+                    </a:lnB>
+                    <a:noFill/>
+                  </a:tcPr>
+                </a:tc>
+                <a:tc>
+                  <a:txBody>
+                    <a:bodyPr/>
+                    <a:lstStyle/>
+                    <a:p>
+                      <a:pPr algn="ctr" latinLnBrk="1"/>
+                      <a:endParaRPr lang="ko-KR" altLang="en-US" sz="3200" b="1">
+                        <a:solidFill>
+                          <a:srgbClr val="FF0000"/>
+                        </a:solidFill>
+                      </a:endParaRPr>
+                    </a:p>
+                  </a:txBody>
+                  <a:tcPr anchor="ctr">
+                    <a:lnL w="12700" cap="flat" cmpd="sng" algn="ctr">
+                      <a:solidFill>
+                        <a:schemeClr val="tx1"/>
+                      </a:solidFill>
+                      <a:prstDash val="solid"/>
+                      <a:round/>
+                      <a:headEnd type="none" w="med" len="med"/>
+                      <a:tailEnd type="none" w="med" len="med"/>
+                    </a:lnL>
+                    <a:lnR w="12700" cap="flat" cmpd="sng" algn="ctr">
+                      <a:solidFill>
+                        <a:schemeClr val="tx1"/>
+                      </a:solidFill>
+                      <a:prstDash val="solid"/>
+                      <a:round/>
+                      <a:headEnd type="none" w="med" len="med"/>
+                      <a:tailEnd type="none" w="med" len="med"/>
+                    </a:lnR>
+                    <a:lnT w="12700" cap="flat" cmpd="sng" algn="ctr">
+                      <a:solidFill>
+                        <a:schemeClr val="tx1"/>
+                      </a:solidFill>
+                      <a:prstDash val="solid"/>
+                      <a:round/>
+                      <a:headEnd type="none" w="med" len="med"/>
+                      <a:tailEnd type="none" w="med" len="med"/>
+                    </a:lnT>
+                    <a:lnB w="12700" cap="flat" cmpd="sng" algn="ctr">
+                      <a:solidFill>
+                        <a:schemeClr val="tx1"/>
+                      </a:solidFill>
+                      <a:prstDash val="solid"/>
+                      <a:round/>
+                      <a:headEnd type="none" w="med" len="med"/>
+                      <a:tailEnd type="none" w="med" len="med"/>
+                    </a:lnB>
+                    <a:noFill/>
+                  </a:tcPr>
+                </a:tc>
+                <a:tc>
+                  <a:txBody>
+                    <a:bodyPr/>
+                    <a:lstStyle/>
+                    <a:p>
+                      <a:pPr algn="ctr" latinLnBrk="1"/>
+                      <a:endParaRPr lang="ko-KR" altLang="en-US" sz="3200" b="1" dirty="0">
+                        <a:solidFill>
+                          <a:srgbClr val="FF0000"/>
+                        </a:solidFill>
+                      </a:endParaRPr>
+                    </a:p>
+                  </a:txBody>
+                  <a:tcPr anchor="ctr">
+                    <a:lnL w="12700" cap="flat" cmpd="sng" algn="ctr">
+                      <a:solidFill>
+                        <a:schemeClr val="tx1"/>
+                      </a:solidFill>
+                      <a:prstDash val="solid"/>
+                      <a:round/>
+                      <a:headEnd type="none" w="med" len="med"/>
+                      <a:tailEnd type="none" w="med" len="med"/>
+                    </a:lnL>
+                    <a:lnR w="12700" cap="flat" cmpd="sng" algn="ctr">
+                      <a:solidFill>
+                        <a:schemeClr val="tx1"/>
+                      </a:solidFill>
+                      <a:prstDash val="solid"/>
+                      <a:round/>
+                      <a:headEnd type="none" w="med" len="med"/>
+                      <a:tailEnd type="none" w="med" len="med"/>
+                    </a:lnR>
+                    <a:lnT w="12700" cap="flat" cmpd="sng" algn="ctr">
+                      <a:solidFill>
+                        <a:schemeClr val="tx1"/>
+                      </a:solidFill>
+                      <a:prstDash val="solid"/>
+                      <a:round/>
+                      <a:headEnd type="none" w="med" len="med"/>
+                      <a:tailEnd type="none" w="med" len="med"/>
+                    </a:lnT>
+                    <a:lnB w="12700" cap="flat" cmpd="sng" algn="ctr">
+                      <a:solidFill>
+                        <a:schemeClr val="tx1"/>
+                      </a:solidFill>
+                      <a:prstDash val="solid"/>
+                      <a:round/>
+                      <a:headEnd type="none" w="med" len="med"/>
+                      <a:tailEnd type="none" w="med" len="med"/>
+                    </a:lnB>
+                    <a:noFill/>
+                  </a:tcPr>
+                </a:tc>
+                <a:tc>
+                  <a:txBody>
+                    <a:bodyPr/>
+                    <a:lstStyle/>
+                    <a:p>
+                      <a:pPr algn="ctr" latinLnBrk="1"/>
+                      <a:endParaRPr lang="ko-KR" altLang="en-US" sz="3200" b="1" dirty="0">
+                        <a:solidFill>
+                          <a:srgbClr val="FF0000"/>
+                        </a:solidFill>
+                      </a:endParaRPr>
+                    </a:p>
+                  </a:txBody>
+                  <a:tcPr anchor="ctr">
+                    <a:lnL w="12700" cap="flat" cmpd="sng" algn="ctr">
+                      <a:solidFill>
+                        <a:schemeClr val="tx1"/>
+                      </a:solidFill>
+                      <a:prstDash val="solid"/>
+                      <a:round/>
+                      <a:headEnd type="none" w="med" len="med"/>
+                      <a:tailEnd type="none" w="med" len="med"/>
+                    </a:lnL>
+                    <a:lnR w="12700" cap="flat" cmpd="sng" algn="ctr">
+                      <a:solidFill>
+                        <a:schemeClr val="tx1"/>
+                      </a:solidFill>
+                      <a:prstDash val="solid"/>
+                      <a:round/>
+                      <a:headEnd type="none" w="med" len="med"/>
+                      <a:tailEnd type="none" w="med" len="med"/>
+                    </a:lnR>
+                    <a:lnT w="12700" cap="flat" cmpd="sng" algn="ctr">
+                      <a:solidFill>
+                        <a:schemeClr val="tx1"/>
+                      </a:solidFill>
+                      <a:prstDash val="solid"/>
+                      <a:round/>
+                      <a:headEnd type="none" w="med" len="med"/>
+                      <a:tailEnd type="none" w="med" len="med"/>
+                    </a:lnT>
+                    <a:lnB w="12700" cap="flat" cmpd="sng" algn="ctr">
+                      <a:solidFill>
+                        <a:schemeClr val="tx1"/>
+                      </a:solidFill>
+                      <a:prstDash val="solid"/>
+                      <a:round/>
+                      <a:headEnd type="none" w="med" len="med"/>
+                      <a:tailEnd type="none" w="med" len="med"/>
+                    </a:lnB>
+                    <a:noFill/>
+                  </a:tcPr>
+                </a:tc>
+                <a:extLst>
+                  <a:ext uri="{0D108BD9-81ED-4DB2-BD59-A6C34878D82A}">
+                    <a16:rowId xmlns:a16="http://schemas.microsoft.com/office/drawing/2014/main" val="2553521684"/>
+                  </a:ext>
+                </a:extLst>
+              </a:tr>
+            </a:tbl>
+          </a:graphicData>
+        </a:graphic>
+      </p:graphicFrame>
+      <p:graphicFrame>
+        <p:nvGraphicFramePr>
+          <p:cNvPr id="28" name="표 20">
+            <a:extLst>
+              <a:ext uri="{FF2B5EF4-FFF2-40B4-BE49-F238E27FC236}">
+                <a16:creationId xmlns:a16="http://schemas.microsoft.com/office/drawing/2014/main" id="{27A43077-338E-4FC4-B6DB-1C3AC944EDED}"/>
+              </a:ext>
+            </a:extLst>
+          </p:cNvPr>
+          <p:cNvGraphicFramePr>
+            <a:graphicFrameLocks/>
+          </p:cNvGraphicFramePr>
+          <p:nvPr>
+            <p:extLst>
+              <p:ext uri="{D42A27DB-BD31-4B8C-83A1-F6EECF244321}">
+                <p14:modId xmlns:p14="http://schemas.microsoft.com/office/powerpoint/2010/main" val="3769202450"/>
+              </p:ext>
+            </p:extLst>
+          </p:nvPr>
+        </p:nvGraphicFramePr>
+        <p:xfrm>
+          <a:off x="457200" y="1199512"/>
+          <a:ext cx="2700000" cy="1980000"/>
+        </p:xfrm>
+        <a:graphic>
+          <a:graphicData uri="http://schemas.openxmlformats.org/drawingml/2006/table">
+            <a:tbl>
+              <a:tblPr>
+                <a:tableStyleId>{073A0DAA-6AF3-43AB-8588-CEC1D06C72B9}</a:tableStyleId>
+              </a:tblPr>
+              <a:tblGrid>
+                <a:gridCol w="675000">
+                  <a:extLst>
+                    <a:ext uri="{9D8B030D-6E8A-4147-A177-3AD203B41FA5}">
+                      <a16:colId xmlns:a16="http://schemas.microsoft.com/office/drawing/2014/main" val="987985523"/>
+                    </a:ext>
+                  </a:extLst>
+                </a:gridCol>
+                <a:gridCol w="675000">
+                  <a:extLst>
+                    <a:ext uri="{9D8B030D-6E8A-4147-A177-3AD203B41FA5}">
+                      <a16:colId xmlns:a16="http://schemas.microsoft.com/office/drawing/2014/main" val="585349148"/>
+                    </a:ext>
+                  </a:extLst>
+                </a:gridCol>
+                <a:gridCol w="675000">
+                  <a:extLst>
+                    <a:ext uri="{9D8B030D-6E8A-4147-A177-3AD203B41FA5}">
+                      <a16:colId xmlns:a16="http://schemas.microsoft.com/office/drawing/2014/main" val="1673932392"/>
+                    </a:ext>
+                  </a:extLst>
+                </a:gridCol>
+                <a:gridCol w="675000">
+                  <a:extLst>
+                    <a:ext uri="{9D8B030D-6E8A-4147-A177-3AD203B41FA5}">
+                      <a16:colId xmlns:a16="http://schemas.microsoft.com/office/drawing/2014/main" val="655733267"/>
+                    </a:ext>
+                  </a:extLst>
+                </a:gridCol>
+              </a:tblGrid>
+              <a:tr h="660000">
+                <a:tc>
+                  <a:txBody>
+                    <a:bodyPr/>
+                    <a:lstStyle/>
+                    <a:p>
+                      <a:pPr algn="ctr" latinLnBrk="1"/>
+                      <a:r>
+                        <a:rPr lang="en-US" altLang="ko-KR" sz="3200" b="1" dirty="0">
+                          <a:solidFill>
+                            <a:srgbClr val="FF0000"/>
+                          </a:solidFill>
+                        </a:rPr>
+                        <a:t>1</a:t>
+                      </a:r>
+                      <a:endParaRPr lang="ko-KR" altLang="en-US" sz="3200" b="1" dirty="0">
+                        <a:solidFill>
+                          <a:srgbClr val="FF0000"/>
+                        </a:solidFill>
+                      </a:endParaRPr>
+                    </a:p>
+                  </a:txBody>
+                  <a:tcPr anchor="ctr">
+                    <a:lnL w="12700" cap="flat" cmpd="sng" algn="ctr">
+                      <a:solidFill>
+                        <a:schemeClr val="tx1"/>
+                      </a:solidFill>
+                      <a:prstDash val="solid"/>
+                      <a:round/>
+                      <a:headEnd type="none" w="med" len="med"/>
+                      <a:tailEnd type="none" w="med" len="med"/>
+                    </a:lnL>
+                    <a:lnR w="12700" cap="flat" cmpd="sng" algn="ctr">
+                      <a:solidFill>
+                        <a:schemeClr val="tx1"/>
+                      </a:solidFill>
+                      <a:prstDash val="solid"/>
+                      <a:round/>
+                      <a:headEnd type="none" w="med" len="med"/>
+                      <a:tailEnd type="none" w="med" len="med"/>
+                    </a:lnR>
+                    <a:lnT w="12700" cap="flat" cmpd="sng" algn="ctr">
+                      <a:solidFill>
+                        <a:schemeClr val="tx1"/>
+                      </a:solidFill>
+                      <a:prstDash val="solid"/>
+                      <a:round/>
+                      <a:headEnd type="none" w="med" len="med"/>
+                      <a:tailEnd type="none" w="med" len="med"/>
+                    </a:lnT>
+                    <a:lnB w="12700" cap="flat" cmpd="sng" algn="ctr">
+                      <a:solidFill>
+                        <a:schemeClr val="tx1"/>
+                      </a:solidFill>
+                      <a:prstDash val="solid"/>
+                      <a:round/>
+                      <a:headEnd type="none" w="med" len="med"/>
+                      <a:tailEnd type="none" w="med" len="med"/>
+                    </a:lnB>
+                    <a:noFill/>
+                  </a:tcPr>
+                </a:tc>
+                <a:tc>
+                  <a:txBody>
+                    <a:bodyPr/>
+                    <a:lstStyle/>
+                    <a:p>
+                      <a:pPr algn="ctr" latinLnBrk="1"/>
+                      <a:r>
+                        <a:rPr lang="en-US" altLang="ko-KR" sz="3200" b="1" dirty="0">
+                          <a:solidFill>
+                            <a:srgbClr val="FF0000"/>
+                          </a:solidFill>
+                        </a:rPr>
+                        <a:t>1</a:t>
+                      </a:r>
+                      <a:endParaRPr lang="ko-KR" altLang="en-US" sz="3200" b="1" dirty="0">
+                        <a:solidFill>
+                          <a:srgbClr val="FF0000"/>
+                        </a:solidFill>
+                      </a:endParaRPr>
+                    </a:p>
+                  </a:txBody>
+                  <a:tcPr anchor="ctr">
+                    <a:lnL w="12700" cap="flat" cmpd="sng" algn="ctr">
+                      <a:solidFill>
+                        <a:schemeClr val="tx1"/>
+                      </a:solidFill>
+                      <a:prstDash val="solid"/>
+                      <a:round/>
+                      <a:headEnd type="none" w="med" len="med"/>
+                      <a:tailEnd type="none" w="med" len="med"/>
+                    </a:lnL>
+                    <a:lnR w="12700" cap="flat" cmpd="sng" algn="ctr">
+                      <a:solidFill>
+                        <a:schemeClr val="tx1"/>
+                      </a:solidFill>
+                      <a:prstDash val="solid"/>
+                      <a:round/>
+                      <a:headEnd type="none" w="med" len="med"/>
+                      <a:tailEnd type="none" w="med" len="med"/>
+                    </a:lnR>
+                    <a:lnT w="12700" cap="flat" cmpd="sng" algn="ctr">
+                      <a:solidFill>
+                        <a:schemeClr val="tx1"/>
+                      </a:solidFill>
+                      <a:prstDash val="solid"/>
+                      <a:round/>
+                      <a:headEnd type="none" w="med" len="med"/>
+                      <a:tailEnd type="none" w="med" len="med"/>
+                    </a:lnT>
+                    <a:lnB w="12700" cap="flat" cmpd="sng" algn="ctr">
+                      <a:solidFill>
+                        <a:schemeClr val="tx1"/>
+                      </a:solidFill>
+                      <a:prstDash val="solid"/>
+                      <a:round/>
+                      <a:headEnd type="none" w="med" len="med"/>
+                      <a:tailEnd type="none" w="med" len="med"/>
+                    </a:lnB>
+                    <a:solidFill>
+                      <a:schemeClr val="bg1">
+                        <a:lumMod val="85000"/>
+                      </a:schemeClr>
+                    </a:solidFill>
+                  </a:tcPr>
+                </a:tc>
+                <a:tc>
+                  <a:txBody>
+                    <a:bodyPr/>
+                    <a:lstStyle/>
+                    <a:p>
+                      <a:pPr algn="ctr" latinLnBrk="1"/>
+                      <a:r>
+                        <a:rPr lang="en-US" altLang="ko-KR" sz="3200" b="1" dirty="0">
+                          <a:solidFill>
+                            <a:srgbClr val="FF0000"/>
+                          </a:solidFill>
+                        </a:rPr>
+                        <a:t>1</a:t>
+                      </a:r>
+                      <a:endParaRPr lang="ko-KR" altLang="en-US" sz="3200" b="1" dirty="0">
+                        <a:solidFill>
+                          <a:srgbClr val="FF0000"/>
+                        </a:solidFill>
+                      </a:endParaRPr>
+                    </a:p>
+                  </a:txBody>
+                  <a:tcPr anchor="ctr">
+                    <a:lnL w="12700" cap="flat" cmpd="sng" algn="ctr">
+                      <a:solidFill>
+                        <a:schemeClr val="tx1"/>
+                      </a:solidFill>
+                      <a:prstDash val="solid"/>
+                      <a:round/>
+                      <a:headEnd type="none" w="med" len="med"/>
+                      <a:tailEnd type="none" w="med" len="med"/>
+                    </a:lnL>
+                    <a:lnR w="12700" cap="flat" cmpd="sng" algn="ctr">
+                      <a:solidFill>
+                        <a:schemeClr val="tx1"/>
+                      </a:solidFill>
+                      <a:prstDash val="solid"/>
+                      <a:round/>
+                      <a:headEnd type="none" w="med" len="med"/>
+                      <a:tailEnd type="none" w="med" len="med"/>
+                    </a:lnR>
+                    <a:lnT w="12700" cap="flat" cmpd="sng" algn="ctr">
+                      <a:solidFill>
+                        <a:schemeClr val="tx1"/>
+                      </a:solidFill>
+                      <a:prstDash val="solid"/>
+                      <a:round/>
+                      <a:headEnd type="none" w="med" len="med"/>
+                      <a:tailEnd type="none" w="med" len="med"/>
+                    </a:lnT>
+                    <a:lnB w="12700" cap="flat" cmpd="sng" algn="ctr">
+                      <a:solidFill>
+                        <a:schemeClr val="tx1"/>
+                      </a:solidFill>
+                      <a:prstDash val="solid"/>
+                      <a:round/>
+                      <a:headEnd type="none" w="med" len="med"/>
+                      <a:tailEnd type="none" w="med" len="med"/>
+                    </a:lnB>
+                    <a:solidFill>
+                      <a:schemeClr val="bg1">
+                        <a:lumMod val="85000"/>
+                      </a:schemeClr>
+                    </a:solidFill>
+                  </a:tcPr>
+                </a:tc>
+                <a:tc>
+                  <a:txBody>
+                    <a:bodyPr/>
+                    <a:lstStyle/>
+                    <a:p>
+                      <a:pPr algn="ctr" latinLnBrk="1"/>
+                      <a:r>
+                        <a:rPr lang="en-US" altLang="ko-KR" sz="3200" b="1" dirty="0">
+                          <a:solidFill>
+                            <a:srgbClr val="FF0000"/>
+                          </a:solidFill>
+                        </a:rPr>
+                        <a:t>1</a:t>
+                      </a:r>
+                      <a:endParaRPr lang="ko-KR" altLang="en-US" sz="3200" b="1" dirty="0">
+                        <a:solidFill>
+                          <a:srgbClr val="FF0000"/>
+                        </a:solidFill>
+                      </a:endParaRPr>
+                    </a:p>
+                  </a:txBody>
+                  <a:tcPr anchor="ctr">
+                    <a:lnL w="12700" cap="flat" cmpd="sng" algn="ctr">
+                      <a:solidFill>
+                        <a:schemeClr val="tx1"/>
+                      </a:solidFill>
+                      <a:prstDash val="solid"/>
+                      <a:round/>
+                      <a:headEnd type="none" w="med" len="med"/>
+                      <a:tailEnd type="none" w="med" len="med"/>
+                    </a:lnL>
+                    <a:lnR w="12700" cap="flat" cmpd="sng" algn="ctr">
+                      <a:solidFill>
+                        <a:schemeClr val="tx1"/>
+                      </a:solidFill>
+                      <a:prstDash val="solid"/>
+                      <a:round/>
+                      <a:headEnd type="none" w="med" len="med"/>
+                      <a:tailEnd type="none" w="med" len="med"/>
+                    </a:lnR>
+                    <a:lnT w="12700" cap="flat" cmpd="sng" algn="ctr">
+                      <a:solidFill>
+                        <a:schemeClr val="tx1"/>
+                      </a:solidFill>
+                      <a:prstDash val="solid"/>
+                      <a:round/>
+                      <a:headEnd type="none" w="med" len="med"/>
+                      <a:tailEnd type="none" w="med" len="med"/>
+                    </a:lnT>
+                    <a:lnB w="12700" cap="flat" cmpd="sng" algn="ctr">
+                      <a:solidFill>
+                        <a:schemeClr val="tx1"/>
+                      </a:solidFill>
+                      <a:prstDash val="solid"/>
+                      <a:round/>
+                      <a:headEnd type="none" w="med" len="med"/>
+                      <a:tailEnd type="none" w="med" len="med"/>
+                    </a:lnB>
+                    <a:solidFill>
+                      <a:schemeClr val="bg1">
+                        <a:lumMod val="85000"/>
+                      </a:schemeClr>
+                    </a:solidFill>
+                  </a:tcPr>
+                </a:tc>
+                <a:extLst>
+                  <a:ext uri="{0D108BD9-81ED-4DB2-BD59-A6C34878D82A}">
+                    <a16:rowId xmlns:a16="http://schemas.microsoft.com/office/drawing/2014/main" val="482910767"/>
+                  </a:ext>
+                </a:extLst>
+              </a:tr>
+              <a:tr h="660000">
+                <a:tc>
+                  <a:txBody>
+                    <a:bodyPr/>
+                    <a:lstStyle/>
+                    <a:p>
+                      <a:pPr algn="ctr" latinLnBrk="1"/>
+                      <a:r>
+                        <a:rPr lang="en-US" altLang="ko-KR" sz="3200" b="1" dirty="0">
+                          <a:solidFill>
+                            <a:srgbClr val="FF0000"/>
+                          </a:solidFill>
+                        </a:rPr>
+                        <a:t>1</a:t>
+                      </a:r>
+                      <a:endParaRPr lang="ko-KR" altLang="en-US" sz="3200" b="1" dirty="0">
+                        <a:solidFill>
+                          <a:srgbClr val="FF0000"/>
+                        </a:solidFill>
+                      </a:endParaRPr>
+                    </a:p>
+                  </a:txBody>
+                  <a:tcPr anchor="ctr">
+                    <a:lnL w="12700" cap="flat" cmpd="sng" algn="ctr">
+                      <a:solidFill>
+                        <a:schemeClr val="tx1"/>
+                      </a:solidFill>
+                      <a:prstDash val="solid"/>
+                      <a:round/>
+                      <a:headEnd type="none" w="med" len="med"/>
+                      <a:tailEnd type="none" w="med" len="med"/>
+                    </a:lnL>
+                    <a:lnR w="12700" cap="flat" cmpd="sng" algn="ctr">
+                      <a:solidFill>
+                        <a:schemeClr val="tx1"/>
+                      </a:solidFill>
+                      <a:prstDash val="solid"/>
+                      <a:round/>
+                      <a:headEnd type="none" w="med" len="med"/>
+                      <a:tailEnd type="none" w="med" len="med"/>
+                    </a:lnR>
+                    <a:lnT w="12700" cap="flat" cmpd="sng" algn="ctr">
+                      <a:solidFill>
+                        <a:schemeClr val="tx1"/>
+                      </a:solidFill>
+                      <a:prstDash val="solid"/>
+                      <a:round/>
+                      <a:headEnd type="none" w="med" len="med"/>
+                      <a:tailEnd type="none" w="med" len="med"/>
+                    </a:lnT>
+                    <a:lnB w="12700" cap="flat" cmpd="sng" algn="ctr">
+                      <a:solidFill>
+                        <a:schemeClr val="tx1"/>
+                      </a:solidFill>
+                      <a:prstDash val="solid"/>
+                      <a:round/>
+                      <a:headEnd type="none" w="med" len="med"/>
+                      <a:tailEnd type="none" w="med" len="med"/>
+                    </a:lnB>
+                    <a:solidFill>
+                      <a:schemeClr val="bg1">
+                        <a:lumMod val="85000"/>
+                      </a:schemeClr>
+                    </a:solidFill>
+                  </a:tcPr>
+                </a:tc>
+                <a:tc>
+                  <a:txBody>
+                    <a:bodyPr/>
+                    <a:lstStyle/>
+                    <a:p>
+                      <a:pPr algn="ctr" latinLnBrk="1"/>
+                      <a:r>
+                        <a:rPr lang="en-US" altLang="ko-KR" sz="3200" b="1" dirty="0">
+                          <a:solidFill>
+                            <a:srgbClr val="FF0000"/>
+                          </a:solidFill>
+                        </a:rPr>
+                        <a:t>0</a:t>
+                      </a:r>
+                      <a:endParaRPr lang="ko-KR" altLang="en-US" sz="3200" b="1" dirty="0">
+                        <a:solidFill>
+                          <a:srgbClr val="FF0000"/>
+                        </a:solidFill>
+                      </a:endParaRPr>
+                    </a:p>
+                  </a:txBody>
+                  <a:tcPr anchor="ctr">
+                    <a:lnL w="12700" cap="flat" cmpd="sng" algn="ctr">
+                      <a:solidFill>
+                        <a:schemeClr val="tx1"/>
+                      </a:solidFill>
+                      <a:prstDash val="solid"/>
+                      <a:round/>
+                      <a:headEnd type="none" w="med" len="med"/>
+                      <a:tailEnd type="none" w="med" len="med"/>
+                    </a:lnL>
+                    <a:lnR w="12700" cap="flat" cmpd="sng" algn="ctr">
+                      <a:solidFill>
+                        <a:schemeClr val="tx1"/>
+                      </a:solidFill>
+                      <a:prstDash val="solid"/>
+                      <a:round/>
+                      <a:headEnd type="none" w="med" len="med"/>
+                      <a:tailEnd type="none" w="med" len="med"/>
+                    </a:lnR>
+                    <a:lnT w="12700" cap="flat" cmpd="sng" algn="ctr">
+                      <a:solidFill>
+                        <a:schemeClr val="tx1"/>
+                      </a:solidFill>
+                      <a:prstDash val="solid"/>
+                      <a:round/>
+                      <a:headEnd type="none" w="med" len="med"/>
+                      <a:tailEnd type="none" w="med" len="med"/>
+                    </a:lnT>
+                    <a:lnB w="12700" cap="flat" cmpd="sng" algn="ctr">
+                      <a:solidFill>
+                        <a:schemeClr val="tx1"/>
+                      </a:solidFill>
+                      <a:prstDash val="solid"/>
+                      <a:round/>
+                      <a:headEnd type="none" w="med" len="med"/>
+                      <a:tailEnd type="none" w="med" len="med"/>
+                    </a:lnB>
+                    <a:noFill/>
+                  </a:tcPr>
+                </a:tc>
+                <a:tc>
+                  <a:txBody>
+                    <a:bodyPr/>
+                    <a:lstStyle/>
+                    <a:p>
+                      <a:pPr algn="ctr" latinLnBrk="1"/>
+                      <a:endParaRPr lang="ko-KR" altLang="en-US" sz="3200" b="1" dirty="0">
+                        <a:solidFill>
+                          <a:srgbClr val="FF0000"/>
+                        </a:solidFill>
+                      </a:endParaRPr>
+                    </a:p>
+                  </a:txBody>
+                  <a:tcPr anchor="ctr">
+                    <a:lnL w="12700" cap="flat" cmpd="sng" algn="ctr">
+                      <a:solidFill>
+                        <a:schemeClr val="tx1"/>
+                      </a:solidFill>
+                      <a:prstDash val="solid"/>
+                      <a:round/>
+                      <a:headEnd type="none" w="med" len="med"/>
+                      <a:tailEnd type="none" w="med" len="med"/>
+                    </a:lnL>
+                    <a:lnR w="12700" cap="flat" cmpd="sng" algn="ctr">
+                      <a:solidFill>
+                        <a:schemeClr val="tx1"/>
+                      </a:solidFill>
+                      <a:prstDash val="solid"/>
+                      <a:round/>
+                      <a:headEnd type="none" w="med" len="med"/>
+                      <a:tailEnd type="none" w="med" len="med"/>
+                    </a:lnR>
+                    <a:lnT w="12700" cap="flat" cmpd="sng" algn="ctr">
+                      <a:solidFill>
+                        <a:schemeClr val="tx1"/>
+                      </a:solidFill>
+                      <a:prstDash val="solid"/>
+                      <a:round/>
+                      <a:headEnd type="none" w="med" len="med"/>
+                      <a:tailEnd type="none" w="med" len="med"/>
+                    </a:lnT>
+                    <a:lnB w="12700" cap="flat" cmpd="sng" algn="ctr">
+                      <a:solidFill>
+                        <a:schemeClr val="tx1"/>
+                      </a:solidFill>
+                      <a:prstDash val="solid"/>
+                      <a:round/>
+                      <a:headEnd type="none" w="med" len="med"/>
+                      <a:tailEnd type="none" w="med" len="med"/>
+                    </a:lnB>
+                    <a:noFill/>
+                  </a:tcPr>
+                </a:tc>
+                <a:tc>
+                  <a:txBody>
+                    <a:bodyPr/>
+                    <a:lstStyle/>
+                    <a:p>
+                      <a:pPr algn="ctr" latinLnBrk="1"/>
+                      <a:endParaRPr lang="ko-KR" altLang="en-US" sz="3200" b="1" dirty="0">
+                        <a:solidFill>
+                          <a:srgbClr val="FF0000"/>
+                        </a:solidFill>
+                      </a:endParaRPr>
+                    </a:p>
+                  </a:txBody>
+                  <a:tcPr anchor="ctr">
+                    <a:lnL w="12700" cap="flat" cmpd="sng" algn="ctr">
+                      <a:solidFill>
+                        <a:schemeClr val="tx1"/>
+                      </a:solidFill>
+                      <a:prstDash val="solid"/>
+                      <a:round/>
+                      <a:headEnd type="none" w="med" len="med"/>
+                      <a:tailEnd type="none" w="med" len="med"/>
+                    </a:lnL>
+                    <a:lnR w="12700" cap="flat" cmpd="sng" algn="ctr">
+                      <a:solidFill>
+                        <a:schemeClr val="tx1"/>
+                      </a:solidFill>
+                      <a:prstDash val="solid"/>
+                      <a:round/>
+                      <a:headEnd type="none" w="med" len="med"/>
+                      <a:tailEnd type="none" w="med" len="med"/>
+                    </a:lnR>
+                    <a:lnT w="12700" cap="flat" cmpd="sng" algn="ctr">
+                      <a:solidFill>
+                        <a:schemeClr val="tx1"/>
+                      </a:solidFill>
+                      <a:prstDash val="solid"/>
+                      <a:round/>
+                      <a:headEnd type="none" w="med" len="med"/>
+                      <a:tailEnd type="none" w="med" len="med"/>
+                    </a:lnT>
+                    <a:lnB w="12700" cap="flat" cmpd="sng" algn="ctr">
+                      <a:solidFill>
+                        <a:schemeClr val="tx1"/>
+                      </a:solidFill>
+                      <a:prstDash val="solid"/>
+                      <a:round/>
+                      <a:headEnd type="none" w="med" len="med"/>
+                      <a:tailEnd type="none" w="med" len="med"/>
+                    </a:lnB>
+                    <a:noFill/>
+                  </a:tcPr>
+                </a:tc>
+                <a:extLst>
+                  <a:ext uri="{0D108BD9-81ED-4DB2-BD59-A6C34878D82A}">
+                    <a16:rowId xmlns:a16="http://schemas.microsoft.com/office/drawing/2014/main" val="733504754"/>
+                  </a:ext>
+                </a:extLst>
+              </a:tr>
+              <a:tr h="660000">
+                <a:tc>
+                  <a:txBody>
+                    <a:bodyPr/>
+                    <a:lstStyle/>
+                    <a:p>
+                      <a:pPr algn="ctr" latinLnBrk="1"/>
+                      <a:r>
+                        <a:rPr lang="en-US" altLang="ko-KR" sz="3200" b="1" dirty="0">
+                          <a:solidFill>
+                            <a:srgbClr val="FF0000"/>
+                          </a:solidFill>
+                        </a:rPr>
+                        <a:t>1</a:t>
+                      </a:r>
+                      <a:endParaRPr lang="ko-KR" altLang="en-US" sz="3200" b="1" dirty="0">
+                        <a:solidFill>
+                          <a:srgbClr val="FF0000"/>
+                        </a:solidFill>
+                      </a:endParaRPr>
+                    </a:p>
+                  </a:txBody>
+                  <a:tcPr anchor="ctr">
+                    <a:lnL w="12700" cap="flat" cmpd="sng" algn="ctr">
+                      <a:solidFill>
+                        <a:schemeClr val="tx1"/>
+                      </a:solidFill>
+                      <a:prstDash val="solid"/>
+                      <a:round/>
+                      <a:headEnd type="none" w="med" len="med"/>
+                      <a:tailEnd type="none" w="med" len="med"/>
+                    </a:lnL>
+                    <a:lnR w="12700" cap="flat" cmpd="sng" algn="ctr">
+                      <a:solidFill>
+                        <a:schemeClr val="tx1"/>
+                      </a:solidFill>
+                      <a:prstDash val="solid"/>
+                      <a:round/>
+                      <a:headEnd type="none" w="med" len="med"/>
+                      <a:tailEnd type="none" w="med" len="med"/>
+                    </a:lnR>
+                    <a:lnT w="12700" cap="flat" cmpd="sng" algn="ctr">
+                      <a:solidFill>
+                        <a:schemeClr val="tx1"/>
+                      </a:solidFill>
+                      <a:prstDash val="solid"/>
+                      <a:round/>
+                      <a:headEnd type="none" w="med" len="med"/>
+                      <a:tailEnd type="none" w="med" len="med"/>
+                    </a:lnT>
+                    <a:lnB w="12700" cap="flat" cmpd="sng" algn="ctr">
+                      <a:solidFill>
+                        <a:schemeClr val="tx1"/>
+                      </a:solidFill>
+                      <a:prstDash val="solid"/>
+                      <a:round/>
+                      <a:headEnd type="none" w="med" len="med"/>
+                      <a:tailEnd type="none" w="med" len="med"/>
+                    </a:lnB>
+                    <a:solidFill>
+                      <a:schemeClr val="bg1">
+                        <a:lumMod val="85000"/>
+                      </a:schemeClr>
+                    </a:solidFill>
+                  </a:tcPr>
+                </a:tc>
+                <a:tc>
+                  <a:txBody>
+                    <a:bodyPr/>
+                    <a:lstStyle/>
+                    <a:p>
+                      <a:pPr algn="ctr" latinLnBrk="1"/>
+                      <a:endParaRPr lang="ko-KR" altLang="en-US" sz="3200" b="1">
+                        <a:solidFill>
+                          <a:srgbClr val="FF0000"/>
+                        </a:solidFill>
+                      </a:endParaRPr>
+                    </a:p>
+                  </a:txBody>
+                  <a:tcPr anchor="ctr">
+                    <a:lnL w="12700" cap="flat" cmpd="sng" algn="ctr">
+                      <a:solidFill>
+                        <a:schemeClr val="tx1"/>
+                      </a:solidFill>
+                      <a:prstDash val="solid"/>
+                      <a:round/>
+                      <a:headEnd type="none" w="med" len="med"/>
+                      <a:tailEnd type="none" w="med" len="med"/>
+                    </a:lnL>
+                    <a:lnR w="12700" cap="flat" cmpd="sng" algn="ctr">
+                      <a:solidFill>
+                        <a:schemeClr val="tx1"/>
+                      </a:solidFill>
+                      <a:prstDash val="solid"/>
+                      <a:round/>
+                      <a:headEnd type="none" w="med" len="med"/>
+                      <a:tailEnd type="none" w="med" len="med"/>
+                    </a:lnR>
+                    <a:lnT w="12700" cap="flat" cmpd="sng" algn="ctr">
+                      <a:solidFill>
+                        <a:schemeClr val="tx1"/>
+                      </a:solidFill>
+                      <a:prstDash val="solid"/>
+                      <a:round/>
+                      <a:headEnd type="none" w="med" len="med"/>
+                      <a:tailEnd type="none" w="med" len="med"/>
+                    </a:lnT>
+                    <a:lnB w="12700" cap="flat" cmpd="sng" algn="ctr">
+                      <a:solidFill>
+                        <a:schemeClr val="tx1"/>
+                      </a:solidFill>
+                      <a:prstDash val="solid"/>
+                      <a:round/>
+                      <a:headEnd type="none" w="med" len="med"/>
+                      <a:tailEnd type="none" w="med" len="med"/>
+                    </a:lnB>
+                    <a:noFill/>
+                  </a:tcPr>
+                </a:tc>
+                <a:tc>
+                  <a:txBody>
+                    <a:bodyPr/>
+                    <a:lstStyle/>
+                    <a:p>
+                      <a:pPr algn="ctr" latinLnBrk="1"/>
+                      <a:endParaRPr lang="ko-KR" altLang="en-US" sz="3200" b="1" dirty="0">
+                        <a:solidFill>
+                          <a:srgbClr val="FF0000"/>
+                        </a:solidFill>
+                      </a:endParaRPr>
+                    </a:p>
+                  </a:txBody>
+                  <a:tcPr anchor="ctr">
+                    <a:lnL w="12700" cap="flat" cmpd="sng" algn="ctr">
+                      <a:solidFill>
+                        <a:schemeClr val="tx1"/>
+                      </a:solidFill>
+                      <a:prstDash val="solid"/>
+                      <a:round/>
+                      <a:headEnd type="none" w="med" len="med"/>
+                      <a:tailEnd type="none" w="med" len="med"/>
+                    </a:lnL>
+                    <a:lnR w="12700" cap="flat" cmpd="sng" algn="ctr">
+                      <a:solidFill>
+                        <a:schemeClr val="tx1"/>
+                      </a:solidFill>
+                      <a:prstDash val="solid"/>
+                      <a:round/>
+                      <a:headEnd type="none" w="med" len="med"/>
+                      <a:tailEnd type="none" w="med" len="med"/>
+                    </a:lnR>
+                    <a:lnT w="12700" cap="flat" cmpd="sng" algn="ctr">
+                      <a:solidFill>
+                        <a:schemeClr val="tx1"/>
+                      </a:solidFill>
+                      <a:prstDash val="solid"/>
+                      <a:round/>
+                      <a:headEnd type="none" w="med" len="med"/>
+                      <a:tailEnd type="none" w="med" len="med"/>
+                    </a:lnT>
+                    <a:lnB w="12700" cap="flat" cmpd="sng" algn="ctr">
+                      <a:solidFill>
+                        <a:schemeClr val="tx1"/>
+                      </a:solidFill>
+                      <a:prstDash val="solid"/>
+                      <a:round/>
+                      <a:headEnd type="none" w="med" len="med"/>
+                      <a:tailEnd type="none" w="med" len="med"/>
+                    </a:lnB>
+                    <a:noFill/>
+                  </a:tcPr>
+                </a:tc>
+                <a:tc>
+                  <a:txBody>
+                    <a:bodyPr/>
+                    <a:lstStyle/>
+                    <a:p>
+                      <a:pPr algn="ctr" latinLnBrk="1"/>
+                      <a:endParaRPr lang="ko-KR" altLang="en-US" sz="3200" b="1" dirty="0">
+                        <a:solidFill>
+                          <a:srgbClr val="FF0000"/>
+                        </a:solidFill>
+                      </a:endParaRPr>
+                    </a:p>
+                  </a:txBody>
+                  <a:tcPr anchor="ctr">
+                    <a:lnL w="12700" cap="flat" cmpd="sng" algn="ctr">
+                      <a:solidFill>
+                        <a:schemeClr val="tx1"/>
+                      </a:solidFill>
+                      <a:prstDash val="solid"/>
+                      <a:round/>
+                      <a:headEnd type="none" w="med" len="med"/>
+                      <a:tailEnd type="none" w="med" len="med"/>
+                    </a:lnL>
+                    <a:lnR w="12700" cap="flat" cmpd="sng" algn="ctr">
+                      <a:solidFill>
+                        <a:schemeClr val="tx1"/>
+                      </a:solidFill>
+                      <a:prstDash val="solid"/>
+                      <a:round/>
+                      <a:headEnd type="none" w="med" len="med"/>
+                      <a:tailEnd type="none" w="med" len="med"/>
+                    </a:lnR>
+                    <a:lnT w="12700" cap="flat" cmpd="sng" algn="ctr">
+                      <a:solidFill>
+                        <a:schemeClr val="tx1"/>
+                      </a:solidFill>
+                      <a:prstDash val="solid"/>
+                      <a:round/>
+                      <a:headEnd type="none" w="med" len="med"/>
+                      <a:tailEnd type="none" w="med" len="med"/>
+                    </a:lnT>
+                    <a:lnB w="12700" cap="flat" cmpd="sng" algn="ctr">
+                      <a:solidFill>
+                        <a:schemeClr val="tx1"/>
+                      </a:solidFill>
+                      <a:prstDash val="solid"/>
+                      <a:round/>
+                      <a:headEnd type="none" w="med" len="med"/>
+                      <a:tailEnd type="none" w="med" len="med"/>
+                    </a:lnB>
+                    <a:noFill/>
+                  </a:tcPr>
+                </a:tc>
+                <a:extLst>
+                  <a:ext uri="{0D108BD9-81ED-4DB2-BD59-A6C34878D82A}">
+                    <a16:rowId xmlns:a16="http://schemas.microsoft.com/office/drawing/2014/main" val="2553521684"/>
+                  </a:ext>
+                </a:extLst>
+              </a:tr>
+            </a:tbl>
+          </a:graphicData>
+        </a:graphic>
+      </p:graphicFrame>
+      <p:graphicFrame>
+        <p:nvGraphicFramePr>
+          <p:cNvPr id="29" name="표 20">
+            <a:extLst>
+              <a:ext uri="{FF2B5EF4-FFF2-40B4-BE49-F238E27FC236}">
+                <a16:creationId xmlns:a16="http://schemas.microsoft.com/office/drawing/2014/main" id="{C1B83974-A89B-4FFE-A091-028565217380}"/>
+              </a:ext>
+            </a:extLst>
+          </p:cNvPr>
+          <p:cNvGraphicFramePr>
+            <a:graphicFrameLocks/>
+          </p:cNvGraphicFramePr>
+          <p:nvPr>
+            <p:extLst>
+              <p:ext uri="{D42A27DB-BD31-4B8C-83A1-F6EECF244321}">
+                <p14:modId xmlns:p14="http://schemas.microsoft.com/office/powerpoint/2010/main" val="2584730587"/>
+              </p:ext>
+            </p:extLst>
+          </p:nvPr>
+        </p:nvGraphicFramePr>
+        <p:xfrm>
+          <a:off x="457200" y="1199512"/>
+          <a:ext cx="2700000" cy="1980000"/>
+        </p:xfrm>
+        <a:graphic>
+          <a:graphicData uri="http://schemas.openxmlformats.org/drawingml/2006/table">
+            <a:tbl>
+              <a:tblPr>
+                <a:tableStyleId>{073A0DAA-6AF3-43AB-8588-CEC1D06C72B9}</a:tableStyleId>
+              </a:tblPr>
+              <a:tblGrid>
+                <a:gridCol w="675000">
+                  <a:extLst>
+                    <a:ext uri="{9D8B030D-6E8A-4147-A177-3AD203B41FA5}">
+                      <a16:colId xmlns:a16="http://schemas.microsoft.com/office/drawing/2014/main" val="987985523"/>
+                    </a:ext>
+                  </a:extLst>
+                </a:gridCol>
+                <a:gridCol w="675000">
+                  <a:extLst>
+                    <a:ext uri="{9D8B030D-6E8A-4147-A177-3AD203B41FA5}">
+                      <a16:colId xmlns:a16="http://schemas.microsoft.com/office/drawing/2014/main" val="585349148"/>
+                    </a:ext>
+                  </a:extLst>
+                </a:gridCol>
+                <a:gridCol w="675000">
+                  <a:extLst>
+                    <a:ext uri="{9D8B030D-6E8A-4147-A177-3AD203B41FA5}">
+                      <a16:colId xmlns:a16="http://schemas.microsoft.com/office/drawing/2014/main" val="1673932392"/>
+                    </a:ext>
+                  </a:extLst>
+                </a:gridCol>
+                <a:gridCol w="675000">
+                  <a:extLst>
+                    <a:ext uri="{9D8B030D-6E8A-4147-A177-3AD203B41FA5}">
+                      <a16:colId xmlns:a16="http://schemas.microsoft.com/office/drawing/2014/main" val="655733267"/>
+                    </a:ext>
+                  </a:extLst>
+                </a:gridCol>
+              </a:tblGrid>
+              <a:tr h="660000">
+                <a:tc>
+                  <a:txBody>
+                    <a:bodyPr/>
+                    <a:lstStyle/>
+                    <a:p>
+                      <a:pPr algn="ctr" latinLnBrk="1"/>
+                      <a:r>
+                        <a:rPr lang="en-US" altLang="ko-KR" sz="3200" b="1" dirty="0">
+                          <a:solidFill>
+                            <a:srgbClr val="FF0000"/>
+                          </a:solidFill>
+                        </a:rPr>
+                        <a:t>1</a:t>
+                      </a:r>
+                      <a:endParaRPr lang="ko-KR" altLang="en-US" sz="3200" b="1" dirty="0">
+                        <a:solidFill>
+                          <a:srgbClr val="FF0000"/>
+                        </a:solidFill>
+                      </a:endParaRPr>
+                    </a:p>
+                  </a:txBody>
+                  <a:tcPr anchor="ctr">
+                    <a:lnL w="12700" cap="flat" cmpd="sng" algn="ctr">
+                      <a:solidFill>
+                        <a:schemeClr val="tx1"/>
+                      </a:solidFill>
+                      <a:prstDash val="solid"/>
+                      <a:round/>
+                      <a:headEnd type="none" w="med" len="med"/>
+                      <a:tailEnd type="none" w="med" len="med"/>
+                    </a:lnL>
+                    <a:lnR w="12700" cap="flat" cmpd="sng" algn="ctr">
+                      <a:solidFill>
+                        <a:schemeClr val="tx1"/>
+                      </a:solidFill>
+                      <a:prstDash val="solid"/>
+                      <a:round/>
+                      <a:headEnd type="none" w="med" len="med"/>
+                      <a:tailEnd type="none" w="med" len="med"/>
+                    </a:lnR>
+                    <a:lnT w="12700" cap="flat" cmpd="sng" algn="ctr">
+                      <a:solidFill>
+                        <a:schemeClr val="tx1"/>
+                      </a:solidFill>
+                      <a:prstDash val="solid"/>
+                      <a:round/>
+                      <a:headEnd type="none" w="med" len="med"/>
+                      <a:tailEnd type="none" w="med" len="med"/>
+                    </a:lnT>
+                    <a:lnB w="12700" cap="flat" cmpd="sng" algn="ctr">
+                      <a:solidFill>
+                        <a:schemeClr val="tx1"/>
+                      </a:solidFill>
+                      <a:prstDash val="solid"/>
+                      <a:round/>
+                      <a:headEnd type="none" w="med" len="med"/>
+                      <a:tailEnd type="none" w="med" len="med"/>
+                    </a:lnB>
+                    <a:noFill/>
+                  </a:tcPr>
+                </a:tc>
+                <a:tc>
+                  <a:txBody>
+                    <a:bodyPr/>
+                    <a:lstStyle/>
+                    <a:p>
+                      <a:pPr algn="ctr" latinLnBrk="1"/>
+                      <a:r>
+                        <a:rPr lang="en-US" altLang="ko-KR" sz="3200" b="1" dirty="0">
+                          <a:solidFill>
+                            <a:srgbClr val="FF0000"/>
+                          </a:solidFill>
+                        </a:rPr>
+                        <a:t>1</a:t>
+                      </a:r>
+                      <a:endParaRPr lang="ko-KR" altLang="en-US" sz="3200" b="1" dirty="0">
+                        <a:solidFill>
+                          <a:srgbClr val="FF0000"/>
+                        </a:solidFill>
+                      </a:endParaRPr>
+                    </a:p>
+                  </a:txBody>
+                  <a:tcPr anchor="ctr">
+                    <a:lnL w="12700" cap="flat" cmpd="sng" algn="ctr">
+                      <a:solidFill>
+                        <a:schemeClr val="tx1"/>
+                      </a:solidFill>
+                      <a:prstDash val="solid"/>
+                      <a:round/>
+                      <a:headEnd type="none" w="med" len="med"/>
+                      <a:tailEnd type="none" w="med" len="med"/>
+                    </a:lnL>
+                    <a:lnR w="12700" cap="flat" cmpd="sng" algn="ctr">
+                      <a:solidFill>
+                        <a:schemeClr val="tx1"/>
+                      </a:solidFill>
+                      <a:prstDash val="solid"/>
+                      <a:round/>
+                      <a:headEnd type="none" w="med" len="med"/>
+                      <a:tailEnd type="none" w="med" len="med"/>
+                    </a:lnR>
+                    <a:lnT w="12700" cap="flat" cmpd="sng" algn="ctr">
+                      <a:solidFill>
+                        <a:schemeClr val="tx1"/>
+                      </a:solidFill>
+                      <a:prstDash val="solid"/>
+                      <a:round/>
+                      <a:headEnd type="none" w="med" len="med"/>
+                      <a:tailEnd type="none" w="med" len="med"/>
+                    </a:lnT>
+                    <a:lnB w="12700" cap="flat" cmpd="sng" algn="ctr">
+                      <a:solidFill>
+                        <a:schemeClr val="tx1"/>
+                      </a:solidFill>
+                      <a:prstDash val="solid"/>
+                      <a:round/>
+                      <a:headEnd type="none" w="med" len="med"/>
+                      <a:tailEnd type="none" w="med" len="med"/>
+                    </a:lnB>
+                    <a:solidFill>
+                      <a:schemeClr val="bg1">
+                        <a:lumMod val="85000"/>
+                      </a:schemeClr>
+                    </a:solidFill>
+                  </a:tcPr>
+                </a:tc>
+                <a:tc>
+                  <a:txBody>
+                    <a:bodyPr/>
+                    <a:lstStyle/>
+                    <a:p>
+                      <a:pPr algn="ctr" latinLnBrk="1"/>
+                      <a:r>
+                        <a:rPr lang="en-US" altLang="ko-KR" sz="3200" b="1" dirty="0">
+                          <a:solidFill>
+                            <a:srgbClr val="FF0000"/>
+                          </a:solidFill>
+                        </a:rPr>
+                        <a:t>1</a:t>
+                      </a:r>
+                      <a:endParaRPr lang="ko-KR" altLang="en-US" sz="3200" b="1" dirty="0">
+                        <a:solidFill>
+                          <a:srgbClr val="FF0000"/>
+                        </a:solidFill>
+                      </a:endParaRPr>
+                    </a:p>
+                  </a:txBody>
+                  <a:tcPr anchor="ctr">
+                    <a:lnL w="12700" cap="flat" cmpd="sng" algn="ctr">
+                      <a:solidFill>
+                        <a:schemeClr val="tx1"/>
+                      </a:solidFill>
+                      <a:prstDash val="solid"/>
+                      <a:round/>
+                      <a:headEnd type="none" w="med" len="med"/>
+                      <a:tailEnd type="none" w="med" len="med"/>
+                    </a:lnL>
+                    <a:lnR w="12700" cap="flat" cmpd="sng" algn="ctr">
+                      <a:solidFill>
+                        <a:schemeClr val="tx1"/>
+                      </a:solidFill>
+                      <a:prstDash val="solid"/>
+                      <a:round/>
+                      <a:headEnd type="none" w="med" len="med"/>
+                      <a:tailEnd type="none" w="med" len="med"/>
+                    </a:lnR>
+                    <a:lnT w="12700" cap="flat" cmpd="sng" algn="ctr">
+                      <a:solidFill>
+                        <a:schemeClr val="tx1"/>
+                      </a:solidFill>
+                      <a:prstDash val="solid"/>
+                      <a:round/>
+                      <a:headEnd type="none" w="med" len="med"/>
+                      <a:tailEnd type="none" w="med" len="med"/>
+                    </a:lnT>
+                    <a:lnB w="12700" cap="flat" cmpd="sng" algn="ctr">
+                      <a:solidFill>
+                        <a:schemeClr val="tx1"/>
+                      </a:solidFill>
+                      <a:prstDash val="solid"/>
+                      <a:round/>
+                      <a:headEnd type="none" w="med" len="med"/>
+                      <a:tailEnd type="none" w="med" len="med"/>
+                    </a:lnB>
+                    <a:solidFill>
+                      <a:schemeClr val="bg1">
+                        <a:lumMod val="85000"/>
+                      </a:schemeClr>
+                    </a:solidFill>
+                  </a:tcPr>
+                </a:tc>
+                <a:tc>
+                  <a:txBody>
+                    <a:bodyPr/>
+                    <a:lstStyle/>
+                    <a:p>
+                      <a:pPr algn="ctr" latinLnBrk="1"/>
+                      <a:r>
+                        <a:rPr lang="en-US" altLang="ko-KR" sz="3200" b="1" dirty="0">
+                          <a:solidFill>
+                            <a:srgbClr val="FF0000"/>
+                          </a:solidFill>
+                        </a:rPr>
+                        <a:t>1</a:t>
+                      </a:r>
+                      <a:endParaRPr lang="ko-KR" altLang="en-US" sz="3200" b="1" dirty="0">
+                        <a:solidFill>
+                          <a:srgbClr val="FF0000"/>
+                        </a:solidFill>
+                      </a:endParaRPr>
+                    </a:p>
+                  </a:txBody>
+                  <a:tcPr anchor="ctr">
+                    <a:lnL w="12700" cap="flat" cmpd="sng" algn="ctr">
+                      <a:solidFill>
+                        <a:schemeClr val="tx1"/>
+                      </a:solidFill>
+                      <a:prstDash val="solid"/>
+                      <a:round/>
+                      <a:headEnd type="none" w="med" len="med"/>
+                      <a:tailEnd type="none" w="med" len="med"/>
+                    </a:lnL>
+                    <a:lnR w="12700" cap="flat" cmpd="sng" algn="ctr">
+                      <a:solidFill>
+                        <a:schemeClr val="tx1"/>
+                      </a:solidFill>
+                      <a:prstDash val="solid"/>
+                      <a:round/>
+                      <a:headEnd type="none" w="med" len="med"/>
+                      <a:tailEnd type="none" w="med" len="med"/>
+                    </a:lnR>
+                    <a:lnT w="12700" cap="flat" cmpd="sng" algn="ctr">
+                      <a:solidFill>
+                        <a:schemeClr val="tx1"/>
+                      </a:solidFill>
+                      <a:prstDash val="solid"/>
+                      <a:round/>
+                      <a:headEnd type="none" w="med" len="med"/>
+                      <a:tailEnd type="none" w="med" len="med"/>
+                    </a:lnT>
+                    <a:lnB w="12700" cap="flat" cmpd="sng" algn="ctr">
+                      <a:solidFill>
+                        <a:schemeClr val="tx1"/>
+                      </a:solidFill>
+                      <a:prstDash val="solid"/>
+                      <a:round/>
+                      <a:headEnd type="none" w="med" len="med"/>
+                      <a:tailEnd type="none" w="med" len="med"/>
+                    </a:lnB>
+                    <a:solidFill>
+                      <a:schemeClr val="bg1">
+                        <a:lumMod val="85000"/>
+                      </a:schemeClr>
+                    </a:solidFill>
+                  </a:tcPr>
+                </a:tc>
+                <a:extLst>
+                  <a:ext uri="{0D108BD9-81ED-4DB2-BD59-A6C34878D82A}">
+                    <a16:rowId xmlns:a16="http://schemas.microsoft.com/office/drawing/2014/main" val="482910767"/>
+                  </a:ext>
+                </a:extLst>
+              </a:tr>
+              <a:tr h="660000">
+                <a:tc>
+                  <a:txBody>
+                    <a:bodyPr/>
+                    <a:lstStyle/>
+                    <a:p>
+                      <a:pPr algn="ctr" latinLnBrk="1"/>
+                      <a:r>
+                        <a:rPr lang="en-US" altLang="ko-KR" sz="3200" b="1" dirty="0">
+                          <a:solidFill>
+                            <a:srgbClr val="FF0000"/>
+                          </a:solidFill>
+                        </a:rPr>
+                        <a:t>1</a:t>
+                      </a:r>
+                      <a:endParaRPr lang="ko-KR" altLang="en-US" sz="3200" b="1" dirty="0">
+                        <a:solidFill>
+                          <a:srgbClr val="FF0000"/>
+                        </a:solidFill>
+                      </a:endParaRPr>
+                    </a:p>
+                  </a:txBody>
+                  <a:tcPr anchor="ctr">
+                    <a:lnL w="12700" cap="flat" cmpd="sng" algn="ctr">
+                      <a:solidFill>
+                        <a:schemeClr val="tx1"/>
+                      </a:solidFill>
+                      <a:prstDash val="solid"/>
+                      <a:round/>
+                      <a:headEnd type="none" w="med" len="med"/>
+                      <a:tailEnd type="none" w="med" len="med"/>
+                    </a:lnL>
+                    <a:lnR w="12700" cap="flat" cmpd="sng" algn="ctr">
+                      <a:solidFill>
+                        <a:schemeClr val="tx1"/>
+                      </a:solidFill>
+                      <a:prstDash val="solid"/>
+                      <a:round/>
+                      <a:headEnd type="none" w="med" len="med"/>
+                      <a:tailEnd type="none" w="med" len="med"/>
+                    </a:lnR>
+                    <a:lnT w="12700" cap="flat" cmpd="sng" algn="ctr">
+                      <a:solidFill>
+                        <a:schemeClr val="tx1"/>
+                      </a:solidFill>
+                      <a:prstDash val="solid"/>
+                      <a:round/>
+                      <a:headEnd type="none" w="med" len="med"/>
+                      <a:tailEnd type="none" w="med" len="med"/>
+                    </a:lnT>
+                    <a:lnB w="12700" cap="flat" cmpd="sng" algn="ctr">
+                      <a:solidFill>
+                        <a:schemeClr val="tx1"/>
+                      </a:solidFill>
+                      <a:prstDash val="solid"/>
+                      <a:round/>
+                      <a:headEnd type="none" w="med" len="med"/>
+                      <a:tailEnd type="none" w="med" len="med"/>
+                    </a:lnB>
+                    <a:solidFill>
+                      <a:schemeClr val="bg1">
+                        <a:lumMod val="85000"/>
+                      </a:schemeClr>
+                    </a:solidFill>
+                  </a:tcPr>
+                </a:tc>
+                <a:tc>
+                  <a:txBody>
+                    <a:bodyPr/>
+                    <a:lstStyle/>
+                    <a:p>
+                      <a:pPr algn="ctr" latinLnBrk="1"/>
+                      <a:r>
+                        <a:rPr lang="en-US" altLang="ko-KR" sz="3200" b="1" dirty="0">
+                          <a:solidFill>
+                            <a:srgbClr val="FF0000"/>
+                          </a:solidFill>
+                        </a:rPr>
+                        <a:t>0</a:t>
+                      </a:r>
+                      <a:endParaRPr lang="ko-KR" altLang="en-US" sz="3200" b="1" dirty="0">
+                        <a:solidFill>
+                          <a:srgbClr val="FF0000"/>
+                        </a:solidFill>
+                      </a:endParaRPr>
+                    </a:p>
+                  </a:txBody>
+                  <a:tcPr anchor="ctr">
+                    <a:lnL w="12700" cap="flat" cmpd="sng" algn="ctr">
+                      <a:solidFill>
+                        <a:schemeClr val="tx1"/>
+                      </a:solidFill>
+                      <a:prstDash val="solid"/>
+                      <a:round/>
+                      <a:headEnd type="none" w="med" len="med"/>
+                      <a:tailEnd type="none" w="med" len="med"/>
+                    </a:lnL>
+                    <a:lnR w="12700" cap="flat" cmpd="sng" algn="ctr">
+                      <a:solidFill>
+                        <a:schemeClr val="tx1"/>
+                      </a:solidFill>
+                      <a:prstDash val="solid"/>
+                      <a:round/>
+                      <a:headEnd type="none" w="med" len="med"/>
+                      <a:tailEnd type="none" w="med" len="med"/>
+                    </a:lnR>
+                    <a:lnT w="12700" cap="flat" cmpd="sng" algn="ctr">
+                      <a:solidFill>
+                        <a:schemeClr val="tx1"/>
+                      </a:solidFill>
+                      <a:prstDash val="solid"/>
+                      <a:round/>
+                      <a:headEnd type="none" w="med" len="med"/>
+                      <a:tailEnd type="none" w="med" len="med"/>
+                    </a:lnT>
+                    <a:lnB w="12700" cap="flat" cmpd="sng" algn="ctr">
+                      <a:solidFill>
+                        <a:schemeClr val="tx1"/>
+                      </a:solidFill>
+                      <a:prstDash val="solid"/>
+                      <a:round/>
+                      <a:headEnd type="none" w="med" len="med"/>
+                      <a:tailEnd type="none" w="med" len="med"/>
+                    </a:lnB>
+                    <a:noFill/>
+                  </a:tcPr>
+                </a:tc>
+                <a:tc>
+                  <a:txBody>
+                    <a:bodyPr/>
+                    <a:lstStyle/>
+                    <a:p>
+                      <a:pPr algn="ctr" latinLnBrk="1"/>
+                      <a:r>
+                        <a:rPr lang="en-US" altLang="ko-KR" sz="2000" b="1" dirty="0">
+                          <a:solidFill>
+                            <a:srgbClr val="FF0000"/>
+                          </a:solidFill>
+                        </a:rPr>
+                        <a:t>1+0</a:t>
+                      </a:r>
+                    </a:p>
+                  </a:txBody>
+                  <a:tcPr anchor="ctr">
+                    <a:lnL w="12700" cap="flat" cmpd="sng" algn="ctr">
+                      <a:solidFill>
+                        <a:schemeClr val="tx1"/>
+                      </a:solidFill>
+                      <a:prstDash val="solid"/>
+                      <a:round/>
+                      <a:headEnd type="none" w="med" len="med"/>
+                      <a:tailEnd type="none" w="med" len="med"/>
+                    </a:lnL>
+                    <a:lnR w="12700" cap="flat" cmpd="sng" algn="ctr">
+                      <a:solidFill>
+                        <a:schemeClr val="tx1"/>
+                      </a:solidFill>
+                      <a:prstDash val="solid"/>
+                      <a:round/>
+                      <a:headEnd type="none" w="med" len="med"/>
+                      <a:tailEnd type="none" w="med" len="med"/>
+                    </a:lnR>
+                    <a:lnT w="12700" cap="flat" cmpd="sng" algn="ctr">
+                      <a:solidFill>
+                        <a:schemeClr val="tx1"/>
+                      </a:solidFill>
+                      <a:prstDash val="solid"/>
+                      <a:round/>
+                      <a:headEnd type="none" w="med" len="med"/>
+                      <a:tailEnd type="none" w="med" len="med"/>
+                    </a:lnT>
+                    <a:lnB w="12700" cap="flat" cmpd="sng" algn="ctr">
+                      <a:solidFill>
+                        <a:schemeClr val="tx1"/>
+                      </a:solidFill>
+                      <a:prstDash val="solid"/>
+                      <a:round/>
+                      <a:headEnd type="none" w="med" len="med"/>
+                      <a:tailEnd type="none" w="med" len="med"/>
+                    </a:lnB>
+                    <a:solidFill>
+                      <a:schemeClr val="bg1">
+                        <a:lumMod val="85000"/>
+                      </a:schemeClr>
+                    </a:solidFill>
+                  </a:tcPr>
+                </a:tc>
+                <a:tc>
+                  <a:txBody>
+                    <a:bodyPr/>
+                    <a:lstStyle/>
+                    <a:p>
+                      <a:pPr algn="ctr" latinLnBrk="1"/>
+                      <a:r>
+                        <a:rPr lang="en-US" altLang="ko-KR" sz="2000" b="1" dirty="0">
+                          <a:solidFill>
+                            <a:srgbClr val="FF0000"/>
+                          </a:solidFill>
+                        </a:rPr>
+                        <a:t>1+1</a:t>
+                      </a:r>
+                      <a:endParaRPr lang="ko-KR" altLang="en-US" sz="2000" b="1" dirty="0">
+                        <a:solidFill>
+                          <a:srgbClr val="FF0000"/>
+                        </a:solidFill>
+                      </a:endParaRPr>
+                    </a:p>
+                  </a:txBody>
+                  <a:tcPr anchor="ctr">
+                    <a:lnL w="12700" cap="flat" cmpd="sng" algn="ctr">
+                      <a:solidFill>
+                        <a:schemeClr val="tx1"/>
+                      </a:solidFill>
+                      <a:prstDash val="solid"/>
+                      <a:round/>
+                      <a:headEnd type="none" w="med" len="med"/>
+                      <a:tailEnd type="none" w="med" len="med"/>
+                    </a:lnL>
+                    <a:lnR w="12700" cap="flat" cmpd="sng" algn="ctr">
+                      <a:solidFill>
+                        <a:schemeClr val="tx1"/>
+                      </a:solidFill>
+                      <a:prstDash val="solid"/>
+                      <a:round/>
+                      <a:headEnd type="none" w="med" len="med"/>
+                      <a:tailEnd type="none" w="med" len="med"/>
+                    </a:lnR>
+                    <a:lnT w="12700" cap="flat" cmpd="sng" algn="ctr">
+                      <a:solidFill>
+                        <a:schemeClr val="tx1"/>
+                      </a:solidFill>
+                      <a:prstDash val="solid"/>
+                      <a:round/>
+                      <a:headEnd type="none" w="med" len="med"/>
+                      <a:tailEnd type="none" w="med" len="med"/>
+                    </a:lnT>
+                    <a:lnB w="12700" cap="flat" cmpd="sng" algn="ctr">
+                      <a:solidFill>
+                        <a:schemeClr val="tx1"/>
+                      </a:solidFill>
+                      <a:prstDash val="solid"/>
+                      <a:round/>
+                      <a:headEnd type="none" w="med" len="med"/>
+                      <a:tailEnd type="none" w="med" len="med"/>
+                    </a:lnB>
+                    <a:solidFill>
+                      <a:schemeClr val="bg1">
+                        <a:lumMod val="85000"/>
+                      </a:schemeClr>
+                    </a:solidFill>
+                  </a:tcPr>
+                </a:tc>
+                <a:extLst>
+                  <a:ext uri="{0D108BD9-81ED-4DB2-BD59-A6C34878D82A}">
+                    <a16:rowId xmlns:a16="http://schemas.microsoft.com/office/drawing/2014/main" val="733504754"/>
+                  </a:ext>
+                </a:extLst>
+              </a:tr>
+              <a:tr h="660000">
+                <a:tc>
+                  <a:txBody>
+                    <a:bodyPr/>
+                    <a:lstStyle/>
+                    <a:p>
+                      <a:pPr algn="ctr" latinLnBrk="1"/>
+                      <a:r>
+                        <a:rPr lang="en-US" altLang="ko-KR" sz="3200" b="1" dirty="0">
+                          <a:solidFill>
+                            <a:srgbClr val="FF0000"/>
+                          </a:solidFill>
+                        </a:rPr>
+                        <a:t>1</a:t>
+                      </a:r>
+                      <a:endParaRPr lang="ko-KR" altLang="en-US" sz="3200" b="1" dirty="0">
+                        <a:solidFill>
+                          <a:srgbClr val="FF0000"/>
+                        </a:solidFill>
+                      </a:endParaRPr>
+                    </a:p>
+                  </a:txBody>
+                  <a:tcPr anchor="ctr">
+                    <a:lnL w="12700" cap="flat" cmpd="sng" algn="ctr">
+                      <a:solidFill>
+                        <a:schemeClr val="tx1"/>
+                      </a:solidFill>
+                      <a:prstDash val="solid"/>
+                      <a:round/>
+                      <a:headEnd type="none" w="med" len="med"/>
+                      <a:tailEnd type="none" w="med" len="med"/>
+                    </a:lnL>
+                    <a:lnR w="12700" cap="flat" cmpd="sng" algn="ctr">
+                      <a:solidFill>
+                        <a:schemeClr val="tx1"/>
+                      </a:solidFill>
+                      <a:prstDash val="solid"/>
+                      <a:round/>
+                      <a:headEnd type="none" w="med" len="med"/>
+                      <a:tailEnd type="none" w="med" len="med"/>
+                    </a:lnR>
+                    <a:lnT w="12700" cap="flat" cmpd="sng" algn="ctr">
+                      <a:solidFill>
+                        <a:schemeClr val="tx1"/>
+                      </a:solidFill>
+                      <a:prstDash val="solid"/>
+                      <a:round/>
+                      <a:headEnd type="none" w="med" len="med"/>
+                      <a:tailEnd type="none" w="med" len="med"/>
+                    </a:lnT>
+                    <a:lnB w="12700" cap="flat" cmpd="sng" algn="ctr">
+                      <a:solidFill>
+                        <a:schemeClr val="tx1"/>
+                      </a:solidFill>
+                      <a:prstDash val="solid"/>
+                      <a:round/>
+                      <a:headEnd type="none" w="med" len="med"/>
+                      <a:tailEnd type="none" w="med" len="med"/>
+                    </a:lnB>
+                    <a:solidFill>
+                      <a:schemeClr val="bg1">
+                        <a:lumMod val="85000"/>
+                      </a:schemeClr>
+                    </a:solidFill>
+                  </a:tcPr>
+                </a:tc>
+                <a:tc>
+                  <a:txBody>
+                    <a:bodyPr/>
+                    <a:lstStyle/>
+                    <a:p>
+                      <a:pPr algn="ctr" latinLnBrk="1"/>
+                      <a:endParaRPr lang="ko-KR" altLang="en-US" sz="3200" b="1" dirty="0">
+                        <a:solidFill>
+                          <a:srgbClr val="FF0000"/>
+                        </a:solidFill>
+                      </a:endParaRPr>
+                    </a:p>
+                  </a:txBody>
+                  <a:tcPr anchor="ctr">
+                    <a:lnL w="12700" cap="flat" cmpd="sng" algn="ctr">
+                      <a:solidFill>
+                        <a:schemeClr val="tx1"/>
+                      </a:solidFill>
+                      <a:prstDash val="solid"/>
+                      <a:round/>
+                      <a:headEnd type="none" w="med" len="med"/>
+                      <a:tailEnd type="none" w="med" len="med"/>
+                    </a:lnL>
+                    <a:lnR w="12700" cap="flat" cmpd="sng" algn="ctr">
+                      <a:solidFill>
+                        <a:schemeClr val="tx1"/>
+                      </a:solidFill>
+                      <a:prstDash val="solid"/>
+                      <a:round/>
+                      <a:headEnd type="none" w="med" len="med"/>
+                      <a:tailEnd type="none" w="med" len="med"/>
+                    </a:lnR>
+                    <a:lnT w="12700" cap="flat" cmpd="sng" algn="ctr">
+                      <a:solidFill>
+                        <a:schemeClr val="tx1"/>
+                      </a:solidFill>
+                      <a:prstDash val="solid"/>
+                      <a:round/>
+                      <a:headEnd type="none" w="med" len="med"/>
+                      <a:tailEnd type="none" w="med" len="med"/>
+                    </a:lnT>
+                    <a:lnB w="12700" cap="flat" cmpd="sng" algn="ctr">
+                      <a:solidFill>
+                        <a:schemeClr val="tx1"/>
+                      </a:solidFill>
+                      <a:prstDash val="solid"/>
+                      <a:round/>
+                      <a:headEnd type="none" w="med" len="med"/>
+                      <a:tailEnd type="none" w="med" len="med"/>
+                    </a:lnB>
+                    <a:noFill/>
+                  </a:tcPr>
+                </a:tc>
+                <a:tc>
+                  <a:txBody>
+                    <a:bodyPr/>
+                    <a:lstStyle/>
+                    <a:p>
+                      <a:pPr algn="ctr" latinLnBrk="1"/>
+                      <a:endParaRPr lang="ko-KR" altLang="en-US" sz="3200" b="1" dirty="0">
+                        <a:solidFill>
+                          <a:srgbClr val="FF0000"/>
+                        </a:solidFill>
+                      </a:endParaRPr>
+                    </a:p>
+                  </a:txBody>
+                  <a:tcPr anchor="ctr">
+                    <a:lnL w="12700" cap="flat" cmpd="sng" algn="ctr">
+                      <a:solidFill>
+                        <a:schemeClr val="tx1"/>
+                      </a:solidFill>
+                      <a:prstDash val="solid"/>
+                      <a:round/>
+                      <a:headEnd type="none" w="med" len="med"/>
+                      <a:tailEnd type="none" w="med" len="med"/>
+                    </a:lnL>
+                    <a:lnR w="12700" cap="flat" cmpd="sng" algn="ctr">
+                      <a:solidFill>
+                        <a:schemeClr val="tx1"/>
+                      </a:solidFill>
+                      <a:prstDash val="solid"/>
+                      <a:round/>
+                      <a:headEnd type="none" w="med" len="med"/>
+                      <a:tailEnd type="none" w="med" len="med"/>
+                    </a:lnR>
+                    <a:lnT w="12700" cap="flat" cmpd="sng" algn="ctr">
+                      <a:solidFill>
+                        <a:schemeClr val="tx1"/>
+                      </a:solidFill>
+                      <a:prstDash val="solid"/>
+                      <a:round/>
+                      <a:headEnd type="none" w="med" len="med"/>
+                      <a:tailEnd type="none" w="med" len="med"/>
+                    </a:lnT>
+                    <a:lnB w="12700" cap="flat" cmpd="sng" algn="ctr">
+                      <a:solidFill>
+                        <a:schemeClr val="tx1"/>
+                      </a:solidFill>
+                      <a:prstDash val="solid"/>
+                      <a:round/>
+                      <a:headEnd type="none" w="med" len="med"/>
+                      <a:tailEnd type="none" w="med" len="med"/>
+                    </a:lnB>
+                    <a:noFill/>
+                  </a:tcPr>
+                </a:tc>
+                <a:tc>
+                  <a:txBody>
+                    <a:bodyPr/>
+                    <a:lstStyle/>
+                    <a:p>
+                      <a:pPr algn="ctr" latinLnBrk="1"/>
+                      <a:endParaRPr lang="ko-KR" altLang="en-US" sz="3200" b="1" dirty="0">
+                        <a:solidFill>
+                          <a:srgbClr val="FF0000"/>
+                        </a:solidFill>
+                      </a:endParaRPr>
+                    </a:p>
+                  </a:txBody>
+                  <a:tcPr anchor="ctr">
+                    <a:lnL w="12700" cap="flat" cmpd="sng" algn="ctr">
+                      <a:solidFill>
+                        <a:schemeClr val="tx1"/>
+                      </a:solidFill>
+                      <a:prstDash val="solid"/>
+                      <a:round/>
+                      <a:headEnd type="none" w="med" len="med"/>
+                      <a:tailEnd type="none" w="med" len="med"/>
+                    </a:lnL>
+                    <a:lnR w="12700" cap="flat" cmpd="sng" algn="ctr">
+                      <a:solidFill>
+                        <a:schemeClr val="tx1"/>
+                      </a:solidFill>
+                      <a:prstDash val="solid"/>
+                      <a:round/>
+                      <a:headEnd type="none" w="med" len="med"/>
+                      <a:tailEnd type="none" w="med" len="med"/>
+                    </a:lnR>
+                    <a:lnT w="12700" cap="flat" cmpd="sng" algn="ctr">
+                      <a:solidFill>
+                        <a:schemeClr val="tx1"/>
+                      </a:solidFill>
+                      <a:prstDash val="solid"/>
+                      <a:round/>
+                      <a:headEnd type="none" w="med" len="med"/>
+                      <a:tailEnd type="none" w="med" len="med"/>
+                    </a:lnT>
+                    <a:lnB w="12700" cap="flat" cmpd="sng" algn="ctr">
+                      <a:solidFill>
+                        <a:schemeClr val="tx1"/>
+                      </a:solidFill>
+                      <a:prstDash val="solid"/>
+                      <a:round/>
+                      <a:headEnd type="none" w="med" len="med"/>
+                      <a:tailEnd type="none" w="med" len="med"/>
+                    </a:lnB>
+                    <a:noFill/>
+                  </a:tcPr>
+                </a:tc>
+                <a:extLst>
+                  <a:ext uri="{0D108BD9-81ED-4DB2-BD59-A6C34878D82A}">
+                    <a16:rowId xmlns:a16="http://schemas.microsoft.com/office/drawing/2014/main" val="2553521684"/>
+                  </a:ext>
+                </a:extLst>
+              </a:tr>
+            </a:tbl>
+          </a:graphicData>
+        </a:graphic>
+      </p:graphicFrame>
+      <p:graphicFrame>
+        <p:nvGraphicFramePr>
+          <p:cNvPr id="30" name="표 20">
+            <a:extLst>
+              <a:ext uri="{FF2B5EF4-FFF2-40B4-BE49-F238E27FC236}">
+                <a16:creationId xmlns:a16="http://schemas.microsoft.com/office/drawing/2014/main" id="{E3033199-3AFC-4239-A775-B08CEF4D1C29}"/>
+              </a:ext>
+            </a:extLst>
+          </p:cNvPr>
+          <p:cNvGraphicFramePr>
+            <a:graphicFrameLocks/>
+          </p:cNvGraphicFramePr>
+          <p:nvPr>
+            <p:extLst>
+              <p:ext uri="{D42A27DB-BD31-4B8C-83A1-F6EECF244321}">
+                <p14:modId xmlns:p14="http://schemas.microsoft.com/office/powerpoint/2010/main" val="180396278"/>
+              </p:ext>
+            </p:extLst>
+          </p:nvPr>
+        </p:nvGraphicFramePr>
+        <p:xfrm>
+          <a:off x="457200" y="1204730"/>
+          <a:ext cx="2700000" cy="1980000"/>
+        </p:xfrm>
+        <a:graphic>
+          <a:graphicData uri="http://schemas.openxmlformats.org/drawingml/2006/table">
+            <a:tbl>
+              <a:tblPr>
+                <a:tableStyleId>{073A0DAA-6AF3-43AB-8588-CEC1D06C72B9}</a:tableStyleId>
+              </a:tblPr>
+              <a:tblGrid>
+                <a:gridCol w="675000">
+                  <a:extLst>
+                    <a:ext uri="{9D8B030D-6E8A-4147-A177-3AD203B41FA5}">
+                      <a16:colId xmlns:a16="http://schemas.microsoft.com/office/drawing/2014/main" val="987985523"/>
+                    </a:ext>
+                  </a:extLst>
+                </a:gridCol>
+                <a:gridCol w="675000">
+                  <a:extLst>
+                    <a:ext uri="{9D8B030D-6E8A-4147-A177-3AD203B41FA5}">
+                      <a16:colId xmlns:a16="http://schemas.microsoft.com/office/drawing/2014/main" val="585349148"/>
+                    </a:ext>
+                  </a:extLst>
+                </a:gridCol>
+                <a:gridCol w="675000">
+                  <a:extLst>
+                    <a:ext uri="{9D8B030D-6E8A-4147-A177-3AD203B41FA5}">
+                      <a16:colId xmlns:a16="http://schemas.microsoft.com/office/drawing/2014/main" val="1673932392"/>
+                    </a:ext>
+                  </a:extLst>
+                </a:gridCol>
+                <a:gridCol w="675000">
+                  <a:extLst>
+                    <a:ext uri="{9D8B030D-6E8A-4147-A177-3AD203B41FA5}">
+                      <a16:colId xmlns:a16="http://schemas.microsoft.com/office/drawing/2014/main" val="655733267"/>
+                    </a:ext>
+                  </a:extLst>
+                </a:gridCol>
+              </a:tblGrid>
+              <a:tr h="660000">
+                <a:tc>
+                  <a:txBody>
+                    <a:bodyPr/>
+                    <a:lstStyle/>
+                    <a:p>
+                      <a:pPr algn="ctr" latinLnBrk="1"/>
+                      <a:r>
+                        <a:rPr lang="en-US" altLang="ko-KR" sz="3200" b="1" dirty="0">
+                          <a:solidFill>
+                            <a:srgbClr val="FF0000"/>
+                          </a:solidFill>
+                        </a:rPr>
+                        <a:t>1</a:t>
+                      </a:r>
+                      <a:endParaRPr lang="ko-KR" altLang="en-US" sz="3200" b="1" dirty="0">
+                        <a:solidFill>
+                          <a:srgbClr val="FF0000"/>
+                        </a:solidFill>
+                      </a:endParaRPr>
+                    </a:p>
+                  </a:txBody>
+                  <a:tcPr anchor="ctr">
+                    <a:lnL w="12700" cap="flat" cmpd="sng" algn="ctr">
+                      <a:solidFill>
+                        <a:schemeClr val="tx1"/>
+                      </a:solidFill>
+                      <a:prstDash val="solid"/>
+                      <a:round/>
+                      <a:headEnd type="none" w="med" len="med"/>
+                      <a:tailEnd type="none" w="med" len="med"/>
+                    </a:lnL>
+                    <a:lnR w="12700" cap="flat" cmpd="sng" algn="ctr">
+                      <a:solidFill>
+                        <a:schemeClr val="tx1"/>
+                      </a:solidFill>
+                      <a:prstDash val="solid"/>
+                      <a:round/>
+                      <a:headEnd type="none" w="med" len="med"/>
+                      <a:tailEnd type="none" w="med" len="med"/>
+                    </a:lnR>
+                    <a:lnT w="12700" cap="flat" cmpd="sng" algn="ctr">
+                      <a:solidFill>
+                        <a:schemeClr val="tx1"/>
+                      </a:solidFill>
+                      <a:prstDash val="solid"/>
+                      <a:round/>
+                      <a:headEnd type="none" w="med" len="med"/>
+                      <a:tailEnd type="none" w="med" len="med"/>
+                    </a:lnT>
+                    <a:lnB w="12700" cap="flat" cmpd="sng" algn="ctr">
+                      <a:solidFill>
+                        <a:schemeClr val="tx1"/>
+                      </a:solidFill>
+                      <a:prstDash val="solid"/>
+                      <a:round/>
+                      <a:headEnd type="none" w="med" len="med"/>
+                      <a:tailEnd type="none" w="med" len="med"/>
+                    </a:lnB>
+                    <a:noFill/>
+                  </a:tcPr>
+                </a:tc>
+                <a:tc>
+                  <a:txBody>
+                    <a:bodyPr/>
+                    <a:lstStyle/>
+                    <a:p>
+                      <a:pPr algn="ctr" latinLnBrk="1"/>
+                      <a:r>
+                        <a:rPr lang="en-US" altLang="ko-KR" sz="3200" b="1" dirty="0">
+                          <a:solidFill>
+                            <a:srgbClr val="FF0000"/>
+                          </a:solidFill>
+                        </a:rPr>
+                        <a:t>1</a:t>
+                      </a:r>
+                      <a:endParaRPr lang="ko-KR" altLang="en-US" sz="3200" b="1" dirty="0">
+                        <a:solidFill>
+                          <a:srgbClr val="FF0000"/>
+                        </a:solidFill>
+                      </a:endParaRPr>
+                    </a:p>
+                  </a:txBody>
+                  <a:tcPr anchor="ctr">
+                    <a:lnL w="12700" cap="flat" cmpd="sng" algn="ctr">
+                      <a:solidFill>
+                        <a:schemeClr val="tx1"/>
+                      </a:solidFill>
+                      <a:prstDash val="solid"/>
+                      <a:round/>
+                      <a:headEnd type="none" w="med" len="med"/>
+                      <a:tailEnd type="none" w="med" len="med"/>
+                    </a:lnL>
+                    <a:lnR w="12700" cap="flat" cmpd="sng" algn="ctr">
+                      <a:solidFill>
+                        <a:schemeClr val="tx1"/>
+                      </a:solidFill>
+                      <a:prstDash val="solid"/>
+                      <a:round/>
+                      <a:headEnd type="none" w="med" len="med"/>
+                      <a:tailEnd type="none" w="med" len="med"/>
+                    </a:lnR>
+                    <a:lnT w="12700" cap="flat" cmpd="sng" algn="ctr">
+                      <a:solidFill>
+                        <a:schemeClr val="tx1"/>
+                      </a:solidFill>
+                      <a:prstDash val="solid"/>
+                      <a:round/>
+                      <a:headEnd type="none" w="med" len="med"/>
+                      <a:tailEnd type="none" w="med" len="med"/>
+                    </a:lnT>
+                    <a:lnB w="12700" cap="flat" cmpd="sng" algn="ctr">
+                      <a:solidFill>
+                        <a:schemeClr val="tx1"/>
+                      </a:solidFill>
+                      <a:prstDash val="solid"/>
+                      <a:round/>
+                      <a:headEnd type="none" w="med" len="med"/>
+                      <a:tailEnd type="none" w="med" len="med"/>
+                    </a:lnB>
+                    <a:solidFill>
+                      <a:schemeClr val="bg1">
+                        <a:lumMod val="85000"/>
+                      </a:schemeClr>
+                    </a:solidFill>
+                  </a:tcPr>
+                </a:tc>
+                <a:tc>
+                  <a:txBody>
+                    <a:bodyPr/>
+                    <a:lstStyle/>
+                    <a:p>
+                      <a:pPr algn="ctr" latinLnBrk="1"/>
+                      <a:r>
+                        <a:rPr lang="en-US" altLang="ko-KR" sz="3200" b="1" dirty="0">
+                          <a:solidFill>
+                            <a:srgbClr val="FF0000"/>
+                          </a:solidFill>
+                        </a:rPr>
+                        <a:t>1</a:t>
+                      </a:r>
+                      <a:endParaRPr lang="ko-KR" altLang="en-US" sz="3200" b="1" dirty="0">
+                        <a:solidFill>
+                          <a:srgbClr val="FF0000"/>
+                        </a:solidFill>
+                      </a:endParaRPr>
+                    </a:p>
+                  </a:txBody>
+                  <a:tcPr anchor="ctr">
+                    <a:lnL w="12700" cap="flat" cmpd="sng" algn="ctr">
+                      <a:solidFill>
+                        <a:schemeClr val="tx1"/>
+                      </a:solidFill>
+                      <a:prstDash val="solid"/>
+                      <a:round/>
+                      <a:headEnd type="none" w="med" len="med"/>
+                      <a:tailEnd type="none" w="med" len="med"/>
+                    </a:lnL>
+                    <a:lnR w="12700" cap="flat" cmpd="sng" algn="ctr">
+                      <a:solidFill>
+                        <a:schemeClr val="tx1"/>
+                      </a:solidFill>
+                      <a:prstDash val="solid"/>
+                      <a:round/>
+                      <a:headEnd type="none" w="med" len="med"/>
+                      <a:tailEnd type="none" w="med" len="med"/>
+                    </a:lnR>
+                    <a:lnT w="12700" cap="flat" cmpd="sng" algn="ctr">
+                      <a:solidFill>
+                        <a:schemeClr val="tx1"/>
+                      </a:solidFill>
+                      <a:prstDash val="solid"/>
+                      <a:round/>
+                      <a:headEnd type="none" w="med" len="med"/>
+                      <a:tailEnd type="none" w="med" len="med"/>
+                    </a:lnT>
+                    <a:lnB w="12700" cap="flat" cmpd="sng" algn="ctr">
+                      <a:solidFill>
+                        <a:schemeClr val="tx1"/>
+                      </a:solidFill>
+                      <a:prstDash val="solid"/>
+                      <a:round/>
+                      <a:headEnd type="none" w="med" len="med"/>
+                      <a:tailEnd type="none" w="med" len="med"/>
+                    </a:lnB>
+                    <a:solidFill>
+                      <a:schemeClr val="bg1">
+                        <a:lumMod val="85000"/>
+                      </a:schemeClr>
+                    </a:solidFill>
+                  </a:tcPr>
+                </a:tc>
+                <a:tc>
+                  <a:txBody>
+                    <a:bodyPr/>
+                    <a:lstStyle/>
+                    <a:p>
+                      <a:pPr algn="ctr" latinLnBrk="1"/>
+                      <a:r>
+                        <a:rPr lang="en-US" altLang="ko-KR" sz="3200" b="1" dirty="0">
+                          <a:solidFill>
+                            <a:srgbClr val="FF0000"/>
+                          </a:solidFill>
+                        </a:rPr>
+                        <a:t>1</a:t>
+                      </a:r>
+                      <a:endParaRPr lang="ko-KR" altLang="en-US" sz="3200" b="1" dirty="0">
+                        <a:solidFill>
+                          <a:srgbClr val="FF0000"/>
+                        </a:solidFill>
+                      </a:endParaRPr>
+                    </a:p>
+                  </a:txBody>
+                  <a:tcPr anchor="ctr">
+                    <a:lnL w="12700" cap="flat" cmpd="sng" algn="ctr">
+                      <a:solidFill>
+                        <a:schemeClr val="tx1"/>
+                      </a:solidFill>
+                      <a:prstDash val="solid"/>
+                      <a:round/>
+                      <a:headEnd type="none" w="med" len="med"/>
+                      <a:tailEnd type="none" w="med" len="med"/>
+                    </a:lnL>
+                    <a:lnR w="12700" cap="flat" cmpd="sng" algn="ctr">
+                      <a:solidFill>
+                        <a:schemeClr val="tx1"/>
+                      </a:solidFill>
+                      <a:prstDash val="solid"/>
+                      <a:round/>
+                      <a:headEnd type="none" w="med" len="med"/>
+                      <a:tailEnd type="none" w="med" len="med"/>
+                    </a:lnR>
+                    <a:lnT w="12700" cap="flat" cmpd="sng" algn="ctr">
+                      <a:solidFill>
+                        <a:schemeClr val="tx1"/>
+                      </a:solidFill>
+                      <a:prstDash val="solid"/>
+                      <a:round/>
+                      <a:headEnd type="none" w="med" len="med"/>
+                      <a:tailEnd type="none" w="med" len="med"/>
+                    </a:lnT>
+                    <a:lnB w="12700" cap="flat" cmpd="sng" algn="ctr">
+                      <a:solidFill>
+                        <a:schemeClr val="tx1"/>
+                      </a:solidFill>
+                      <a:prstDash val="solid"/>
+                      <a:round/>
+                      <a:headEnd type="none" w="med" len="med"/>
+                      <a:tailEnd type="none" w="med" len="med"/>
+                    </a:lnB>
+                    <a:solidFill>
+                      <a:schemeClr val="bg1">
+                        <a:lumMod val="85000"/>
+                      </a:schemeClr>
+                    </a:solidFill>
+                  </a:tcPr>
+                </a:tc>
+                <a:extLst>
+                  <a:ext uri="{0D108BD9-81ED-4DB2-BD59-A6C34878D82A}">
+                    <a16:rowId xmlns:a16="http://schemas.microsoft.com/office/drawing/2014/main" val="482910767"/>
+                  </a:ext>
+                </a:extLst>
+              </a:tr>
+              <a:tr h="660000">
+                <a:tc>
+                  <a:txBody>
+                    <a:bodyPr/>
+                    <a:lstStyle/>
+                    <a:p>
+                      <a:pPr algn="ctr" latinLnBrk="1"/>
+                      <a:r>
+                        <a:rPr lang="en-US" altLang="ko-KR" sz="3200" b="1" dirty="0">
+                          <a:solidFill>
+                            <a:srgbClr val="FF0000"/>
+                          </a:solidFill>
+                        </a:rPr>
+                        <a:t>1</a:t>
+                      </a:r>
+                      <a:endParaRPr lang="ko-KR" altLang="en-US" sz="3200" b="1" dirty="0">
+                        <a:solidFill>
+                          <a:srgbClr val="FF0000"/>
+                        </a:solidFill>
+                      </a:endParaRPr>
+                    </a:p>
+                  </a:txBody>
+                  <a:tcPr anchor="ctr">
+                    <a:lnL w="12700" cap="flat" cmpd="sng" algn="ctr">
+                      <a:solidFill>
+                        <a:schemeClr val="tx1"/>
+                      </a:solidFill>
+                      <a:prstDash val="solid"/>
+                      <a:round/>
+                      <a:headEnd type="none" w="med" len="med"/>
+                      <a:tailEnd type="none" w="med" len="med"/>
+                    </a:lnL>
+                    <a:lnR w="12700" cap="flat" cmpd="sng" algn="ctr">
+                      <a:solidFill>
+                        <a:schemeClr val="tx1"/>
+                      </a:solidFill>
+                      <a:prstDash val="solid"/>
+                      <a:round/>
+                      <a:headEnd type="none" w="med" len="med"/>
+                      <a:tailEnd type="none" w="med" len="med"/>
+                    </a:lnR>
+                    <a:lnT w="12700" cap="flat" cmpd="sng" algn="ctr">
+                      <a:solidFill>
+                        <a:schemeClr val="tx1"/>
+                      </a:solidFill>
+                      <a:prstDash val="solid"/>
+                      <a:round/>
+                      <a:headEnd type="none" w="med" len="med"/>
+                      <a:tailEnd type="none" w="med" len="med"/>
+                    </a:lnT>
+                    <a:lnB w="12700" cap="flat" cmpd="sng" algn="ctr">
+                      <a:solidFill>
+                        <a:schemeClr val="tx1"/>
+                      </a:solidFill>
+                      <a:prstDash val="solid"/>
+                      <a:round/>
+                      <a:headEnd type="none" w="med" len="med"/>
+                      <a:tailEnd type="none" w="med" len="med"/>
+                    </a:lnB>
+                    <a:solidFill>
+                      <a:schemeClr val="bg1">
+                        <a:lumMod val="85000"/>
+                      </a:schemeClr>
+                    </a:solidFill>
+                  </a:tcPr>
+                </a:tc>
+                <a:tc>
+                  <a:txBody>
+                    <a:bodyPr/>
+                    <a:lstStyle/>
+                    <a:p>
+                      <a:pPr algn="ctr" latinLnBrk="1"/>
+                      <a:r>
+                        <a:rPr lang="en-US" altLang="ko-KR" sz="3200" b="1" dirty="0">
+                          <a:solidFill>
+                            <a:srgbClr val="FF0000"/>
+                          </a:solidFill>
+                        </a:rPr>
+                        <a:t>0</a:t>
+                      </a:r>
+                      <a:endParaRPr lang="ko-KR" altLang="en-US" sz="3200" b="1" dirty="0">
+                        <a:solidFill>
+                          <a:srgbClr val="FF0000"/>
+                        </a:solidFill>
+                      </a:endParaRPr>
+                    </a:p>
+                  </a:txBody>
+                  <a:tcPr anchor="ctr">
+                    <a:lnL w="12700" cap="flat" cmpd="sng" algn="ctr">
+                      <a:solidFill>
+                        <a:schemeClr val="tx1"/>
+                      </a:solidFill>
+                      <a:prstDash val="solid"/>
+                      <a:round/>
+                      <a:headEnd type="none" w="med" len="med"/>
+                      <a:tailEnd type="none" w="med" len="med"/>
+                    </a:lnL>
+                    <a:lnR w="12700" cap="flat" cmpd="sng" algn="ctr">
+                      <a:solidFill>
+                        <a:schemeClr val="tx1"/>
+                      </a:solidFill>
+                      <a:prstDash val="solid"/>
+                      <a:round/>
+                      <a:headEnd type="none" w="med" len="med"/>
+                      <a:tailEnd type="none" w="med" len="med"/>
+                    </a:lnR>
+                    <a:lnT w="12700" cap="flat" cmpd="sng" algn="ctr">
+                      <a:solidFill>
+                        <a:schemeClr val="tx1"/>
+                      </a:solidFill>
+                      <a:prstDash val="solid"/>
+                      <a:round/>
+                      <a:headEnd type="none" w="med" len="med"/>
+                      <a:tailEnd type="none" w="med" len="med"/>
+                    </a:lnT>
+                    <a:lnB w="12700" cap="flat" cmpd="sng" algn="ctr">
+                      <a:solidFill>
+                        <a:schemeClr val="tx1"/>
+                      </a:solidFill>
+                      <a:prstDash val="solid"/>
+                      <a:round/>
+                      <a:headEnd type="none" w="med" len="med"/>
+                      <a:tailEnd type="none" w="med" len="med"/>
+                    </a:lnB>
+                    <a:noFill/>
+                  </a:tcPr>
+                </a:tc>
+                <a:tc>
+                  <a:txBody>
+                    <a:bodyPr/>
+                    <a:lstStyle/>
+                    <a:p>
+                      <a:pPr marL="0" marR="0" lvl="0" indent="0" algn="ctr" defTabSz="914400" rtl="0" eaLnBrk="1" fontAlgn="auto" latinLnBrk="1" hangingPunct="1">
+                        <a:lnSpc>
+                          <a:spcPct val="100000"/>
+                        </a:lnSpc>
+                        <a:spcBef>
+                          <a:spcPts val="0"/>
+                        </a:spcBef>
+                        <a:spcAft>
+                          <a:spcPts val="0"/>
+                        </a:spcAft>
+                        <a:buClrTx/>
+                        <a:buSzTx/>
+                        <a:buFontTx/>
+                        <a:buNone/>
+                        <a:tabLst/>
+                        <a:defRPr/>
+                      </a:pPr>
+                      <a:r>
+                        <a:rPr lang="en-US" altLang="ko-KR" sz="3200" b="1" dirty="0">
+                          <a:solidFill>
+                            <a:srgbClr val="FF0000"/>
+                          </a:solidFill>
+                        </a:rPr>
+                        <a:t>1</a:t>
+                      </a:r>
+                      <a:endParaRPr lang="ko-KR" altLang="en-US" sz="3200" b="1" dirty="0">
+                        <a:solidFill>
+                          <a:srgbClr val="FF0000"/>
+                        </a:solidFill>
+                      </a:endParaRPr>
+                    </a:p>
+                  </a:txBody>
+                  <a:tcPr anchor="ctr">
+                    <a:lnL w="12700" cap="flat" cmpd="sng" algn="ctr">
+                      <a:solidFill>
+                        <a:schemeClr val="tx1"/>
+                      </a:solidFill>
+                      <a:prstDash val="solid"/>
+                      <a:round/>
+                      <a:headEnd type="none" w="med" len="med"/>
+                      <a:tailEnd type="none" w="med" len="med"/>
+                    </a:lnL>
+                    <a:lnR w="12700" cap="flat" cmpd="sng" algn="ctr">
+                      <a:solidFill>
+                        <a:schemeClr val="tx1"/>
+                      </a:solidFill>
+                      <a:prstDash val="solid"/>
+                      <a:round/>
+                      <a:headEnd type="none" w="med" len="med"/>
+                      <a:tailEnd type="none" w="med" len="med"/>
+                    </a:lnR>
+                    <a:lnT w="12700" cap="flat" cmpd="sng" algn="ctr">
+                      <a:solidFill>
+                        <a:schemeClr val="tx1"/>
+                      </a:solidFill>
+                      <a:prstDash val="solid"/>
+                      <a:round/>
+                      <a:headEnd type="none" w="med" len="med"/>
+                      <a:tailEnd type="none" w="med" len="med"/>
+                    </a:lnT>
+                    <a:lnB w="12700" cap="flat" cmpd="sng" algn="ctr">
+                      <a:solidFill>
+                        <a:schemeClr val="tx1"/>
+                      </a:solidFill>
+                      <a:prstDash val="solid"/>
+                      <a:round/>
+                      <a:headEnd type="none" w="med" len="med"/>
+                      <a:tailEnd type="none" w="med" len="med"/>
+                    </a:lnB>
+                    <a:solidFill>
+                      <a:schemeClr val="bg1">
+                        <a:lumMod val="85000"/>
+                      </a:schemeClr>
+                    </a:solidFill>
+                  </a:tcPr>
+                </a:tc>
+                <a:tc>
+                  <a:txBody>
+                    <a:bodyPr/>
+                    <a:lstStyle/>
+                    <a:p>
+                      <a:pPr algn="ctr" latinLnBrk="1"/>
+                      <a:r>
+                        <a:rPr lang="en-US" altLang="ko-KR" sz="3200" b="1" dirty="0">
+                          <a:solidFill>
+                            <a:srgbClr val="FF0000"/>
+                          </a:solidFill>
+                        </a:rPr>
+                        <a:t>2</a:t>
+                      </a:r>
+                      <a:endParaRPr lang="ko-KR" altLang="en-US" sz="3200" b="1" dirty="0">
+                        <a:solidFill>
+                          <a:srgbClr val="FF0000"/>
+                        </a:solidFill>
+                      </a:endParaRPr>
+                    </a:p>
+                  </a:txBody>
+                  <a:tcPr anchor="ctr">
+                    <a:lnL w="12700" cap="flat" cmpd="sng" algn="ctr">
+                      <a:solidFill>
+                        <a:schemeClr val="tx1"/>
+                      </a:solidFill>
+                      <a:prstDash val="solid"/>
+                      <a:round/>
+                      <a:headEnd type="none" w="med" len="med"/>
+                      <a:tailEnd type="none" w="med" len="med"/>
+                    </a:lnL>
+                    <a:lnR w="12700" cap="flat" cmpd="sng" algn="ctr">
+                      <a:solidFill>
+                        <a:schemeClr val="tx1"/>
+                      </a:solidFill>
+                      <a:prstDash val="solid"/>
+                      <a:round/>
+                      <a:headEnd type="none" w="med" len="med"/>
+                      <a:tailEnd type="none" w="med" len="med"/>
+                    </a:lnR>
+                    <a:lnT w="12700" cap="flat" cmpd="sng" algn="ctr">
+                      <a:solidFill>
+                        <a:schemeClr val="tx1"/>
+                      </a:solidFill>
+                      <a:prstDash val="solid"/>
+                      <a:round/>
+                      <a:headEnd type="none" w="med" len="med"/>
+                      <a:tailEnd type="none" w="med" len="med"/>
+                    </a:lnT>
+                    <a:lnB w="12700" cap="flat" cmpd="sng" algn="ctr">
+                      <a:solidFill>
+                        <a:schemeClr val="tx1"/>
+                      </a:solidFill>
+                      <a:prstDash val="solid"/>
+                      <a:round/>
+                      <a:headEnd type="none" w="med" len="med"/>
+                      <a:tailEnd type="none" w="med" len="med"/>
+                    </a:lnB>
+                    <a:solidFill>
+                      <a:schemeClr val="bg1">
+                        <a:lumMod val="85000"/>
+                      </a:schemeClr>
+                    </a:solidFill>
+                  </a:tcPr>
+                </a:tc>
+                <a:extLst>
+                  <a:ext uri="{0D108BD9-81ED-4DB2-BD59-A6C34878D82A}">
+                    <a16:rowId xmlns:a16="http://schemas.microsoft.com/office/drawing/2014/main" val="733504754"/>
+                  </a:ext>
+                </a:extLst>
+              </a:tr>
+              <a:tr h="660000">
+                <a:tc>
+                  <a:txBody>
+                    <a:bodyPr/>
+                    <a:lstStyle/>
+                    <a:p>
+                      <a:pPr algn="ctr" latinLnBrk="1"/>
+                      <a:r>
+                        <a:rPr lang="en-US" altLang="ko-KR" sz="3200" b="1" dirty="0">
+                          <a:solidFill>
+                            <a:srgbClr val="FF0000"/>
+                          </a:solidFill>
+                        </a:rPr>
+                        <a:t>1</a:t>
+                      </a:r>
+                      <a:endParaRPr lang="ko-KR" altLang="en-US" sz="3200" b="1" dirty="0">
+                        <a:solidFill>
+                          <a:srgbClr val="FF0000"/>
+                        </a:solidFill>
+                      </a:endParaRPr>
+                    </a:p>
+                  </a:txBody>
+                  <a:tcPr anchor="ctr">
+                    <a:lnL w="12700" cap="flat" cmpd="sng" algn="ctr">
+                      <a:solidFill>
+                        <a:schemeClr val="tx1"/>
+                      </a:solidFill>
+                      <a:prstDash val="solid"/>
+                      <a:round/>
+                      <a:headEnd type="none" w="med" len="med"/>
+                      <a:tailEnd type="none" w="med" len="med"/>
+                    </a:lnL>
+                    <a:lnR w="12700" cap="flat" cmpd="sng" algn="ctr">
+                      <a:solidFill>
+                        <a:schemeClr val="tx1"/>
+                      </a:solidFill>
+                      <a:prstDash val="solid"/>
+                      <a:round/>
+                      <a:headEnd type="none" w="med" len="med"/>
+                      <a:tailEnd type="none" w="med" len="med"/>
+                    </a:lnR>
+                    <a:lnT w="12700" cap="flat" cmpd="sng" algn="ctr">
+                      <a:solidFill>
+                        <a:schemeClr val="tx1"/>
+                      </a:solidFill>
+                      <a:prstDash val="solid"/>
+                      <a:round/>
+                      <a:headEnd type="none" w="med" len="med"/>
+                      <a:tailEnd type="none" w="med" len="med"/>
+                    </a:lnT>
+                    <a:lnB w="12700" cap="flat" cmpd="sng" algn="ctr">
+                      <a:solidFill>
+                        <a:schemeClr val="tx1"/>
+                      </a:solidFill>
+                      <a:prstDash val="solid"/>
+                      <a:round/>
+                      <a:headEnd type="none" w="med" len="med"/>
+                      <a:tailEnd type="none" w="med" len="med"/>
+                    </a:lnB>
+                    <a:solidFill>
+                      <a:schemeClr val="bg1">
+                        <a:lumMod val="85000"/>
+                      </a:schemeClr>
+                    </a:solidFill>
+                  </a:tcPr>
+                </a:tc>
+                <a:tc>
+                  <a:txBody>
+                    <a:bodyPr/>
+                    <a:lstStyle/>
+                    <a:p>
+                      <a:pPr algn="ctr" latinLnBrk="1"/>
+                      <a:r>
+                        <a:rPr lang="en-US" altLang="ko-KR" sz="2000" b="1" dirty="0">
+                          <a:solidFill>
+                            <a:srgbClr val="FF0000"/>
+                          </a:solidFill>
+                        </a:rPr>
+                        <a:t>0+1</a:t>
+                      </a:r>
+                      <a:endParaRPr lang="ko-KR" altLang="en-US" sz="2000" b="1" dirty="0">
+                        <a:solidFill>
+                          <a:srgbClr val="FF0000"/>
+                        </a:solidFill>
+                      </a:endParaRPr>
+                    </a:p>
+                  </a:txBody>
+                  <a:tcPr anchor="ctr">
+                    <a:lnL w="12700" cap="flat" cmpd="sng" algn="ctr">
+                      <a:solidFill>
+                        <a:schemeClr val="tx1"/>
+                      </a:solidFill>
+                      <a:prstDash val="solid"/>
+                      <a:round/>
+                      <a:headEnd type="none" w="med" len="med"/>
+                      <a:tailEnd type="none" w="med" len="med"/>
+                    </a:lnL>
+                    <a:lnR w="12700" cap="flat" cmpd="sng" algn="ctr">
+                      <a:solidFill>
+                        <a:schemeClr val="tx1"/>
+                      </a:solidFill>
+                      <a:prstDash val="solid"/>
+                      <a:round/>
+                      <a:headEnd type="none" w="med" len="med"/>
+                      <a:tailEnd type="none" w="med" len="med"/>
+                    </a:lnR>
+                    <a:lnT w="12700" cap="flat" cmpd="sng" algn="ctr">
+                      <a:solidFill>
+                        <a:schemeClr val="tx1"/>
+                      </a:solidFill>
+                      <a:prstDash val="solid"/>
+                      <a:round/>
+                      <a:headEnd type="none" w="med" len="med"/>
+                      <a:tailEnd type="none" w="med" len="med"/>
+                    </a:lnT>
+                    <a:lnB w="12700" cap="flat" cmpd="sng" algn="ctr">
+                      <a:solidFill>
+                        <a:schemeClr val="tx1"/>
+                      </a:solidFill>
+                      <a:prstDash val="solid"/>
+                      <a:round/>
+                      <a:headEnd type="none" w="med" len="med"/>
+                      <a:tailEnd type="none" w="med" len="med"/>
+                    </a:lnB>
+                    <a:solidFill>
+                      <a:schemeClr val="bg1">
+                        <a:lumMod val="85000"/>
+                      </a:schemeClr>
+                    </a:solidFill>
+                  </a:tcPr>
+                </a:tc>
+                <a:tc>
+                  <a:txBody>
+                    <a:bodyPr/>
+                    <a:lstStyle/>
+                    <a:p>
+                      <a:pPr algn="ctr" latinLnBrk="1"/>
+                      <a:r>
+                        <a:rPr lang="en-US" altLang="ko-KR" sz="2000" b="1" dirty="0">
+                          <a:solidFill>
+                            <a:srgbClr val="FF0000"/>
+                          </a:solidFill>
+                        </a:rPr>
+                        <a:t>1+1</a:t>
+                      </a:r>
+                      <a:endParaRPr lang="ko-KR" altLang="en-US" sz="2000" b="1" dirty="0">
+                        <a:solidFill>
+                          <a:srgbClr val="FF0000"/>
+                        </a:solidFill>
+                      </a:endParaRPr>
+                    </a:p>
+                  </a:txBody>
+                  <a:tcPr anchor="ctr">
+                    <a:lnL w="12700" cap="flat" cmpd="sng" algn="ctr">
+                      <a:solidFill>
+                        <a:schemeClr val="tx1"/>
+                      </a:solidFill>
+                      <a:prstDash val="solid"/>
+                      <a:round/>
+                      <a:headEnd type="none" w="med" len="med"/>
+                      <a:tailEnd type="none" w="med" len="med"/>
+                    </a:lnL>
+                    <a:lnR w="12700" cap="flat" cmpd="sng" algn="ctr">
+                      <a:solidFill>
+                        <a:schemeClr val="tx1"/>
+                      </a:solidFill>
+                      <a:prstDash val="solid"/>
+                      <a:round/>
+                      <a:headEnd type="none" w="med" len="med"/>
+                      <a:tailEnd type="none" w="med" len="med"/>
+                    </a:lnR>
+                    <a:lnT w="12700" cap="flat" cmpd="sng" algn="ctr">
+                      <a:solidFill>
+                        <a:schemeClr val="tx1"/>
+                      </a:solidFill>
+                      <a:prstDash val="solid"/>
+                      <a:round/>
+                      <a:headEnd type="none" w="med" len="med"/>
+                      <a:tailEnd type="none" w="med" len="med"/>
+                    </a:lnT>
+                    <a:lnB w="12700" cap="flat" cmpd="sng" algn="ctr">
+                      <a:solidFill>
+                        <a:schemeClr val="tx1"/>
+                      </a:solidFill>
+                      <a:prstDash val="solid"/>
+                      <a:round/>
+                      <a:headEnd type="none" w="med" len="med"/>
+                      <a:tailEnd type="none" w="med" len="med"/>
+                    </a:lnB>
+                    <a:solidFill>
+                      <a:schemeClr val="bg1">
+                        <a:lumMod val="85000"/>
+                      </a:schemeClr>
+                    </a:solidFill>
+                  </a:tcPr>
+                </a:tc>
+                <a:tc>
+                  <a:txBody>
+                    <a:bodyPr/>
+                    <a:lstStyle/>
+                    <a:p>
+                      <a:pPr algn="ctr" latinLnBrk="1"/>
+                      <a:r>
+                        <a:rPr lang="en-US" altLang="ko-KR" sz="2000" b="1" dirty="0">
+                          <a:solidFill>
+                            <a:srgbClr val="FF0000"/>
+                          </a:solidFill>
+                        </a:rPr>
+                        <a:t>2+2</a:t>
+                      </a:r>
+                      <a:endParaRPr lang="ko-KR" altLang="en-US" sz="2000" b="1" dirty="0">
+                        <a:solidFill>
+                          <a:srgbClr val="FF0000"/>
+                        </a:solidFill>
+                      </a:endParaRPr>
+                    </a:p>
+                  </a:txBody>
+                  <a:tcPr anchor="ctr">
+                    <a:lnL w="12700" cap="flat" cmpd="sng" algn="ctr">
+                      <a:solidFill>
+                        <a:schemeClr val="tx1"/>
+                      </a:solidFill>
+                      <a:prstDash val="solid"/>
+                      <a:round/>
+                      <a:headEnd type="none" w="med" len="med"/>
+                      <a:tailEnd type="none" w="med" len="med"/>
+                    </a:lnL>
+                    <a:lnR w="12700" cap="flat" cmpd="sng" algn="ctr">
+                      <a:solidFill>
+                        <a:schemeClr val="tx1"/>
+                      </a:solidFill>
+                      <a:prstDash val="solid"/>
+                      <a:round/>
+                      <a:headEnd type="none" w="med" len="med"/>
+                      <a:tailEnd type="none" w="med" len="med"/>
+                    </a:lnR>
+                    <a:lnT w="12700" cap="flat" cmpd="sng" algn="ctr">
+                      <a:solidFill>
+                        <a:schemeClr val="tx1"/>
+                      </a:solidFill>
+                      <a:prstDash val="solid"/>
+                      <a:round/>
+                      <a:headEnd type="none" w="med" len="med"/>
+                      <a:tailEnd type="none" w="med" len="med"/>
+                    </a:lnT>
+                    <a:lnB w="12700" cap="flat" cmpd="sng" algn="ctr">
+                      <a:solidFill>
+                        <a:schemeClr val="tx1"/>
+                      </a:solidFill>
+                      <a:prstDash val="solid"/>
+                      <a:round/>
+                      <a:headEnd type="none" w="med" len="med"/>
+                      <a:tailEnd type="none" w="med" len="med"/>
+                    </a:lnB>
+                    <a:noFill/>
+                  </a:tcPr>
+                </a:tc>
+                <a:extLst>
+                  <a:ext uri="{0D108BD9-81ED-4DB2-BD59-A6C34878D82A}">
+                    <a16:rowId xmlns:a16="http://schemas.microsoft.com/office/drawing/2014/main" val="2553521684"/>
+                  </a:ext>
+                </a:extLst>
+              </a:tr>
+            </a:tbl>
+          </a:graphicData>
+        </a:graphic>
+      </p:graphicFrame>
+      <p:graphicFrame>
+        <p:nvGraphicFramePr>
+          <p:cNvPr id="32" name="표 20">
+            <a:extLst>
+              <a:ext uri="{FF2B5EF4-FFF2-40B4-BE49-F238E27FC236}">
+                <a16:creationId xmlns:a16="http://schemas.microsoft.com/office/drawing/2014/main" id="{336250EE-FFF9-4695-8591-9798829803EC}"/>
+              </a:ext>
+            </a:extLst>
+          </p:cNvPr>
+          <p:cNvGraphicFramePr>
+            <a:graphicFrameLocks/>
+          </p:cNvGraphicFramePr>
+          <p:nvPr>
+            <p:extLst>
+              <p:ext uri="{D42A27DB-BD31-4B8C-83A1-F6EECF244321}">
+                <p14:modId xmlns:p14="http://schemas.microsoft.com/office/powerpoint/2010/main" val="1193602298"/>
+              </p:ext>
+            </p:extLst>
+          </p:nvPr>
+        </p:nvGraphicFramePr>
+        <p:xfrm>
+          <a:off x="457200" y="1199512"/>
+          <a:ext cx="2700000" cy="1980000"/>
+        </p:xfrm>
+        <a:graphic>
+          <a:graphicData uri="http://schemas.openxmlformats.org/drawingml/2006/table">
+            <a:tbl>
+              <a:tblPr>
+                <a:tableStyleId>{073A0DAA-6AF3-43AB-8588-CEC1D06C72B9}</a:tableStyleId>
+              </a:tblPr>
+              <a:tblGrid>
+                <a:gridCol w="675000">
+                  <a:extLst>
+                    <a:ext uri="{9D8B030D-6E8A-4147-A177-3AD203B41FA5}">
+                      <a16:colId xmlns:a16="http://schemas.microsoft.com/office/drawing/2014/main" val="987985523"/>
+                    </a:ext>
+                  </a:extLst>
+                </a:gridCol>
+                <a:gridCol w="675000">
+                  <a:extLst>
+                    <a:ext uri="{9D8B030D-6E8A-4147-A177-3AD203B41FA5}">
+                      <a16:colId xmlns:a16="http://schemas.microsoft.com/office/drawing/2014/main" val="585349148"/>
+                    </a:ext>
+                  </a:extLst>
+                </a:gridCol>
+                <a:gridCol w="675000">
+                  <a:extLst>
+                    <a:ext uri="{9D8B030D-6E8A-4147-A177-3AD203B41FA5}">
+                      <a16:colId xmlns:a16="http://schemas.microsoft.com/office/drawing/2014/main" val="1673932392"/>
+                    </a:ext>
+                  </a:extLst>
+                </a:gridCol>
+                <a:gridCol w="675000">
+                  <a:extLst>
+                    <a:ext uri="{9D8B030D-6E8A-4147-A177-3AD203B41FA5}">
+                      <a16:colId xmlns:a16="http://schemas.microsoft.com/office/drawing/2014/main" val="655733267"/>
+                    </a:ext>
+                  </a:extLst>
+                </a:gridCol>
+              </a:tblGrid>
+              <a:tr h="660000">
+                <a:tc>
+                  <a:txBody>
+                    <a:bodyPr/>
+                    <a:lstStyle/>
+                    <a:p>
+                      <a:pPr algn="ctr" latinLnBrk="1"/>
+                      <a:r>
+                        <a:rPr lang="en-US" altLang="ko-KR" sz="3200" b="1" dirty="0">
+                          <a:solidFill>
+                            <a:srgbClr val="FF0000"/>
+                          </a:solidFill>
+                        </a:rPr>
+                        <a:t>1</a:t>
+                      </a:r>
+                      <a:endParaRPr lang="ko-KR" altLang="en-US" sz="3200" b="1" dirty="0">
+                        <a:solidFill>
+                          <a:srgbClr val="FF0000"/>
+                        </a:solidFill>
+                      </a:endParaRPr>
+                    </a:p>
+                  </a:txBody>
+                  <a:tcPr anchor="ctr">
+                    <a:lnL w="12700" cap="flat" cmpd="sng" algn="ctr">
+                      <a:solidFill>
+                        <a:schemeClr val="tx1"/>
+                      </a:solidFill>
+                      <a:prstDash val="solid"/>
+                      <a:round/>
+                      <a:headEnd type="none" w="med" len="med"/>
+                      <a:tailEnd type="none" w="med" len="med"/>
+                    </a:lnL>
+                    <a:lnR w="12700" cap="flat" cmpd="sng" algn="ctr">
+                      <a:solidFill>
+                        <a:schemeClr val="tx1"/>
+                      </a:solidFill>
+                      <a:prstDash val="solid"/>
+                      <a:round/>
+                      <a:headEnd type="none" w="med" len="med"/>
+                      <a:tailEnd type="none" w="med" len="med"/>
+                    </a:lnR>
+                    <a:lnT w="12700" cap="flat" cmpd="sng" algn="ctr">
+                      <a:solidFill>
+                        <a:schemeClr val="tx1"/>
+                      </a:solidFill>
+                      <a:prstDash val="solid"/>
+                      <a:round/>
+                      <a:headEnd type="none" w="med" len="med"/>
+                      <a:tailEnd type="none" w="med" len="med"/>
+                    </a:lnT>
+                    <a:lnB w="12700" cap="flat" cmpd="sng" algn="ctr">
+                      <a:solidFill>
+                        <a:schemeClr val="tx1"/>
+                      </a:solidFill>
+                      <a:prstDash val="solid"/>
+                      <a:round/>
+                      <a:headEnd type="none" w="med" len="med"/>
+                      <a:tailEnd type="none" w="med" len="med"/>
+                    </a:lnB>
+                    <a:noFill/>
+                  </a:tcPr>
+                </a:tc>
+                <a:tc>
+                  <a:txBody>
+                    <a:bodyPr/>
+                    <a:lstStyle/>
+                    <a:p>
+                      <a:pPr algn="ctr" latinLnBrk="1"/>
+                      <a:r>
+                        <a:rPr lang="en-US" altLang="ko-KR" sz="3200" b="1" dirty="0">
+                          <a:solidFill>
+                            <a:srgbClr val="FF0000"/>
+                          </a:solidFill>
+                        </a:rPr>
+                        <a:t>1</a:t>
+                      </a:r>
+                      <a:endParaRPr lang="ko-KR" altLang="en-US" sz="3200" b="1" dirty="0">
+                        <a:solidFill>
+                          <a:srgbClr val="FF0000"/>
+                        </a:solidFill>
+                      </a:endParaRPr>
+                    </a:p>
+                  </a:txBody>
+                  <a:tcPr anchor="ctr">
+                    <a:lnL w="12700" cap="flat" cmpd="sng" algn="ctr">
+                      <a:solidFill>
+                        <a:schemeClr val="tx1"/>
+                      </a:solidFill>
+                      <a:prstDash val="solid"/>
+                      <a:round/>
+                      <a:headEnd type="none" w="med" len="med"/>
+                      <a:tailEnd type="none" w="med" len="med"/>
+                    </a:lnL>
+                    <a:lnR w="12700" cap="flat" cmpd="sng" algn="ctr">
+                      <a:solidFill>
+                        <a:schemeClr val="tx1"/>
+                      </a:solidFill>
+                      <a:prstDash val="solid"/>
+                      <a:round/>
+                      <a:headEnd type="none" w="med" len="med"/>
+                      <a:tailEnd type="none" w="med" len="med"/>
+                    </a:lnR>
+                    <a:lnT w="12700" cap="flat" cmpd="sng" algn="ctr">
+                      <a:solidFill>
+                        <a:schemeClr val="tx1"/>
+                      </a:solidFill>
+                      <a:prstDash val="solid"/>
+                      <a:round/>
+                      <a:headEnd type="none" w="med" len="med"/>
+                      <a:tailEnd type="none" w="med" len="med"/>
+                    </a:lnT>
+                    <a:lnB w="12700" cap="flat" cmpd="sng" algn="ctr">
+                      <a:solidFill>
+                        <a:schemeClr val="tx1"/>
+                      </a:solidFill>
+                      <a:prstDash val="solid"/>
+                      <a:round/>
+                      <a:headEnd type="none" w="med" len="med"/>
+                      <a:tailEnd type="none" w="med" len="med"/>
+                    </a:lnB>
+                    <a:solidFill>
+                      <a:schemeClr val="bg1">
+                        <a:lumMod val="85000"/>
+                      </a:schemeClr>
+                    </a:solidFill>
+                  </a:tcPr>
+                </a:tc>
+                <a:tc>
+                  <a:txBody>
+                    <a:bodyPr/>
+                    <a:lstStyle/>
+                    <a:p>
+                      <a:pPr algn="ctr" latinLnBrk="1"/>
+                      <a:r>
+                        <a:rPr lang="en-US" altLang="ko-KR" sz="3200" b="1" dirty="0">
+                          <a:solidFill>
+                            <a:srgbClr val="FF0000"/>
+                          </a:solidFill>
+                        </a:rPr>
+                        <a:t>1</a:t>
+                      </a:r>
+                      <a:endParaRPr lang="ko-KR" altLang="en-US" sz="3200" b="1" dirty="0">
+                        <a:solidFill>
+                          <a:srgbClr val="FF0000"/>
+                        </a:solidFill>
+                      </a:endParaRPr>
+                    </a:p>
+                  </a:txBody>
+                  <a:tcPr anchor="ctr">
+                    <a:lnL w="12700" cap="flat" cmpd="sng" algn="ctr">
+                      <a:solidFill>
+                        <a:schemeClr val="tx1"/>
+                      </a:solidFill>
+                      <a:prstDash val="solid"/>
+                      <a:round/>
+                      <a:headEnd type="none" w="med" len="med"/>
+                      <a:tailEnd type="none" w="med" len="med"/>
+                    </a:lnL>
+                    <a:lnR w="12700" cap="flat" cmpd="sng" algn="ctr">
+                      <a:solidFill>
+                        <a:schemeClr val="tx1"/>
+                      </a:solidFill>
+                      <a:prstDash val="solid"/>
+                      <a:round/>
+                      <a:headEnd type="none" w="med" len="med"/>
+                      <a:tailEnd type="none" w="med" len="med"/>
+                    </a:lnR>
+                    <a:lnT w="12700" cap="flat" cmpd="sng" algn="ctr">
+                      <a:solidFill>
+                        <a:schemeClr val="tx1"/>
+                      </a:solidFill>
+                      <a:prstDash val="solid"/>
+                      <a:round/>
+                      <a:headEnd type="none" w="med" len="med"/>
+                      <a:tailEnd type="none" w="med" len="med"/>
+                    </a:lnT>
+                    <a:lnB w="12700" cap="flat" cmpd="sng" algn="ctr">
+                      <a:solidFill>
+                        <a:schemeClr val="tx1"/>
+                      </a:solidFill>
+                      <a:prstDash val="solid"/>
+                      <a:round/>
+                      <a:headEnd type="none" w="med" len="med"/>
+                      <a:tailEnd type="none" w="med" len="med"/>
+                    </a:lnB>
+                    <a:solidFill>
+                      <a:schemeClr val="bg1">
+                        <a:lumMod val="85000"/>
+                      </a:schemeClr>
+                    </a:solidFill>
+                  </a:tcPr>
+                </a:tc>
+                <a:tc>
+                  <a:txBody>
+                    <a:bodyPr/>
+                    <a:lstStyle/>
+                    <a:p>
+                      <a:pPr algn="ctr" latinLnBrk="1"/>
+                      <a:r>
+                        <a:rPr lang="en-US" altLang="ko-KR" sz="3200" b="1" dirty="0">
+                          <a:solidFill>
+                            <a:srgbClr val="FF0000"/>
+                          </a:solidFill>
+                        </a:rPr>
+                        <a:t>1</a:t>
+                      </a:r>
+                      <a:endParaRPr lang="ko-KR" altLang="en-US" sz="3200" b="1" dirty="0">
+                        <a:solidFill>
+                          <a:srgbClr val="FF0000"/>
+                        </a:solidFill>
+                      </a:endParaRPr>
+                    </a:p>
+                  </a:txBody>
+                  <a:tcPr anchor="ctr">
+                    <a:lnL w="12700" cap="flat" cmpd="sng" algn="ctr">
+                      <a:solidFill>
+                        <a:schemeClr val="tx1"/>
+                      </a:solidFill>
+                      <a:prstDash val="solid"/>
+                      <a:round/>
+                      <a:headEnd type="none" w="med" len="med"/>
+                      <a:tailEnd type="none" w="med" len="med"/>
+                    </a:lnL>
+                    <a:lnR w="12700" cap="flat" cmpd="sng" algn="ctr">
+                      <a:solidFill>
+                        <a:schemeClr val="tx1"/>
+                      </a:solidFill>
+                      <a:prstDash val="solid"/>
+                      <a:round/>
+                      <a:headEnd type="none" w="med" len="med"/>
+                      <a:tailEnd type="none" w="med" len="med"/>
+                    </a:lnR>
+                    <a:lnT w="12700" cap="flat" cmpd="sng" algn="ctr">
+                      <a:solidFill>
+                        <a:schemeClr val="tx1"/>
+                      </a:solidFill>
+                      <a:prstDash val="solid"/>
+                      <a:round/>
+                      <a:headEnd type="none" w="med" len="med"/>
+                      <a:tailEnd type="none" w="med" len="med"/>
+                    </a:lnT>
+                    <a:lnB w="12700" cap="flat" cmpd="sng" algn="ctr">
+                      <a:solidFill>
+                        <a:schemeClr val="tx1"/>
+                      </a:solidFill>
+                      <a:prstDash val="solid"/>
+                      <a:round/>
+                      <a:headEnd type="none" w="med" len="med"/>
+                      <a:tailEnd type="none" w="med" len="med"/>
+                    </a:lnB>
+                    <a:solidFill>
+                      <a:schemeClr val="bg1">
+                        <a:lumMod val="85000"/>
+                      </a:schemeClr>
+                    </a:solidFill>
+                  </a:tcPr>
+                </a:tc>
+                <a:extLst>
+                  <a:ext uri="{0D108BD9-81ED-4DB2-BD59-A6C34878D82A}">
+                    <a16:rowId xmlns:a16="http://schemas.microsoft.com/office/drawing/2014/main" val="482910767"/>
+                  </a:ext>
+                </a:extLst>
+              </a:tr>
+              <a:tr h="660000">
+                <a:tc>
+                  <a:txBody>
+                    <a:bodyPr/>
+                    <a:lstStyle/>
+                    <a:p>
+                      <a:pPr algn="ctr" latinLnBrk="1"/>
+                      <a:r>
+                        <a:rPr lang="en-US" altLang="ko-KR" sz="3200" b="1" dirty="0">
+                          <a:solidFill>
+                            <a:srgbClr val="FF0000"/>
+                          </a:solidFill>
+                        </a:rPr>
+                        <a:t>1</a:t>
+                      </a:r>
+                      <a:endParaRPr lang="ko-KR" altLang="en-US" sz="3200" b="1" dirty="0">
+                        <a:solidFill>
+                          <a:srgbClr val="FF0000"/>
+                        </a:solidFill>
+                      </a:endParaRPr>
+                    </a:p>
+                  </a:txBody>
+                  <a:tcPr anchor="ctr">
+                    <a:lnL w="12700" cap="flat" cmpd="sng" algn="ctr">
+                      <a:solidFill>
+                        <a:schemeClr val="tx1"/>
+                      </a:solidFill>
+                      <a:prstDash val="solid"/>
+                      <a:round/>
+                      <a:headEnd type="none" w="med" len="med"/>
+                      <a:tailEnd type="none" w="med" len="med"/>
+                    </a:lnL>
+                    <a:lnR w="12700" cap="flat" cmpd="sng" algn="ctr">
+                      <a:solidFill>
+                        <a:schemeClr val="tx1"/>
+                      </a:solidFill>
+                      <a:prstDash val="solid"/>
+                      <a:round/>
+                      <a:headEnd type="none" w="med" len="med"/>
+                      <a:tailEnd type="none" w="med" len="med"/>
+                    </a:lnR>
+                    <a:lnT w="12700" cap="flat" cmpd="sng" algn="ctr">
+                      <a:solidFill>
+                        <a:schemeClr val="tx1"/>
+                      </a:solidFill>
+                      <a:prstDash val="solid"/>
+                      <a:round/>
+                      <a:headEnd type="none" w="med" len="med"/>
+                      <a:tailEnd type="none" w="med" len="med"/>
+                    </a:lnT>
+                    <a:lnB w="12700" cap="flat" cmpd="sng" algn="ctr">
+                      <a:solidFill>
+                        <a:schemeClr val="tx1"/>
+                      </a:solidFill>
+                      <a:prstDash val="solid"/>
+                      <a:round/>
+                      <a:headEnd type="none" w="med" len="med"/>
+                      <a:tailEnd type="none" w="med" len="med"/>
+                    </a:lnB>
+                    <a:solidFill>
+                      <a:schemeClr val="bg1">
+                        <a:lumMod val="85000"/>
+                      </a:schemeClr>
+                    </a:solidFill>
+                  </a:tcPr>
+                </a:tc>
+                <a:tc>
+                  <a:txBody>
+                    <a:bodyPr/>
+                    <a:lstStyle/>
+                    <a:p>
+                      <a:pPr algn="ctr" latinLnBrk="1"/>
+                      <a:r>
+                        <a:rPr lang="en-US" altLang="ko-KR" sz="3200" b="1" dirty="0">
+                          <a:solidFill>
+                            <a:srgbClr val="FF0000"/>
+                          </a:solidFill>
+                        </a:rPr>
+                        <a:t>0</a:t>
+                      </a:r>
+                      <a:endParaRPr lang="ko-KR" altLang="en-US" sz="3200" b="1" dirty="0">
+                        <a:solidFill>
+                          <a:srgbClr val="FF0000"/>
+                        </a:solidFill>
+                      </a:endParaRPr>
+                    </a:p>
+                  </a:txBody>
+                  <a:tcPr anchor="ctr">
+                    <a:lnL w="12700" cap="flat" cmpd="sng" algn="ctr">
+                      <a:solidFill>
+                        <a:schemeClr val="tx1"/>
+                      </a:solidFill>
+                      <a:prstDash val="solid"/>
+                      <a:round/>
+                      <a:headEnd type="none" w="med" len="med"/>
+                      <a:tailEnd type="none" w="med" len="med"/>
+                    </a:lnL>
+                    <a:lnR w="12700" cap="flat" cmpd="sng" algn="ctr">
+                      <a:solidFill>
+                        <a:schemeClr val="tx1"/>
+                      </a:solidFill>
+                      <a:prstDash val="solid"/>
+                      <a:round/>
+                      <a:headEnd type="none" w="med" len="med"/>
+                      <a:tailEnd type="none" w="med" len="med"/>
+                    </a:lnR>
+                    <a:lnT w="12700" cap="flat" cmpd="sng" algn="ctr">
+                      <a:solidFill>
+                        <a:schemeClr val="tx1"/>
+                      </a:solidFill>
+                      <a:prstDash val="solid"/>
+                      <a:round/>
+                      <a:headEnd type="none" w="med" len="med"/>
+                      <a:tailEnd type="none" w="med" len="med"/>
+                    </a:lnT>
+                    <a:lnB w="12700" cap="flat" cmpd="sng" algn="ctr">
+                      <a:solidFill>
+                        <a:schemeClr val="tx1"/>
+                      </a:solidFill>
+                      <a:prstDash val="solid"/>
+                      <a:round/>
+                      <a:headEnd type="none" w="med" len="med"/>
+                      <a:tailEnd type="none" w="med" len="med"/>
+                    </a:lnB>
+                    <a:noFill/>
+                  </a:tcPr>
+                </a:tc>
+                <a:tc>
+                  <a:txBody>
+                    <a:bodyPr/>
+                    <a:lstStyle/>
+                    <a:p>
+                      <a:pPr marL="0" marR="0" lvl="0" indent="0" algn="ctr" defTabSz="914400" rtl="0" eaLnBrk="1" fontAlgn="auto" latinLnBrk="1" hangingPunct="1">
+                        <a:lnSpc>
+                          <a:spcPct val="100000"/>
+                        </a:lnSpc>
+                        <a:spcBef>
+                          <a:spcPts val="0"/>
+                        </a:spcBef>
+                        <a:spcAft>
+                          <a:spcPts val="0"/>
+                        </a:spcAft>
+                        <a:buClrTx/>
+                        <a:buSzTx/>
+                        <a:buFontTx/>
+                        <a:buNone/>
+                        <a:tabLst/>
+                        <a:defRPr/>
+                      </a:pPr>
+                      <a:r>
+                        <a:rPr lang="en-US" altLang="ko-KR" sz="3200" b="1" dirty="0">
+                          <a:solidFill>
+                            <a:srgbClr val="FF0000"/>
+                          </a:solidFill>
+                        </a:rPr>
+                        <a:t>1</a:t>
+                      </a:r>
+                      <a:endParaRPr lang="ko-KR" altLang="en-US" sz="3200" b="1" dirty="0">
+                        <a:solidFill>
+                          <a:srgbClr val="FF0000"/>
+                        </a:solidFill>
+                      </a:endParaRPr>
+                    </a:p>
+                  </a:txBody>
+                  <a:tcPr anchor="ctr">
+                    <a:lnL w="12700" cap="flat" cmpd="sng" algn="ctr">
+                      <a:solidFill>
+                        <a:schemeClr val="tx1"/>
+                      </a:solidFill>
+                      <a:prstDash val="solid"/>
+                      <a:round/>
+                      <a:headEnd type="none" w="med" len="med"/>
+                      <a:tailEnd type="none" w="med" len="med"/>
+                    </a:lnL>
+                    <a:lnR w="12700" cap="flat" cmpd="sng" algn="ctr">
+                      <a:solidFill>
+                        <a:schemeClr val="tx1"/>
+                      </a:solidFill>
+                      <a:prstDash val="solid"/>
+                      <a:round/>
+                      <a:headEnd type="none" w="med" len="med"/>
+                      <a:tailEnd type="none" w="med" len="med"/>
+                    </a:lnR>
+                    <a:lnT w="12700" cap="flat" cmpd="sng" algn="ctr">
+                      <a:solidFill>
+                        <a:schemeClr val="tx1"/>
+                      </a:solidFill>
+                      <a:prstDash val="solid"/>
+                      <a:round/>
+                      <a:headEnd type="none" w="med" len="med"/>
+                      <a:tailEnd type="none" w="med" len="med"/>
+                    </a:lnT>
+                    <a:lnB w="12700" cap="flat" cmpd="sng" algn="ctr">
+                      <a:solidFill>
+                        <a:schemeClr val="tx1"/>
+                      </a:solidFill>
+                      <a:prstDash val="solid"/>
+                      <a:round/>
+                      <a:headEnd type="none" w="med" len="med"/>
+                      <a:tailEnd type="none" w="med" len="med"/>
+                    </a:lnB>
+                    <a:solidFill>
+                      <a:schemeClr val="bg1">
+                        <a:lumMod val="85000"/>
+                      </a:schemeClr>
+                    </a:solidFill>
+                  </a:tcPr>
+                </a:tc>
+                <a:tc>
+                  <a:txBody>
+                    <a:bodyPr/>
+                    <a:lstStyle/>
+                    <a:p>
+                      <a:pPr algn="ctr" latinLnBrk="1"/>
+                      <a:r>
+                        <a:rPr lang="en-US" altLang="ko-KR" sz="3200" b="1" dirty="0">
+                          <a:solidFill>
+                            <a:srgbClr val="FF0000"/>
+                          </a:solidFill>
+                        </a:rPr>
+                        <a:t>2</a:t>
+                      </a:r>
+                      <a:endParaRPr lang="ko-KR" altLang="en-US" sz="3200" b="1" dirty="0">
+                        <a:solidFill>
+                          <a:srgbClr val="FF0000"/>
+                        </a:solidFill>
+                      </a:endParaRPr>
+                    </a:p>
+                  </a:txBody>
+                  <a:tcPr anchor="ctr">
+                    <a:lnL w="12700" cap="flat" cmpd="sng" algn="ctr">
+                      <a:solidFill>
+                        <a:schemeClr val="tx1"/>
+                      </a:solidFill>
+                      <a:prstDash val="solid"/>
+                      <a:round/>
+                      <a:headEnd type="none" w="med" len="med"/>
+                      <a:tailEnd type="none" w="med" len="med"/>
+                    </a:lnL>
+                    <a:lnR w="12700" cap="flat" cmpd="sng" algn="ctr">
+                      <a:solidFill>
+                        <a:schemeClr val="tx1"/>
+                      </a:solidFill>
+                      <a:prstDash val="solid"/>
+                      <a:round/>
+                      <a:headEnd type="none" w="med" len="med"/>
+                      <a:tailEnd type="none" w="med" len="med"/>
+                    </a:lnR>
+                    <a:lnT w="12700" cap="flat" cmpd="sng" algn="ctr">
+                      <a:solidFill>
+                        <a:schemeClr val="tx1"/>
+                      </a:solidFill>
+                      <a:prstDash val="solid"/>
+                      <a:round/>
+                      <a:headEnd type="none" w="med" len="med"/>
+                      <a:tailEnd type="none" w="med" len="med"/>
+                    </a:lnT>
+                    <a:lnB w="12700" cap="flat" cmpd="sng" algn="ctr">
+                      <a:solidFill>
+                        <a:schemeClr val="tx1"/>
+                      </a:solidFill>
+                      <a:prstDash val="solid"/>
+                      <a:round/>
+                      <a:headEnd type="none" w="med" len="med"/>
+                      <a:tailEnd type="none" w="med" len="med"/>
+                    </a:lnB>
+                    <a:solidFill>
+                      <a:schemeClr val="bg1">
+                        <a:lumMod val="85000"/>
+                      </a:schemeClr>
+                    </a:solidFill>
+                  </a:tcPr>
+                </a:tc>
+                <a:extLst>
+                  <a:ext uri="{0D108BD9-81ED-4DB2-BD59-A6C34878D82A}">
+                    <a16:rowId xmlns:a16="http://schemas.microsoft.com/office/drawing/2014/main" val="733504754"/>
+                  </a:ext>
+                </a:extLst>
+              </a:tr>
+              <a:tr h="660000">
+                <a:tc>
+                  <a:txBody>
+                    <a:bodyPr/>
+                    <a:lstStyle/>
+                    <a:p>
+                      <a:pPr algn="ctr" latinLnBrk="1"/>
+                      <a:r>
+                        <a:rPr lang="en-US" altLang="ko-KR" sz="3200" b="1" dirty="0">
+                          <a:solidFill>
+                            <a:srgbClr val="FF0000"/>
+                          </a:solidFill>
+                        </a:rPr>
+                        <a:t>1</a:t>
+                      </a:r>
+                      <a:endParaRPr lang="ko-KR" altLang="en-US" sz="3200" b="1" dirty="0">
+                        <a:solidFill>
+                          <a:srgbClr val="FF0000"/>
+                        </a:solidFill>
+                      </a:endParaRPr>
+                    </a:p>
+                  </a:txBody>
+                  <a:tcPr anchor="ctr">
+                    <a:lnL w="12700" cap="flat" cmpd="sng" algn="ctr">
+                      <a:solidFill>
+                        <a:schemeClr val="tx1"/>
+                      </a:solidFill>
+                      <a:prstDash val="solid"/>
+                      <a:round/>
+                      <a:headEnd type="none" w="med" len="med"/>
+                      <a:tailEnd type="none" w="med" len="med"/>
+                    </a:lnL>
+                    <a:lnR w="12700" cap="flat" cmpd="sng" algn="ctr">
+                      <a:solidFill>
+                        <a:schemeClr val="tx1"/>
+                      </a:solidFill>
+                      <a:prstDash val="solid"/>
+                      <a:round/>
+                      <a:headEnd type="none" w="med" len="med"/>
+                      <a:tailEnd type="none" w="med" len="med"/>
+                    </a:lnR>
+                    <a:lnT w="12700" cap="flat" cmpd="sng" algn="ctr">
+                      <a:solidFill>
+                        <a:schemeClr val="tx1"/>
+                      </a:solidFill>
+                      <a:prstDash val="solid"/>
+                      <a:round/>
+                      <a:headEnd type="none" w="med" len="med"/>
+                      <a:tailEnd type="none" w="med" len="med"/>
+                    </a:lnT>
+                    <a:lnB w="12700" cap="flat" cmpd="sng" algn="ctr">
+                      <a:solidFill>
+                        <a:schemeClr val="tx1"/>
+                      </a:solidFill>
+                      <a:prstDash val="solid"/>
+                      <a:round/>
+                      <a:headEnd type="none" w="med" len="med"/>
+                      <a:tailEnd type="none" w="med" len="med"/>
+                    </a:lnB>
+                    <a:solidFill>
+                      <a:schemeClr val="bg1">
+                        <a:lumMod val="85000"/>
+                      </a:schemeClr>
+                    </a:solidFill>
+                  </a:tcPr>
+                </a:tc>
+                <a:tc>
+                  <a:txBody>
+                    <a:bodyPr/>
+                    <a:lstStyle/>
+                    <a:p>
+                      <a:pPr algn="ctr" latinLnBrk="1"/>
+                      <a:r>
+                        <a:rPr lang="en-US" altLang="ko-KR" sz="3200" b="1" dirty="0">
+                          <a:solidFill>
+                            <a:srgbClr val="FF0000"/>
+                          </a:solidFill>
+                        </a:rPr>
+                        <a:t>1</a:t>
+                      </a:r>
+                      <a:endParaRPr lang="ko-KR" altLang="en-US" sz="3200" b="1" dirty="0">
+                        <a:solidFill>
+                          <a:srgbClr val="FF0000"/>
+                        </a:solidFill>
+                      </a:endParaRPr>
+                    </a:p>
+                  </a:txBody>
+                  <a:tcPr anchor="ctr">
+                    <a:lnL w="12700" cap="flat" cmpd="sng" algn="ctr">
+                      <a:solidFill>
+                        <a:schemeClr val="tx1"/>
+                      </a:solidFill>
+                      <a:prstDash val="solid"/>
+                      <a:round/>
+                      <a:headEnd type="none" w="med" len="med"/>
+                      <a:tailEnd type="none" w="med" len="med"/>
+                    </a:lnL>
+                    <a:lnR w="12700" cap="flat" cmpd="sng" algn="ctr">
+                      <a:solidFill>
+                        <a:schemeClr val="tx1"/>
+                      </a:solidFill>
+                      <a:prstDash val="solid"/>
+                      <a:round/>
+                      <a:headEnd type="none" w="med" len="med"/>
+                      <a:tailEnd type="none" w="med" len="med"/>
+                    </a:lnR>
+                    <a:lnT w="12700" cap="flat" cmpd="sng" algn="ctr">
+                      <a:solidFill>
+                        <a:schemeClr val="tx1"/>
+                      </a:solidFill>
+                      <a:prstDash val="solid"/>
+                      <a:round/>
+                      <a:headEnd type="none" w="med" len="med"/>
+                      <a:tailEnd type="none" w="med" len="med"/>
+                    </a:lnT>
+                    <a:lnB w="12700" cap="flat" cmpd="sng" algn="ctr">
+                      <a:solidFill>
+                        <a:schemeClr val="tx1"/>
+                      </a:solidFill>
+                      <a:prstDash val="solid"/>
+                      <a:round/>
+                      <a:headEnd type="none" w="med" len="med"/>
+                      <a:tailEnd type="none" w="med" len="med"/>
+                    </a:lnB>
+                    <a:solidFill>
+                      <a:schemeClr val="bg1">
+                        <a:lumMod val="85000"/>
+                      </a:schemeClr>
+                    </a:solidFill>
+                  </a:tcPr>
+                </a:tc>
+                <a:tc>
+                  <a:txBody>
+                    <a:bodyPr/>
+                    <a:lstStyle/>
+                    <a:p>
+                      <a:pPr algn="ctr" latinLnBrk="1"/>
+                      <a:r>
+                        <a:rPr lang="en-US" altLang="ko-KR" sz="3200" b="1" dirty="0">
+                          <a:solidFill>
+                            <a:srgbClr val="FF0000"/>
+                          </a:solidFill>
+                        </a:rPr>
+                        <a:t>2</a:t>
+                      </a:r>
+                      <a:endParaRPr lang="ko-KR" altLang="en-US" sz="3200" b="1" dirty="0">
+                        <a:solidFill>
+                          <a:srgbClr val="FF0000"/>
+                        </a:solidFill>
+                      </a:endParaRPr>
+                    </a:p>
+                  </a:txBody>
+                  <a:tcPr anchor="ctr">
+                    <a:lnL w="12700" cap="flat" cmpd="sng" algn="ctr">
+                      <a:solidFill>
+                        <a:schemeClr val="tx1"/>
+                      </a:solidFill>
+                      <a:prstDash val="solid"/>
+                      <a:round/>
+                      <a:headEnd type="none" w="med" len="med"/>
+                      <a:tailEnd type="none" w="med" len="med"/>
+                    </a:lnL>
+                    <a:lnR w="12700" cap="flat" cmpd="sng" algn="ctr">
+                      <a:solidFill>
+                        <a:schemeClr val="tx1"/>
+                      </a:solidFill>
+                      <a:prstDash val="solid"/>
+                      <a:round/>
+                      <a:headEnd type="none" w="med" len="med"/>
+                      <a:tailEnd type="none" w="med" len="med"/>
+                    </a:lnR>
+                    <a:lnT w="12700" cap="flat" cmpd="sng" algn="ctr">
+                      <a:solidFill>
+                        <a:schemeClr val="tx1"/>
+                      </a:solidFill>
+                      <a:prstDash val="solid"/>
+                      <a:round/>
+                      <a:headEnd type="none" w="med" len="med"/>
+                      <a:tailEnd type="none" w="med" len="med"/>
+                    </a:lnT>
+                    <a:lnB w="12700" cap="flat" cmpd="sng" algn="ctr">
+                      <a:solidFill>
+                        <a:schemeClr val="tx1"/>
+                      </a:solidFill>
+                      <a:prstDash val="solid"/>
+                      <a:round/>
+                      <a:headEnd type="none" w="med" len="med"/>
+                      <a:tailEnd type="none" w="med" len="med"/>
+                    </a:lnB>
+                    <a:solidFill>
+                      <a:schemeClr val="bg1">
+                        <a:lumMod val="85000"/>
+                      </a:schemeClr>
+                    </a:solidFill>
+                  </a:tcPr>
+                </a:tc>
+                <a:tc>
+                  <a:txBody>
+                    <a:bodyPr/>
+                    <a:lstStyle/>
+                    <a:p>
+                      <a:pPr algn="ctr" latinLnBrk="1"/>
+                      <a:r>
+                        <a:rPr lang="en-US" altLang="ko-KR" sz="3200" b="1" dirty="0">
+                          <a:solidFill>
+                            <a:srgbClr val="FF0000"/>
+                          </a:solidFill>
+                        </a:rPr>
+                        <a:t>4</a:t>
+                      </a:r>
+                      <a:endParaRPr lang="ko-KR" altLang="en-US" sz="3200" b="1" dirty="0">
+                        <a:solidFill>
+                          <a:srgbClr val="FF0000"/>
+                        </a:solidFill>
+                      </a:endParaRPr>
+                    </a:p>
+                  </a:txBody>
+                  <a:tcPr anchor="ctr">
+                    <a:lnL w="12700" cap="flat" cmpd="sng" algn="ctr">
+                      <a:solidFill>
+                        <a:schemeClr val="tx1"/>
+                      </a:solidFill>
+                      <a:prstDash val="solid"/>
+                      <a:round/>
+                      <a:headEnd type="none" w="med" len="med"/>
+                      <a:tailEnd type="none" w="med" len="med"/>
+                    </a:lnL>
+                    <a:lnR w="12700" cap="flat" cmpd="sng" algn="ctr">
+                      <a:solidFill>
+                        <a:schemeClr val="tx1"/>
+                      </a:solidFill>
+                      <a:prstDash val="solid"/>
+                      <a:round/>
+                      <a:headEnd type="none" w="med" len="med"/>
+                      <a:tailEnd type="none" w="med" len="med"/>
+                    </a:lnR>
+                    <a:lnT w="12700" cap="flat" cmpd="sng" algn="ctr">
+                      <a:solidFill>
+                        <a:schemeClr val="tx1"/>
+                      </a:solidFill>
+                      <a:prstDash val="solid"/>
+                      <a:round/>
+                      <a:headEnd type="none" w="med" len="med"/>
+                      <a:tailEnd type="none" w="med" len="med"/>
+                    </a:lnT>
+                    <a:lnB w="12700" cap="flat" cmpd="sng" algn="ctr">
+                      <a:solidFill>
+                        <a:schemeClr val="tx1"/>
+                      </a:solidFill>
+                      <a:prstDash val="solid"/>
+                      <a:round/>
+                      <a:headEnd type="none" w="med" len="med"/>
+                      <a:tailEnd type="none" w="med" len="med"/>
+                    </a:lnB>
+                    <a:noFill/>
+                  </a:tcPr>
+                </a:tc>
+                <a:extLst>
+                  <a:ext uri="{0D108BD9-81ED-4DB2-BD59-A6C34878D82A}">
+                    <a16:rowId xmlns:a16="http://schemas.microsoft.com/office/drawing/2014/main" val="2553521684"/>
+                  </a:ext>
+                </a:extLst>
+              </a:tr>
+            </a:tbl>
+          </a:graphicData>
+        </a:graphic>
+      </p:graphicFrame>
+      <p:pic>
+        <p:nvPicPr>
+          <p:cNvPr id="33" name="Picture 2">
+            <a:extLst>
+              <a:ext uri="{FF2B5EF4-FFF2-40B4-BE49-F238E27FC236}">
+                <a16:creationId xmlns:a16="http://schemas.microsoft.com/office/drawing/2014/main" id="{D6036B88-ED32-4FB7-B2DF-EE999AE10D3B}"/>
+              </a:ext>
+            </a:extLst>
+          </p:cNvPr>
+          <p:cNvPicPr>
+            <a:picLocks noChangeAspect="1" noChangeArrowheads="1"/>
+          </p:cNvPicPr>
+          <p:nvPr/>
+        </p:nvPicPr>
+        <p:blipFill>
+          <a:blip r:embed="rId5" cstate="print">
+            <a:extLst>
+              <a:ext uri="{28A0092B-C50C-407E-A947-70E740481C1C}">
+                <a14:useLocalDpi xmlns:a14="http://schemas.microsoft.com/office/drawing/2010/main" val="0"/>
+              </a:ext>
+            </a:extLst>
+          </a:blip>
+          <a:srcRect/>
+          <a:stretch>
+            <a:fillRect/>
+          </a:stretch>
+        </p:blipFill>
+        <p:spPr bwMode="auto">
+          <a:xfrm>
+            <a:off x="2164885" y="2192233"/>
+            <a:ext cx="1311198" cy="1311198"/>
+          </a:xfrm>
+          <a:prstGeom prst="rect">
+            <a:avLst/>
+          </a:prstGeom>
+          <a:noFill/>
+          <a:extLst>
+            <a:ext uri="{909E8E84-426E-40DD-AFC4-6F175D3DCCD1}">
+              <a14:hiddenFill xmlns:a14="http://schemas.microsoft.com/office/drawing/2010/main">
+                <a:solidFill>
+                  <a:srgbClr val="FFFFFF"/>
+                </a:solidFill>
+              </a14:hiddenFill>
+            </a:ext>
+          </a:extLst>
+        </p:spPr>
+      </p:pic>
+      <p:sp>
+        <p:nvSpPr>
+          <p:cNvPr id="34" name="내용 개체 틀 2">
+            <a:extLst>
+              <a:ext uri="{FF2B5EF4-FFF2-40B4-BE49-F238E27FC236}">
+                <a16:creationId xmlns:a16="http://schemas.microsoft.com/office/drawing/2014/main" id="{43081E58-ABC1-4D05-BFFF-657CFEAB6621}"/>
+              </a:ext>
+            </a:extLst>
+          </p:cNvPr>
+          <p:cNvSpPr txBox="1">
+            <a:spLocks/>
+          </p:cNvSpPr>
+          <p:nvPr/>
+        </p:nvSpPr>
+        <p:spPr>
+          <a:xfrm>
+            <a:off x="3867918" y="1194584"/>
+            <a:ext cx="4592513" cy="1260000"/>
+          </a:xfrm>
+          <a:prstGeom prst="rect">
+            <a:avLst/>
+          </a:prstGeom>
+          <a:ln>
+            <a:noFill/>
+          </a:ln>
+        </p:spPr>
+        <p:txBody>
+          <a:bodyPr vert="horz" lIns="91440" tIns="45720" rIns="91440" bIns="45720" rtlCol="0">
+            <a:normAutofit/>
+          </a:bodyPr>
+          <a:lstStyle>
+            <a:lvl1pPr marL="342900" indent="-342900" algn="l" defTabSz="914400" rtl="0" eaLnBrk="1" latinLnBrk="1" hangingPunct="1">
+              <a:spcBef>
+                <a:spcPct val="20000"/>
+              </a:spcBef>
+              <a:buFont typeface="Arial" pitchFamily="34" charset="0"/>
+              <a:buChar char="•"/>
+              <a:defRPr sz="3200" kern="1200">
+                <a:solidFill>
+                  <a:schemeClr val="tx1"/>
+                </a:solidFill>
+                <a:latin typeface="+mn-lt"/>
+                <a:ea typeface="+mn-ea"/>
+                <a:cs typeface="+mn-cs"/>
+              </a:defRPr>
+            </a:lvl1pPr>
+            <a:lvl2pPr marL="742950" indent="-285750" algn="l" defTabSz="914400" rtl="0" eaLnBrk="1" latinLnBrk="1" hangingPunct="1">
+              <a:spcBef>
+                <a:spcPct val="20000"/>
+              </a:spcBef>
+              <a:buFont typeface="Arial" pitchFamily="34" charset="0"/>
+              <a:buChar char="–"/>
+              <a:defRPr sz="2800" kern="1200">
+                <a:solidFill>
+                  <a:schemeClr val="tx1"/>
+                </a:solidFill>
+                <a:latin typeface="+mn-lt"/>
+                <a:ea typeface="+mn-ea"/>
+                <a:cs typeface="+mn-cs"/>
+              </a:defRPr>
+            </a:lvl2pPr>
+            <a:lvl3pPr marL="1143000" indent="-228600" algn="l" defTabSz="914400" rtl="0" eaLnBrk="1" latinLnBrk="1" hangingPunct="1">
+              <a:spcBef>
+                <a:spcPct val="20000"/>
+              </a:spcBef>
+              <a:buFont typeface="Arial" pitchFamily="34" charset="0"/>
+              <a:buChar char="•"/>
+              <a:defRPr sz="2400" kern="1200">
+                <a:solidFill>
+                  <a:schemeClr val="tx1"/>
+                </a:solidFill>
+                <a:latin typeface="+mn-lt"/>
+                <a:ea typeface="+mn-ea"/>
+                <a:cs typeface="+mn-cs"/>
+              </a:defRPr>
+            </a:lvl3pPr>
+            <a:lvl4pPr marL="1600200" indent="-228600" algn="l" defTabSz="914400" rtl="0" eaLnBrk="1" latinLnBrk="1" hangingPunct="1">
+              <a:spcBef>
+                <a:spcPct val="20000"/>
+              </a:spcBef>
+              <a:buFont typeface="Arial" pitchFamily="34" charset="0"/>
+              <a:buChar char="–"/>
+              <a:defRPr sz="2000" kern="1200">
+                <a:solidFill>
+                  <a:schemeClr val="tx1"/>
+                </a:solidFill>
+                <a:latin typeface="+mn-lt"/>
+                <a:ea typeface="+mn-ea"/>
+                <a:cs typeface="+mn-cs"/>
+              </a:defRPr>
+            </a:lvl4pPr>
+            <a:lvl5pPr marL="2057400" indent="-228600" algn="l" defTabSz="914400" rtl="0" eaLnBrk="1" latinLnBrk="1" hangingPunct="1">
+              <a:spcBef>
+                <a:spcPct val="20000"/>
+              </a:spcBef>
+              <a:buFont typeface="Arial" pitchFamily="34" charset="0"/>
+              <a:buChar char="»"/>
+              <a:defRPr sz="2000" kern="1200">
+                <a:solidFill>
+                  <a:schemeClr val="tx1"/>
+                </a:solidFill>
+                <a:latin typeface="+mn-lt"/>
+                <a:ea typeface="+mn-ea"/>
+                <a:cs typeface="+mn-cs"/>
+              </a:defRPr>
+            </a:lvl5pPr>
+            <a:lvl6pPr marL="2514600" indent="-228600" algn="l" defTabSz="914400" rtl="0" eaLnBrk="1" latinLnBrk="1" hangingPunct="1">
+              <a:spcBef>
+                <a:spcPct val="20000"/>
+              </a:spcBef>
+              <a:buFont typeface="Arial" pitchFamily="34" charset="0"/>
+              <a:buChar char="•"/>
+              <a:defRPr sz="2000" kern="1200">
+                <a:solidFill>
+                  <a:schemeClr val="tx1"/>
+                </a:solidFill>
+                <a:latin typeface="+mn-lt"/>
+                <a:ea typeface="+mn-ea"/>
+                <a:cs typeface="+mn-cs"/>
+              </a:defRPr>
+            </a:lvl6pPr>
+            <a:lvl7pPr marL="2971800" indent="-228600" algn="l" defTabSz="914400" rtl="0" eaLnBrk="1" latinLnBrk="1" hangingPunct="1">
+              <a:spcBef>
+                <a:spcPct val="20000"/>
+              </a:spcBef>
+              <a:buFont typeface="Arial" pitchFamily="34" charset="0"/>
+              <a:buChar char="•"/>
+              <a:defRPr sz="2000" kern="1200">
+                <a:solidFill>
+                  <a:schemeClr val="tx1"/>
+                </a:solidFill>
+                <a:latin typeface="+mn-lt"/>
+                <a:ea typeface="+mn-ea"/>
+                <a:cs typeface="+mn-cs"/>
+              </a:defRPr>
+            </a:lvl7pPr>
+            <a:lvl8pPr marL="3429000" indent="-228600" algn="l" defTabSz="914400" rtl="0" eaLnBrk="1" latinLnBrk="1" hangingPunct="1">
+              <a:spcBef>
+                <a:spcPct val="20000"/>
+              </a:spcBef>
+              <a:buFont typeface="Arial" pitchFamily="34" charset="0"/>
+              <a:buChar char="•"/>
+              <a:defRPr sz="2000" kern="1200">
+                <a:solidFill>
+                  <a:schemeClr val="tx1"/>
+                </a:solidFill>
+                <a:latin typeface="+mn-lt"/>
+                <a:ea typeface="+mn-ea"/>
+                <a:cs typeface="+mn-cs"/>
+              </a:defRPr>
+            </a:lvl8pPr>
+            <a:lvl9pPr marL="3886200" indent="-228600" algn="l" defTabSz="914400" rtl="0" eaLnBrk="1" latinLnBrk="1" hangingPunct="1">
+              <a:spcBef>
+                <a:spcPct val="20000"/>
+              </a:spcBef>
+              <a:buFont typeface="Arial" pitchFamily="34" charset="0"/>
+              <a:buChar char="•"/>
+              <a:defRPr sz="2000" kern="1200">
+                <a:solidFill>
+                  <a:schemeClr val="tx1"/>
+                </a:solidFill>
+                <a:latin typeface="+mn-lt"/>
+                <a:ea typeface="+mn-ea"/>
+                <a:cs typeface="+mn-cs"/>
+              </a:defRPr>
+            </a:lvl9pPr>
+          </a:lstStyle>
+          <a:p>
+            <a:r>
+              <a:rPr lang="en-US" altLang="ko-KR" sz="1200" dirty="0"/>
+              <a:t>1</a:t>
+            </a:r>
+            <a:r>
+              <a:rPr lang="ko-KR" altLang="en-US" sz="1200" dirty="0"/>
+              <a:t>번째 행은 불이 난 곳을 만나지 않을 때까지</a:t>
+            </a:r>
+            <a:r>
+              <a:rPr lang="en-US" altLang="ko-KR" sz="1200" dirty="0"/>
+              <a:t>1</a:t>
+            </a:r>
+            <a:r>
+              <a:rPr lang="ko-KR" altLang="en-US" sz="1200" dirty="0"/>
+              <a:t>로 설정</a:t>
+            </a:r>
+            <a:endParaRPr lang="en-US" altLang="ko-KR" sz="1200" dirty="0"/>
+          </a:p>
+          <a:p>
+            <a:r>
+              <a:rPr lang="en-US" altLang="ko-KR" sz="1200" dirty="0"/>
+              <a:t>1</a:t>
+            </a:r>
+            <a:r>
+              <a:rPr lang="ko-KR" altLang="en-US" sz="1200" dirty="0"/>
+              <a:t>번째 열은 불이 난 곳을 만나지 않을 때까지</a:t>
+            </a:r>
+            <a:r>
+              <a:rPr lang="en-US" altLang="ko-KR" sz="1200" dirty="0"/>
+              <a:t>1</a:t>
+            </a:r>
+            <a:r>
+              <a:rPr lang="ko-KR" altLang="en-US" sz="1200" dirty="0"/>
+              <a:t>로 설정</a:t>
+            </a:r>
+            <a:endParaRPr lang="en-US" altLang="ko-KR" sz="1200" dirty="0"/>
+          </a:p>
+          <a:p>
+            <a:r>
+              <a:rPr lang="ko-KR" altLang="en-US" sz="1200" dirty="0"/>
+              <a:t>학교위치</a:t>
+            </a:r>
+            <a:r>
+              <a:rPr lang="en-US" altLang="ko-KR" sz="1200" dirty="0"/>
+              <a:t>(n,</a:t>
+            </a:r>
+            <a:r>
+              <a:rPr lang="ko-KR" altLang="en-US" sz="1200" dirty="0"/>
+              <a:t> </a:t>
+            </a:r>
+            <a:r>
+              <a:rPr lang="en-US" altLang="ko-KR" sz="1200"/>
+              <a:t>m)</a:t>
+            </a:r>
+            <a:r>
+              <a:rPr lang="ko-KR" altLang="en-US" sz="1200" dirty="0"/>
+              <a:t>의 경로 개수가 정답</a:t>
+            </a:r>
+          </a:p>
+          <a:p>
+            <a:endParaRPr lang="ko-KR" altLang="en-US" sz="1200" dirty="0"/>
+          </a:p>
+        </p:txBody>
+      </p:sp>
+      <p:sp>
+        <p:nvSpPr>
+          <p:cNvPr id="35" name="내용 개체 틀 2">
+            <a:extLst>
+              <a:ext uri="{FF2B5EF4-FFF2-40B4-BE49-F238E27FC236}">
+                <a16:creationId xmlns:a16="http://schemas.microsoft.com/office/drawing/2014/main" id="{2298770F-2979-4DB4-9904-2D4D6848CB9C}"/>
+              </a:ext>
+            </a:extLst>
+          </p:cNvPr>
+          <p:cNvSpPr txBox="1">
+            <a:spLocks/>
+          </p:cNvSpPr>
+          <p:nvPr/>
+        </p:nvSpPr>
+        <p:spPr>
+          <a:xfrm>
+            <a:off x="457201" y="3442087"/>
+            <a:ext cx="3410718" cy="1260000"/>
+          </a:xfrm>
+          <a:prstGeom prst="rect">
+            <a:avLst/>
+          </a:prstGeom>
+          <a:ln>
+            <a:noFill/>
+          </a:ln>
+        </p:spPr>
+        <p:txBody>
+          <a:bodyPr vert="horz" lIns="91440" tIns="45720" rIns="91440" bIns="45720" rtlCol="0">
+            <a:normAutofit/>
+          </a:bodyPr>
+          <a:lstStyle>
+            <a:lvl1pPr marL="342900" indent="-342900" algn="l" defTabSz="914400" rtl="0" eaLnBrk="1" latinLnBrk="1" hangingPunct="1">
+              <a:spcBef>
+                <a:spcPct val="20000"/>
+              </a:spcBef>
+              <a:buFont typeface="Arial" pitchFamily="34" charset="0"/>
+              <a:buChar char="•"/>
+              <a:defRPr sz="3200" kern="1200">
+                <a:solidFill>
+                  <a:schemeClr val="tx1"/>
+                </a:solidFill>
+                <a:latin typeface="+mn-lt"/>
+                <a:ea typeface="+mn-ea"/>
+                <a:cs typeface="+mn-cs"/>
+              </a:defRPr>
+            </a:lvl1pPr>
+            <a:lvl2pPr marL="742950" indent="-285750" algn="l" defTabSz="914400" rtl="0" eaLnBrk="1" latinLnBrk="1" hangingPunct="1">
+              <a:spcBef>
+                <a:spcPct val="20000"/>
+              </a:spcBef>
+              <a:buFont typeface="Arial" pitchFamily="34" charset="0"/>
+              <a:buChar char="–"/>
+              <a:defRPr sz="2800" kern="1200">
+                <a:solidFill>
+                  <a:schemeClr val="tx1"/>
+                </a:solidFill>
+                <a:latin typeface="+mn-lt"/>
+                <a:ea typeface="+mn-ea"/>
+                <a:cs typeface="+mn-cs"/>
+              </a:defRPr>
+            </a:lvl2pPr>
+            <a:lvl3pPr marL="1143000" indent="-228600" algn="l" defTabSz="914400" rtl="0" eaLnBrk="1" latinLnBrk="1" hangingPunct="1">
+              <a:spcBef>
+                <a:spcPct val="20000"/>
+              </a:spcBef>
+              <a:buFont typeface="Arial" pitchFamily="34" charset="0"/>
+              <a:buChar char="•"/>
+              <a:defRPr sz="2400" kern="1200">
+                <a:solidFill>
+                  <a:schemeClr val="tx1"/>
+                </a:solidFill>
+                <a:latin typeface="+mn-lt"/>
+                <a:ea typeface="+mn-ea"/>
+                <a:cs typeface="+mn-cs"/>
+              </a:defRPr>
+            </a:lvl3pPr>
+            <a:lvl4pPr marL="1600200" indent="-228600" algn="l" defTabSz="914400" rtl="0" eaLnBrk="1" latinLnBrk="1" hangingPunct="1">
+              <a:spcBef>
+                <a:spcPct val="20000"/>
+              </a:spcBef>
+              <a:buFont typeface="Arial" pitchFamily="34" charset="0"/>
+              <a:buChar char="–"/>
+              <a:defRPr sz="2000" kern="1200">
+                <a:solidFill>
+                  <a:schemeClr val="tx1"/>
+                </a:solidFill>
+                <a:latin typeface="+mn-lt"/>
+                <a:ea typeface="+mn-ea"/>
+                <a:cs typeface="+mn-cs"/>
+              </a:defRPr>
+            </a:lvl4pPr>
+            <a:lvl5pPr marL="2057400" indent="-228600" algn="l" defTabSz="914400" rtl="0" eaLnBrk="1" latinLnBrk="1" hangingPunct="1">
+              <a:spcBef>
+                <a:spcPct val="20000"/>
+              </a:spcBef>
+              <a:buFont typeface="Arial" pitchFamily="34" charset="0"/>
+              <a:buChar char="»"/>
+              <a:defRPr sz="2000" kern="1200">
+                <a:solidFill>
+                  <a:schemeClr val="tx1"/>
+                </a:solidFill>
+                <a:latin typeface="+mn-lt"/>
+                <a:ea typeface="+mn-ea"/>
+                <a:cs typeface="+mn-cs"/>
+              </a:defRPr>
+            </a:lvl5pPr>
+            <a:lvl6pPr marL="2514600" indent="-228600" algn="l" defTabSz="914400" rtl="0" eaLnBrk="1" latinLnBrk="1" hangingPunct="1">
+              <a:spcBef>
+                <a:spcPct val="20000"/>
+              </a:spcBef>
+              <a:buFont typeface="Arial" pitchFamily="34" charset="0"/>
+              <a:buChar char="•"/>
+              <a:defRPr sz="2000" kern="1200">
+                <a:solidFill>
+                  <a:schemeClr val="tx1"/>
+                </a:solidFill>
+                <a:latin typeface="+mn-lt"/>
+                <a:ea typeface="+mn-ea"/>
+                <a:cs typeface="+mn-cs"/>
+              </a:defRPr>
+            </a:lvl6pPr>
+            <a:lvl7pPr marL="2971800" indent="-228600" algn="l" defTabSz="914400" rtl="0" eaLnBrk="1" latinLnBrk="1" hangingPunct="1">
+              <a:spcBef>
+                <a:spcPct val="20000"/>
+              </a:spcBef>
+              <a:buFont typeface="Arial" pitchFamily="34" charset="0"/>
+              <a:buChar char="•"/>
+              <a:defRPr sz="2000" kern="1200">
+                <a:solidFill>
+                  <a:schemeClr val="tx1"/>
+                </a:solidFill>
+                <a:latin typeface="+mn-lt"/>
+                <a:ea typeface="+mn-ea"/>
+                <a:cs typeface="+mn-cs"/>
+              </a:defRPr>
+            </a:lvl7pPr>
+            <a:lvl8pPr marL="3429000" indent="-228600" algn="l" defTabSz="914400" rtl="0" eaLnBrk="1" latinLnBrk="1" hangingPunct="1">
+              <a:spcBef>
+                <a:spcPct val="20000"/>
+              </a:spcBef>
+              <a:buFont typeface="Arial" pitchFamily="34" charset="0"/>
+              <a:buChar char="•"/>
+              <a:defRPr sz="2000" kern="1200">
+                <a:solidFill>
+                  <a:schemeClr val="tx1"/>
+                </a:solidFill>
+                <a:latin typeface="+mn-lt"/>
+                <a:ea typeface="+mn-ea"/>
+                <a:cs typeface="+mn-cs"/>
+              </a:defRPr>
+            </a:lvl8pPr>
+            <a:lvl9pPr marL="3886200" indent="-228600" algn="l" defTabSz="914400" rtl="0" eaLnBrk="1" latinLnBrk="1" hangingPunct="1">
+              <a:spcBef>
+                <a:spcPct val="20000"/>
+              </a:spcBef>
+              <a:buFont typeface="Arial" pitchFamily="34" charset="0"/>
+              <a:buChar char="•"/>
+              <a:defRPr sz="2000" kern="1200">
+                <a:solidFill>
+                  <a:schemeClr val="tx1"/>
+                </a:solidFill>
+                <a:latin typeface="+mn-lt"/>
+                <a:ea typeface="+mn-ea"/>
+                <a:cs typeface="+mn-cs"/>
+              </a:defRPr>
+            </a:lvl9pPr>
+          </a:lstStyle>
+          <a:p>
+            <a:r>
+              <a:rPr lang="ko-KR" altLang="en-US" sz="1200" dirty="0"/>
+              <a:t>각 구역별 경로 개수 저장</a:t>
+            </a:r>
+            <a:endParaRPr lang="en-US" altLang="ko-KR" sz="1200" dirty="0"/>
+          </a:p>
+          <a:p>
+            <a:r>
+              <a:rPr lang="ko-KR" altLang="en-US" sz="1200" dirty="0"/>
+              <a:t>불이 난 곳은 항상 갈 수 없으므로 </a:t>
+            </a:r>
+            <a:r>
+              <a:rPr lang="en-US" altLang="ko-KR" sz="1200" dirty="0"/>
+              <a:t>0</a:t>
+            </a:r>
+          </a:p>
+        </p:txBody>
+      </p:sp>
+    </p:spTree>
+    <p:extLst>
+      <p:ext uri="{BB962C8B-B14F-4D97-AF65-F5344CB8AC3E}">
+        <p14:creationId xmlns:p14="http://schemas.microsoft.com/office/powerpoint/2010/main" val="3584414064"/>
+      </p:ext>
+    </p:extLst>
+  </p:cSld>
+  <p:clrMapOvr>
+    <a:masterClrMapping/>
+  </p:clrMapOvr>
+  <p:timing>
+    <p:tnLst>
+      <p:par>
+        <p:cTn id="1" dur="indefinite" restart="never" nodeType="tmRoot">
+          <p:childTnLst>
+            <p:seq concurrent="1" nextAc="seek">
+              <p:cTn id="2" dur="indefinite" nodeType="mainSeq">
+                <p:childTnLst>
+                  <p:par>
+                    <p:cTn id="3" fill="hold">
+                      <p:stCondLst>
+                        <p:cond delay="indefinite"/>
+                      </p:stCondLst>
+                      <p:childTnLst>
+                        <p:par>
+                          <p:cTn id="4" fill="hold">
+                            <p:stCondLst>
+                              <p:cond delay="0"/>
+                            </p:stCondLst>
+                            <p:childTnLst>
+                              <p:par>
+                                <p:cTn id="5" presetID="1" presetClass="entr" presetSubtype="0" fill="hold" nodeType="clickEffect">
+                                  <p:stCondLst>
+                                    <p:cond delay="0"/>
+                                  </p:stCondLst>
+                                  <p:childTnLst>
+                                    <p:set>
+                                      <p:cBhvr>
+                                        <p:cTn id="6" dur="1" fill="hold">
+                                          <p:stCondLst>
+                                            <p:cond delay="0"/>
+                                          </p:stCondLst>
+                                        </p:cTn>
+                                        <p:tgtEl>
+                                          <p:spTgt spid="27"/>
+                                        </p:tgtEl>
+                                        <p:attrNameLst>
+                                          <p:attrName>style.visibility</p:attrName>
+                                        </p:attrNameLst>
+                                      </p:cBhvr>
+                                      <p:to>
+                                        <p:strVal val="visible"/>
+                                      </p:to>
+                                    </p:set>
+                                  </p:childTnLst>
+                                </p:cTn>
+                              </p:par>
+                            </p:childTnLst>
+                          </p:cTn>
+                        </p:par>
+                      </p:childTnLst>
+                    </p:cTn>
+                  </p:par>
+                  <p:par>
+                    <p:cTn id="7" fill="hold">
+                      <p:stCondLst>
+                        <p:cond delay="indefinite"/>
+                      </p:stCondLst>
+                      <p:childTnLst>
+                        <p:par>
+                          <p:cTn id="8" fill="hold">
+                            <p:stCondLst>
+                              <p:cond delay="0"/>
+                            </p:stCondLst>
+                            <p:childTnLst>
+                              <p:par>
+                                <p:cTn id="9" presetID="1" presetClass="entr" presetSubtype="0" fill="hold" nodeType="clickEffect">
+                                  <p:stCondLst>
+                                    <p:cond delay="0"/>
+                                  </p:stCondLst>
+                                  <p:childTnLst>
+                                    <p:set>
+                                      <p:cBhvr>
+                                        <p:cTn id="10" dur="1" fill="hold">
+                                          <p:stCondLst>
+                                            <p:cond delay="0"/>
+                                          </p:stCondLst>
+                                        </p:cTn>
+                                        <p:tgtEl>
+                                          <p:spTgt spid="28"/>
+                                        </p:tgtEl>
+                                        <p:attrNameLst>
+                                          <p:attrName>style.visibility</p:attrName>
+                                        </p:attrNameLst>
+                                      </p:cBhvr>
+                                      <p:to>
+                                        <p:strVal val="visible"/>
+                                      </p:to>
+                                    </p:set>
+                                  </p:childTnLst>
+                                </p:cTn>
+                              </p:par>
+                            </p:childTnLst>
+                          </p:cTn>
+                        </p:par>
+                      </p:childTnLst>
+                    </p:cTn>
+                  </p:par>
+                  <p:par>
+                    <p:cTn id="11" fill="hold">
+                      <p:stCondLst>
+                        <p:cond delay="indefinite"/>
+                      </p:stCondLst>
+                      <p:childTnLst>
+                        <p:par>
+                          <p:cTn id="12" fill="hold">
+                            <p:stCondLst>
+                              <p:cond delay="0"/>
+                            </p:stCondLst>
+                            <p:childTnLst>
+                              <p:par>
+                                <p:cTn id="13" presetID="1" presetClass="entr" presetSubtype="0" fill="hold" nodeType="clickEffect">
+                                  <p:stCondLst>
+                                    <p:cond delay="0"/>
+                                  </p:stCondLst>
+                                  <p:childTnLst>
+                                    <p:set>
+                                      <p:cBhvr>
+                                        <p:cTn id="14" dur="1" fill="hold">
+                                          <p:stCondLst>
+                                            <p:cond delay="0"/>
+                                          </p:stCondLst>
+                                        </p:cTn>
+                                        <p:tgtEl>
+                                          <p:spTgt spid="29"/>
+                                        </p:tgtEl>
+                                        <p:attrNameLst>
+                                          <p:attrName>style.visibility</p:attrName>
+                                        </p:attrNameLst>
+                                      </p:cBhvr>
+                                      <p:to>
+                                        <p:strVal val="visible"/>
+                                      </p:to>
+                                    </p:set>
+                                  </p:childTnLst>
+                                </p:cTn>
+                              </p:par>
+                            </p:childTnLst>
+                          </p:cTn>
+                        </p:par>
+                      </p:childTnLst>
+                    </p:cTn>
+                  </p:par>
+                  <p:par>
+                    <p:cTn id="15" fill="hold">
+                      <p:stCondLst>
+                        <p:cond delay="indefinite"/>
+                      </p:stCondLst>
+                      <p:childTnLst>
+                        <p:par>
+                          <p:cTn id="16" fill="hold">
+                            <p:stCondLst>
+                              <p:cond delay="0"/>
+                            </p:stCondLst>
+                            <p:childTnLst>
+                              <p:par>
+                                <p:cTn id="17" presetID="1" presetClass="entr" presetSubtype="0" fill="hold" nodeType="clickEffect">
+                                  <p:stCondLst>
+                                    <p:cond delay="0"/>
+                                  </p:stCondLst>
+                                  <p:childTnLst>
+                                    <p:set>
+                                      <p:cBhvr>
+                                        <p:cTn id="18" dur="1" fill="hold">
+                                          <p:stCondLst>
+                                            <p:cond delay="0"/>
+                                          </p:stCondLst>
+                                        </p:cTn>
+                                        <p:tgtEl>
+                                          <p:spTgt spid="30"/>
+                                        </p:tgtEl>
+                                        <p:attrNameLst>
+                                          <p:attrName>style.visibility</p:attrName>
+                                        </p:attrNameLst>
+                                      </p:cBhvr>
+                                      <p:to>
+                                        <p:strVal val="visible"/>
+                                      </p:to>
+                                    </p:set>
+                                  </p:childTnLst>
+                                </p:cTn>
+                              </p:par>
+                            </p:childTnLst>
+                          </p:cTn>
+                        </p:par>
+                      </p:childTnLst>
+                    </p:cTn>
+                  </p:par>
+                  <p:par>
+                    <p:cTn id="19" fill="hold">
+                      <p:stCondLst>
+                        <p:cond delay="indefinite"/>
+                      </p:stCondLst>
+                      <p:childTnLst>
+                        <p:par>
+                          <p:cTn id="20" fill="hold">
+                            <p:stCondLst>
+                              <p:cond delay="0"/>
+                            </p:stCondLst>
+                            <p:childTnLst>
+                              <p:par>
+                                <p:cTn id="21" presetID="1" presetClass="exit" presetSubtype="0" fill="hold" nodeType="clickEffect">
+                                  <p:stCondLst>
+                                    <p:cond delay="0"/>
+                                  </p:stCondLst>
+                                  <p:childTnLst>
+                                    <p:set>
+                                      <p:cBhvr>
+                                        <p:cTn id="22" dur="1" fill="hold">
+                                          <p:stCondLst>
+                                            <p:cond delay="0"/>
+                                          </p:stCondLst>
+                                        </p:cTn>
+                                        <p:tgtEl>
+                                          <p:spTgt spid="30"/>
+                                        </p:tgtEl>
+                                        <p:attrNameLst>
+                                          <p:attrName>style.visibility</p:attrName>
+                                        </p:attrNameLst>
+                                      </p:cBhvr>
+                                      <p:to>
+                                        <p:strVal val="hidden"/>
+                                      </p:to>
+                                    </p:set>
+                                  </p:childTnLst>
+                                </p:cTn>
+                              </p:par>
+                              <p:par>
+                                <p:cTn id="23" presetID="1" presetClass="entr" presetSubtype="0" fill="hold" nodeType="withEffect">
+                                  <p:stCondLst>
+                                    <p:cond delay="0"/>
+                                  </p:stCondLst>
+                                  <p:childTnLst>
+                                    <p:set>
+                                      <p:cBhvr>
+                                        <p:cTn id="24" dur="1" fill="hold">
+                                          <p:stCondLst>
+                                            <p:cond delay="0"/>
+                                          </p:stCondLst>
+                                        </p:cTn>
+                                        <p:tgtEl>
+                                          <p:spTgt spid="32"/>
+                                        </p:tgtEl>
+                                        <p:attrNameLst>
+                                          <p:attrName>style.visibility</p:attrName>
+                                        </p:attrNameLst>
+                                      </p:cBhvr>
+                                      <p:to>
+                                        <p:strVal val="visible"/>
+                                      </p:to>
+                                    </p:set>
+                                  </p:childTnLst>
+                                </p:cTn>
+                              </p:par>
+                            </p:childTnLst>
+                          </p:cTn>
+                        </p:par>
+                      </p:childTnLst>
+                    </p:cTn>
+                  </p:par>
+                  <p:par>
+                    <p:cTn id="25" fill="hold">
+                      <p:stCondLst>
+                        <p:cond delay="indefinite"/>
+                      </p:stCondLst>
+                      <p:childTnLst>
+                        <p:par>
+                          <p:cTn id="26" fill="hold">
+                            <p:stCondLst>
+                              <p:cond delay="0"/>
+                            </p:stCondLst>
+                            <p:childTnLst>
+                              <p:par>
+                                <p:cTn id="27" presetID="1" presetClass="entr" presetSubtype="0" fill="hold" nodeType="clickEffect">
+                                  <p:stCondLst>
+                                    <p:cond delay="0"/>
+                                  </p:stCondLst>
+                                  <p:childTnLst>
+                                    <p:set>
+                                      <p:cBhvr>
+                                        <p:cTn id="28" dur="1" fill="hold">
+                                          <p:stCondLst>
+                                            <p:cond delay="0"/>
+                                          </p:stCondLst>
+                                        </p:cTn>
+                                        <p:tgtEl>
+                                          <p:spTgt spid="33"/>
+                                        </p:tgtEl>
+                                        <p:attrNameLst>
+                                          <p:attrName>style.visibility</p:attrName>
+                                        </p:attrNameLst>
+                                      </p:cBhvr>
+                                      <p:to>
+                                        <p:strVal val="visible"/>
+                                      </p:to>
+                                    </p:set>
+                                  </p:childTnLst>
+                                </p:cTn>
+                              </p:par>
+                            </p:childTnLst>
+                          </p:cTn>
+                        </p:par>
+                      </p:childTnLst>
+                    </p:cTn>
+                  </p:par>
+                </p:childTnLst>
+              </p:cTn>
+              <p:prevCondLst>
+                <p:cond evt="onPrev" delay="0">
+                  <p:tgtEl>
+                    <p:sldTgt/>
+                  </p:tgtEl>
+                </p:cond>
+              </p:prevCondLst>
+              <p:nextCondLst>
+                <p:cond evt="onNext" delay="0">
+                  <p:tgtEl>
+                    <p:sldTgt/>
+                  </p:tgtEl>
+                </p:cond>
+              </p:nextCondLst>
+            </p:seq>
+          </p:childTnLst>
+        </p:cTn>
+      </p:par>
+    </p:tnLst>
+  </p:timing>
+</p:sld>
+</file>
+
+<file path=ppt/slides/slide5.xml><?xml version="1.0" encoding="utf-8"?>
+<p:sld xmlns:a="http://schemas.openxmlformats.org/drawingml/2006/main" xmlns:r="http://schemas.openxmlformats.org/officeDocument/2006/relationships" xmlns:p="http://schemas.openxmlformats.org/presentationml/2006/main">
+  <p:cSld>
+    <p:bg>
+      <p:bgPr>
+        <a:blipFill dpi="0" rotWithShape="1">
+          <a:blip r:embed="rId2" cstate="print">
+            <a:lum/>
+          </a:blip>
+          <a:srcRect/>
+          <a:stretch>
+            <a:fillRect/>
+          </a:stretch>
+        </a:blipFill>
+        <a:effectLst/>
+      </p:bgPr>
+    </p:bg>
+    <p:spTree>
+      <p:nvGrpSpPr>
+        <p:cNvPr id="1" name=""/>
+        <p:cNvGrpSpPr/>
+        <p:nvPr/>
+      </p:nvGrpSpPr>
+      <p:grpSpPr>
+        <a:xfrm>
+          <a:off x="0" y="0"/>
+          <a:ext cx="0" cy="0"/>
+          <a:chOff x="0" y="0"/>
+          <a:chExt cx="0" cy="0"/>
+        </a:xfrm>
+      </p:grpSpPr>
+      <p:sp>
+        <p:nvSpPr>
+          <p:cNvPr id="2" name="TextBox 1">
+            <a:extLst>
+              <a:ext uri="{FF2B5EF4-FFF2-40B4-BE49-F238E27FC236}">
+                <a16:creationId xmlns:a16="http://schemas.microsoft.com/office/drawing/2014/main" id="{1FB1525C-5AE9-4633-99F6-093CA76F9218}"/>
+              </a:ext>
+            </a:extLst>
+          </p:cNvPr>
+          <p:cNvSpPr txBox="1"/>
+          <p:nvPr/>
+        </p:nvSpPr>
+        <p:spPr>
+          <a:xfrm>
+            <a:off x="1691680" y="1910030"/>
+            <a:ext cx="5760640" cy="1015663"/>
+          </a:xfrm>
+          <a:prstGeom prst="rect">
+            <a:avLst/>
+          </a:prstGeom>
+          <a:noFill/>
+        </p:spPr>
+        <p:txBody>
+          <a:bodyPr wrap="square" rtlCol="0">
+            <a:spAutoFit/>
+          </a:bodyPr>
+          <a:lstStyle/>
+          <a:p>
+            <a:pPr algn="ctr"/>
+            <a:r>
+              <a:rPr lang="ko-KR" altLang="en-US" sz="4000" dirty="0">
+                <a:latin typeface="Aharoni" panose="020B0604020202020204" pitchFamily="2" charset="-79"/>
+                <a:cs typeface="Aharoni" panose="020B0604020202020204" pitchFamily="2" charset="-79"/>
+              </a:rPr>
+              <a:t>정수삼각형</a:t>
+            </a:r>
+            <a:endParaRPr lang="en-US" altLang="ko-KR" sz="4000" dirty="0">
+              <a:latin typeface="Aharoni" panose="020B0604020202020204" pitchFamily="2" charset="-79"/>
+              <a:cs typeface="Aharoni" panose="020B0604020202020204" pitchFamily="2" charset="-79"/>
+            </a:endParaRPr>
+          </a:p>
+          <a:p>
+            <a:pPr algn="ctr"/>
+            <a:r>
+              <a:rPr lang="en-US" altLang="ko-KR" sz="2000" dirty="0">
+                <a:latin typeface="Aharoni" panose="020B0604020202020204" pitchFamily="2" charset="-79"/>
+                <a:cs typeface="Aharoni" panose="020B0604020202020204" pitchFamily="2" charset="-79"/>
+              </a:rPr>
+              <a:t>(</a:t>
+            </a:r>
+            <a:r>
+              <a:rPr lang="ko-KR" altLang="en-US" sz="2000" dirty="0">
+                <a:latin typeface="Aharoni" panose="020B0604020202020204" pitchFamily="2" charset="-79"/>
+                <a:cs typeface="Aharoni" panose="020B0604020202020204" pitchFamily="2" charset="-79"/>
+              </a:rPr>
+              <a:t>동적계획법</a:t>
+            </a:r>
+            <a:r>
+              <a:rPr lang="en-US" altLang="ko-KR" sz="2000" dirty="0">
+                <a:latin typeface="Aharoni" panose="020B0604020202020204" pitchFamily="2" charset="-79"/>
+                <a:cs typeface="Aharoni" panose="020B0604020202020204" pitchFamily="2" charset="-79"/>
+              </a:rPr>
+              <a:t>)</a:t>
+            </a:r>
+          </a:p>
+        </p:txBody>
+      </p:sp>
+    </p:spTree>
+    <p:extLst>
+      <p:ext uri="{BB962C8B-B14F-4D97-AF65-F5344CB8AC3E}">
+        <p14:creationId xmlns:p14="http://schemas.microsoft.com/office/powerpoint/2010/main" val="445398668"/>
+      </p:ext>
+    </p:extLst>
+  </p:cSld>
+  <p:clrMapOvr>
+    <a:masterClrMapping/>
+  </p:clrMapOvr>
+</p:sld>
+</file>
+
+<file path=ppt/slides/slide6.xml><?xml version="1.0" encoding="utf-8"?>
+<p:sld xmlns:a="http://schemas.openxmlformats.org/drawingml/2006/main" xmlns:r="http://schemas.openxmlformats.org/officeDocument/2006/relationships" xmlns:p="http://schemas.openxmlformats.org/presentationml/2006/main">
+  <p:cSld>
+    <p:spTree>
+      <p:nvGrpSpPr>
+        <p:cNvPr id="1" name=""/>
+        <p:cNvGrpSpPr/>
+        <p:nvPr/>
+      </p:nvGrpSpPr>
+      <p:grpSpPr>
+        <a:xfrm>
+          <a:off x="0" y="0"/>
+          <a:ext cx="0" cy="0"/>
+          <a:chOff x="0" y="0"/>
+          <a:chExt cx="0" cy="0"/>
+        </a:xfrm>
+      </p:grpSpPr>
+      <p:sp>
+        <p:nvSpPr>
+          <p:cNvPr id="2" name="제목 1">
+            <a:extLst>
+              <a:ext uri="{FF2B5EF4-FFF2-40B4-BE49-F238E27FC236}">
+                <a16:creationId xmlns:a16="http://schemas.microsoft.com/office/drawing/2014/main" id="{9E528D3C-2E06-4FA8-9BEF-6030470CEABD}"/>
+              </a:ext>
+            </a:extLst>
+          </p:cNvPr>
+          <p:cNvSpPr>
+            <a:spLocks noGrp="1"/>
+          </p:cNvSpPr>
+          <p:nvPr>
+            <p:ph type="title"/>
+          </p:nvPr>
+        </p:nvSpPr>
+        <p:spPr>
+          <a:xfrm>
+            <a:off x="107504" y="123478"/>
+            <a:ext cx="8229600" cy="342898"/>
+          </a:xfrm>
+        </p:spPr>
+        <p:txBody>
+          <a:bodyPr>
+            <a:noAutofit/>
+          </a:bodyPr>
+          <a:lstStyle/>
+          <a:p>
+            <a:pPr algn="l"/>
+            <a:r>
+              <a:rPr lang="ko-KR" altLang="en-US" sz="2800" b="1" dirty="0">
+                <a:solidFill>
+                  <a:srgbClr val="FF99FF"/>
+                </a:solidFill>
+                <a:latin typeface="HY엽서M" panose="02030600000101010101" pitchFamily="18" charset="-127"/>
+                <a:ea typeface="HY엽서M" panose="02030600000101010101" pitchFamily="18" charset="-127"/>
+              </a:rPr>
+              <a:t>정수삼각형</a:t>
+            </a:r>
+          </a:p>
+        </p:txBody>
+      </p:sp>
+      <p:sp>
+        <p:nvSpPr>
+          <p:cNvPr id="4" name="내용 개체 틀 3">
+            <a:extLst>
+              <a:ext uri="{FF2B5EF4-FFF2-40B4-BE49-F238E27FC236}">
+                <a16:creationId xmlns:a16="http://schemas.microsoft.com/office/drawing/2014/main" id="{8A2B2E4B-F479-4B94-9F0C-7EC86B4765D0}"/>
+              </a:ext>
+            </a:extLst>
+          </p:cNvPr>
+          <p:cNvSpPr>
+            <a:spLocks noGrp="1"/>
+          </p:cNvSpPr>
+          <p:nvPr>
+            <p:ph idx="1"/>
+          </p:nvPr>
+        </p:nvSpPr>
+        <p:spPr/>
+        <p:txBody>
+          <a:bodyPr/>
+          <a:lstStyle/>
+          <a:p>
+            <a:endParaRPr lang="ko-KR" altLang="en-US" dirty="0"/>
+          </a:p>
+        </p:txBody>
+      </p:sp>
+    </p:spTree>
+    <p:extLst>
+      <p:ext uri="{BB962C8B-B14F-4D97-AF65-F5344CB8AC3E}">
+        <p14:creationId xmlns:p14="http://schemas.microsoft.com/office/powerpoint/2010/main" val="1835340747"/>
+      </p:ext>
+    </p:extLst>
+  </p:cSld>
+  <p:clrMapOvr>
+    <a:masterClrMapping/>
+  </p:clrMapOvr>
+</p:sld>
+</file>
+
+<file path=ppt/slides/slide7.xml><?xml version="1.0" encoding="utf-8"?>
+<p:sld xmlns:a="http://schemas.openxmlformats.org/drawingml/2006/main" xmlns:r="http://schemas.openxmlformats.org/officeDocument/2006/relationships" xmlns:p="http://schemas.openxmlformats.org/presentationml/2006/main">
+  <p:cSld>
+    <p:bg>
+      <p:bgPr>
+        <a:blipFill dpi="0" rotWithShape="1">
+          <a:blip r:embed="rId2" cstate="print">
+            <a:lum/>
+          </a:blip>
+          <a:srcRect/>
+          <a:stretch>
+            <a:fillRect/>
+          </a:stretch>
+        </a:blipFill>
+        <a:effectLst/>
+      </p:bgPr>
+    </p:bg>
+    <p:spTree>
+      <p:nvGrpSpPr>
+        <p:cNvPr id="1" name=""/>
+        <p:cNvGrpSpPr/>
+        <p:nvPr/>
+      </p:nvGrpSpPr>
+      <p:grpSpPr>
+        <a:xfrm>
+          <a:off x="0" y="0"/>
+          <a:ext cx="0" cy="0"/>
+          <a:chOff x="0" y="0"/>
+          <a:chExt cx="0" cy="0"/>
+        </a:xfrm>
+      </p:grpSpPr>
+      <p:sp>
+        <p:nvSpPr>
+          <p:cNvPr id="2" name="TextBox 1">
+            <a:extLst>
+              <a:ext uri="{FF2B5EF4-FFF2-40B4-BE49-F238E27FC236}">
+                <a16:creationId xmlns:a16="http://schemas.microsoft.com/office/drawing/2014/main" id="{1FB1525C-5AE9-4633-99F6-093CA76F9218}"/>
+              </a:ext>
+            </a:extLst>
+          </p:cNvPr>
+          <p:cNvSpPr txBox="1"/>
+          <p:nvPr/>
+        </p:nvSpPr>
+        <p:spPr>
+          <a:xfrm>
+            <a:off x="1691680" y="1910030"/>
+            <a:ext cx="5760640" cy="1015663"/>
+          </a:xfrm>
+          <a:prstGeom prst="rect">
+            <a:avLst/>
+          </a:prstGeom>
+          <a:noFill/>
+        </p:spPr>
+        <p:txBody>
+          <a:bodyPr wrap="square" rtlCol="0">
+            <a:spAutoFit/>
+          </a:bodyPr>
+          <a:lstStyle/>
+          <a:p>
+            <a:pPr algn="ctr"/>
+            <a:r>
+              <a:rPr lang="ko-KR" altLang="en-US" sz="4000" dirty="0">
+                <a:latin typeface="Aharoni" panose="020B0604020202020204" pitchFamily="2" charset="-79"/>
+                <a:cs typeface="Aharoni" panose="020B0604020202020204" pitchFamily="2" charset="-79"/>
+              </a:rPr>
               <a:t>땅따먹기</a:t>
             </a:r>
             <a:endParaRPr lang="en-US" altLang="ko-KR" sz="4000" dirty="0">
@@ -3908,7 +10224,7 @@
 </p:sld>
 </file>
 
-<file path=ppt/slides/slide4.xml><?xml version="1.0" encoding="utf-8"?>
+<file path=ppt/slides/slide8.xml><?xml version="1.0" encoding="utf-8"?>
 <p:sld xmlns:a="http://schemas.openxmlformats.org/drawingml/2006/main" xmlns:r="http://schemas.openxmlformats.org/officeDocument/2006/relationships" xmlns:p="http://schemas.openxmlformats.org/presentationml/2006/main">
   <p:cSld>
     <p:spTree>
@@ -9688,7 +16004,7 @@
 </p:sld>
 </file>
 
-<file path=ppt/slides/slide5.xml><?xml version="1.0" encoding="utf-8"?>
+<file path=ppt/slides/slide9.xml><?xml version="1.0" encoding="utf-8"?>
 <p:sld xmlns:a="http://schemas.openxmlformats.org/drawingml/2006/main" xmlns:r="http://schemas.openxmlformats.org/officeDocument/2006/relationships" xmlns:p="http://schemas.openxmlformats.org/presentationml/2006/main">
   <p:cSld>
     <p:bg>
@@ -9725,184 +16041,6 @@
         <p14:creationId xmlns:p14="http://schemas.microsoft.com/office/powerpoint/2010/main" val="1138225734"/>
       </p:ext>
     </p:extLst>
-  </p:cSld>
-  <p:clrMapOvr>
-    <a:masterClrMapping/>
-  </p:clrMapOvr>
-</p:sld>
-</file>
-
-<file path=ppt/slides/slide6.xml><?xml version="1.0" encoding="utf-8"?>
-<p:sld xmlns:a="http://schemas.openxmlformats.org/drawingml/2006/main" xmlns:r="http://schemas.openxmlformats.org/officeDocument/2006/relationships" xmlns:p="http://schemas.openxmlformats.org/presentationml/2006/main">
-  <p:cSld>
-    <p:spTree>
-      <p:nvGrpSpPr>
-        <p:cNvPr id="1" name=""/>
-        <p:cNvGrpSpPr/>
-        <p:nvPr/>
-      </p:nvGrpSpPr>
-      <p:grpSpPr>
-        <a:xfrm>
-          <a:off x="0" y="0"/>
-          <a:ext cx="0" cy="0"/>
-          <a:chOff x="0" y="0"/>
-          <a:chExt cx="0" cy="0"/>
-        </a:xfrm>
-      </p:grpSpPr>
-      <p:pic>
-        <p:nvPicPr>
-          <p:cNvPr id="2" name="Picture 3" descr="C:\Users\진희\Desktop\재배포 나빠요.png"/>
-          <p:cNvPicPr>
-            <a:picLocks noChangeAspect="1" noChangeArrowheads="1"/>
-          </p:cNvPicPr>
-          <p:nvPr/>
-        </p:nvPicPr>
-        <p:blipFill>
-          <a:blip r:embed="rId2" cstate="print"/>
-          <a:srcRect/>
-          <a:stretch>
-            <a:fillRect/>
-          </a:stretch>
-        </p:blipFill>
-        <p:spPr bwMode="auto">
-          <a:xfrm>
-            <a:off x="5842028" y="2981894"/>
-            <a:ext cx="2834428" cy="1738093"/>
-          </a:xfrm>
-          <a:prstGeom prst="rect">
-            <a:avLst/>
-          </a:prstGeom>
-          <a:noFill/>
-        </p:spPr>
-      </p:pic>
-      <p:pic>
-        <p:nvPicPr>
-          <p:cNvPr id="2050" name="Picture 2" descr="C:\Users\진희\Desktop\그림1.png"/>
-          <p:cNvPicPr>
-            <a:picLocks noChangeAspect="1" noChangeArrowheads="1"/>
-          </p:cNvPicPr>
-          <p:nvPr/>
-        </p:nvPicPr>
-        <p:blipFill>
-          <a:blip r:embed="rId3" cstate="print"/>
-          <a:srcRect/>
-          <a:stretch>
-            <a:fillRect/>
-          </a:stretch>
-        </p:blipFill>
-        <p:spPr bwMode="auto">
-          <a:xfrm>
-            <a:off x="467544" y="1059582"/>
-            <a:ext cx="5760640" cy="3876429"/>
-          </a:xfrm>
-          <a:prstGeom prst="rect">
-            <a:avLst/>
-          </a:prstGeom>
-          <a:noFill/>
-        </p:spPr>
-      </p:pic>
-      <p:pic>
-        <p:nvPicPr>
-          <p:cNvPr id="2051" name="Picture 3" descr="C:\Users\진희\Desktop\5.png"/>
-          <p:cNvPicPr>
-            <a:picLocks noChangeAspect="1" noChangeArrowheads="1"/>
-          </p:cNvPicPr>
-          <p:nvPr/>
-        </p:nvPicPr>
-        <p:blipFill>
-          <a:blip r:embed="rId4" cstate="print"/>
-          <a:srcRect/>
-          <a:stretch>
-            <a:fillRect/>
-          </a:stretch>
-        </p:blipFill>
-        <p:spPr bwMode="auto">
-          <a:xfrm>
-            <a:off x="6156176" y="1492880"/>
-            <a:ext cx="2255540" cy="1282891"/>
-          </a:xfrm>
-          <a:prstGeom prst="rect">
-            <a:avLst/>
-          </a:prstGeom>
-          <a:noFill/>
-        </p:spPr>
-      </p:pic>
-    </p:spTree>
-  </p:cSld>
-  <p:clrMapOvr>
-    <a:masterClrMapping/>
-  </p:clrMapOvr>
-</p:sld>
-</file>
-
-<file path=ppt/slides/slide7.xml><?xml version="1.0" encoding="utf-8"?>
-<p:sld xmlns:a="http://schemas.openxmlformats.org/drawingml/2006/main" xmlns:r="http://schemas.openxmlformats.org/officeDocument/2006/relationships" xmlns:p="http://schemas.openxmlformats.org/presentationml/2006/main">
-  <p:cSld>
-    <p:spTree>
-      <p:nvGrpSpPr>
-        <p:cNvPr id="1" name=""/>
-        <p:cNvGrpSpPr/>
-        <p:nvPr/>
-      </p:nvGrpSpPr>
-      <p:grpSpPr>
-        <a:xfrm>
-          <a:off x="0" y="0"/>
-          <a:ext cx="0" cy="0"/>
-          <a:chOff x="0" y="0"/>
-          <a:chExt cx="0" cy="0"/>
-        </a:xfrm>
-      </p:grpSpPr>
-    </p:spTree>
-  </p:cSld>
-  <p:clrMapOvr>
-    <a:masterClrMapping/>
-  </p:clrMapOvr>
-</p:sld>
-</file>
-
-<file path=ppt/slides/slide8.xml><?xml version="1.0" encoding="utf-8"?>
-<p:sld xmlns:a="http://schemas.openxmlformats.org/drawingml/2006/main" xmlns:r="http://schemas.openxmlformats.org/officeDocument/2006/relationships" xmlns:p="http://schemas.openxmlformats.org/presentationml/2006/main">
-  <p:cSld>
-    <p:spTree>
-      <p:nvGrpSpPr>
-        <p:cNvPr id="1" name=""/>
-        <p:cNvGrpSpPr/>
-        <p:nvPr/>
-      </p:nvGrpSpPr>
-      <p:grpSpPr>
-        <a:xfrm>
-          <a:off x="0" y="0"/>
-          <a:ext cx="0" cy="0"/>
-          <a:chOff x="0" y="0"/>
-          <a:chExt cx="0" cy="0"/>
-        </a:xfrm>
-      </p:grpSpPr>
-    </p:spTree>
-  </p:cSld>
-  <p:clrMapOvr>
-    <a:masterClrMapping/>
-  </p:clrMapOvr>
-</p:sld>
-</file>
-
-<file path=ppt/slides/slide9.xml><?xml version="1.0" encoding="utf-8"?>
-<p:sld xmlns:a="http://schemas.openxmlformats.org/drawingml/2006/main" xmlns:r="http://schemas.openxmlformats.org/officeDocument/2006/relationships" xmlns:p="http://schemas.openxmlformats.org/presentationml/2006/main">
-  <p:cSld>
-    <p:spTree>
-      <p:nvGrpSpPr>
-        <p:cNvPr id="1" name=""/>
-        <p:cNvGrpSpPr/>
-        <p:nvPr/>
-      </p:nvGrpSpPr>
-      <p:grpSpPr>
-        <a:xfrm>
-          <a:off x="0" y="0"/>
-          <a:ext cx="0" cy="0"/>
-          <a:chOff x="0" y="0"/>
-          <a:chExt cx="0" cy="0"/>
-        </a:xfrm>
-      </p:grpSpPr>
-    </p:spTree>
   </p:cSld>
   <p:clrMapOvr>
     <a:masterClrMapping/>

--- a/개인공부/알고리즘 스터디/5주차/알쓰5주차.pptx
+++ b/개인공부/알고리즘 스터디/5주차/알쓰5주차.pptx
@@ -9371,7 +9371,7 @@
               <a:t> </a:t>
             </a:r>
             <a:r>
-              <a:rPr lang="en-US" altLang="ko-KR" sz="1200"/>
+              <a:rPr lang="en-US" altLang="ko-KR" sz="1200" dirty="0"/>
               <a:t>m)</a:t>
             </a:r>
             <a:r>
@@ -9568,8 +9568,1264 @@
               <a:t>0</a:t>
             </a:r>
           </a:p>
+          <a:p>
+            <a:r>
+              <a:rPr lang="ko-KR" altLang="en-US" sz="1100" dirty="0"/>
+              <a:t>경로개수 </a:t>
+            </a:r>
+            <a:r>
+              <a:rPr lang="en-US" altLang="ko-KR" sz="1100" dirty="0"/>
+              <a:t>= </a:t>
+            </a:r>
+            <a:r>
+              <a:rPr lang="ko-KR" altLang="en-US" sz="1100" dirty="0"/>
+              <a:t>이전 경로</a:t>
+            </a:r>
+            <a:r>
+              <a:rPr lang="en-US" altLang="ko-KR" sz="1100" dirty="0"/>
+              <a:t>(</a:t>
+            </a:r>
+            <a:r>
+              <a:rPr lang="ko-KR" altLang="en-US" sz="1100" dirty="0"/>
+              <a:t>왼쪽</a:t>
+            </a:r>
+            <a:r>
+              <a:rPr lang="en-US" altLang="ko-KR" sz="1100" dirty="0"/>
+              <a:t>)</a:t>
+            </a:r>
+            <a:r>
+              <a:rPr lang="ko-KR" altLang="en-US" sz="1100" dirty="0"/>
+              <a:t> </a:t>
+            </a:r>
+            <a:r>
+              <a:rPr lang="en-US" altLang="ko-KR" sz="1100" dirty="0"/>
+              <a:t>+ </a:t>
+            </a:r>
+            <a:r>
+              <a:rPr lang="ko-KR" altLang="en-US" sz="1100" dirty="0"/>
+              <a:t>이전경로</a:t>
+            </a:r>
+            <a:r>
+              <a:rPr lang="en-US" altLang="ko-KR" sz="1100" dirty="0"/>
+              <a:t>(</a:t>
+            </a:r>
+            <a:r>
+              <a:rPr lang="ko-KR" altLang="en-US" sz="1100" dirty="0"/>
+              <a:t>위</a:t>
+            </a:r>
+            <a:r>
+              <a:rPr lang="en-US" altLang="ko-KR" sz="1100" dirty="0"/>
+              <a:t>) </a:t>
+            </a:r>
+          </a:p>
         </p:txBody>
       </p:sp>
+      <p:graphicFrame>
+        <p:nvGraphicFramePr>
+          <p:cNvPr id="15" name="표 20">
+            <a:extLst>
+              <a:ext uri="{FF2B5EF4-FFF2-40B4-BE49-F238E27FC236}">
+                <a16:creationId xmlns:a16="http://schemas.microsoft.com/office/drawing/2014/main" id="{4F4FC684-69C7-4658-8282-DB17FA37AAF6}"/>
+              </a:ext>
+            </a:extLst>
+          </p:cNvPr>
+          <p:cNvGraphicFramePr>
+            <a:graphicFrameLocks/>
+          </p:cNvGraphicFramePr>
+          <p:nvPr>
+            <p:extLst>
+              <p:ext uri="{D42A27DB-BD31-4B8C-83A1-F6EECF244321}">
+                <p14:modId xmlns:p14="http://schemas.microsoft.com/office/powerpoint/2010/main" val="240083471"/>
+              </p:ext>
+            </p:extLst>
+          </p:nvPr>
+        </p:nvGraphicFramePr>
+        <p:xfrm>
+          <a:off x="4814174" y="2571750"/>
+          <a:ext cx="2700000" cy="1980000"/>
+        </p:xfrm>
+        <a:graphic>
+          <a:graphicData uri="http://schemas.openxmlformats.org/drawingml/2006/table">
+            <a:tbl>
+              <a:tblPr>
+                <a:tableStyleId>{073A0DAA-6AF3-43AB-8588-CEC1D06C72B9}</a:tableStyleId>
+              </a:tblPr>
+              <a:tblGrid>
+                <a:gridCol w="675000">
+                  <a:extLst>
+                    <a:ext uri="{9D8B030D-6E8A-4147-A177-3AD203B41FA5}">
+                      <a16:colId xmlns:a16="http://schemas.microsoft.com/office/drawing/2014/main" val="987985523"/>
+                    </a:ext>
+                  </a:extLst>
+                </a:gridCol>
+                <a:gridCol w="675000">
+                  <a:extLst>
+                    <a:ext uri="{9D8B030D-6E8A-4147-A177-3AD203B41FA5}">
+                      <a16:colId xmlns:a16="http://schemas.microsoft.com/office/drawing/2014/main" val="585349148"/>
+                    </a:ext>
+                  </a:extLst>
+                </a:gridCol>
+                <a:gridCol w="675000">
+                  <a:extLst>
+                    <a:ext uri="{9D8B030D-6E8A-4147-A177-3AD203B41FA5}">
+                      <a16:colId xmlns:a16="http://schemas.microsoft.com/office/drawing/2014/main" val="1673932392"/>
+                    </a:ext>
+                  </a:extLst>
+                </a:gridCol>
+                <a:gridCol w="675000">
+                  <a:extLst>
+                    <a:ext uri="{9D8B030D-6E8A-4147-A177-3AD203B41FA5}">
+                      <a16:colId xmlns:a16="http://schemas.microsoft.com/office/drawing/2014/main" val="655733267"/>
+                    </a:ext>
+                  </a:extLst>
+                </a:gridCol>
+              </a:tblGrid>
+              <a:tr h="660000">
+                <a:tc>
+                  <a:txBody>
+                    <a:bodyPr/>
+                    <a:lstStyle/>
+                    <a:p>
+                      <a:pPr algn="ctr" latinLnBrk="1"/>
+                      <a:endParaRPr lang="ko-KR" altLang="en-US" sz="3200" b="1" dirty="0">
+                        <a:solidFill>
+                          <a:srgbClr val="FF0000"/>
+                        </a:solidFill>
+                      </a:endParaRPr>
+                    </a:p>
+                  </a:txBody>
+                  <a:tcPr anchor="ctr">
+                    <a:lnL w="12700" cap="flat" cmpd="sng" algn="ctr">
+                      <a:solidFill>
+                        <a:schemeClr val="tx1"/>
+                      </a:solidFill>
+                      <a:prstDash val="solid"/>
+                      <a:round/>
+                      <a:headEnd type="none" w="med" len="med"/>
+                      <a:tailEnd type="none" w="med" len="med"/>
+                    </a:lnL>
+                    <a:lnR w="12700" cap="flat" cmpd="sng" algn="ctr">
+                      <a:solidFill>
+                        <a:schemeClr val="tx1"/>
+                      </a:solidFill>
+                      <a:prstDash val="solid"/>
+                      <a:round/>
+                      <a:headEnd type="none" w="med" len="med"/>
+                      <a:tailEnd type="none" w="med" len="med"/>
+                    </a:lnR>
+                    <a:lnT w="12700" cap="flat" cmpd="sng" algn="ctr">
+                      <a:solidFill>
+                        <a:schemeClr val="tx1"/>
+                      </a:solidFill>
+                      <a:prstDash val="solid"/>
+                      <a:round/>
+                      <a:headEnd type="none" w="med" len="med"/>
+                      <a:tailEnd type="none" w="med" len="med"/>
+                    </a:lnT>
+                    <a:lnB w="12700" cap="flat" cmpd="sng" algn="ctr">
+                      <a:solidFill>
+                        <a:schemeClr val="tx1"/>
+                      </a:solidFill>
+                      <a:prstDash val="solid"/>
+                      <a:round/>
+                      <a:headEnd type="none" w="med" len="med"/>
+                      <a:tailEnd type="none" w="med" len="med"/>
+                    </a:lnB>
+                    <a:noFill/>
+                  </a:tcPr>
+                </a:tc>
+                <a:tc>
+                  <a:txBody>
+                    <a:bodyPr/>
+                    <a:lstStyle/>
+                    <a:p>
+                      <a:pPr algn="ctr" latinLnBrk="1"/>
+                      <a:endParaRPr lang="ko-KR" altLang="en-US" sz="3200" b="1" dirty="0">
+                        <a:solidFill>
+                          <a:srgbClr val="FF0000"/>
+                        </a:solidFill>
+                      </a:endParaRPr>
+                    </a:p>
+                  </a:txBody>
+                  <a:tcPr anchor="ctr">
+                    <a:lnL w="12700" cap="flat" cmpd="sng" algn="ctr">
+                      <a:solidFill>
+                        <a:schemeClr val="tx1"/>
+                      </a:solidFill>
+                      <a:prstDash val="solid"/>
+                      <a:round/>
+                      <a:headEnd type="none" w="med" len="med"/>
+                      <a:tailEnd type="none" w="med" len="med"/>
+                    </a:lnL>
+                    <a:lnR w="12700" cap="flat" cmpd="sng" algn="ctr">
+                      <a:solidFill>
+                        <a:schemeClr val="tx1"/>
+                      </a:solidFill>
+                      <a:prstDash val="solid"/>
+                      <a:round/>
+                      <a:headEnd type="none" w="med" len="med"/>
+                      <a:tailEnd type="none" w="med" len="med"/>
+                    </a:lnR>
+                    <a:lnT w="12700" cap="flat" cmpd="sng" algn="ctr">
+                      <a:solidFill>
+                        <a:schemeClr val="tx1"/>
+                      </a:solidFill>
+                      <a:prstDash val="solid"/>
+                      <a:round/>
+                      <a:headEnd type="none" w="med" len="med"/>
+                      <a:tailEnd type="none" w="med" len="med"/>
+                    </a:lnT>
+                    <a:lnB w="12700" cap="flat" cmpd="sng" algn="ctr">
+                      <a:solidFill>
+                        <a:schemeClr val="tx1"/>
+                      </a:solidFill>
+                      <a:prstDash val="solid"/>
+                      <a:round/>
+                      <a:headEnd type="none" w="med" len="med"/>
+                      <a:tailEnd type="none" w="med" len="med"/>
+                    </a:lnB>
+                    <a:noFill/>
+                  </a:tcPr>
+                </a:tc>
+                <a:tc>
+                  <a:txBody>
+                    <a:bodyPr/>
+                    <a:lstStyle/>
+                    <a:p>
+                      <a:pPr algn="ctr" latinLnBrk="1"/>
+                      <a:endParaRPr lang="ko-KR" altLang="en-US" sz="3200" b="1" dirty="0">
+                        <a:solidFill>
+                          <a:srgbClr val="FF0000"/>
+                        </a:solidFill>
+                      </a:endParaRPr>
+                    </a:p>
+                  </a:txBody>
+                  <a:tcPr anchor="ctr">
+                    <a:lnL w="12700" cap="flat" cmpd="sng" algn="ctr">
+                      <a:solidFill>
+                        <a:schemeClr val="tx1"/>
+                      </a:solidFill>
+                      <a:prstDash val="solid"/>
+                      <a:round/>
+                      <a:headEnd type="none" w="med" len="med"/>
+                      <a:tailEnd type="none" w="med" len="med"/>
+                    </a:lnL>
+                    <a:lnR w="12700" cap="flat" cmpd="sng" algn="ctr">
+                      <a:solidFill>
+                        <a:schemeClr val="tx1"/>
+                      </a:solidFill>
+                      <a:prstDash val="solid"/>
+                      <a:round/>
+                      <a:headEnd type="none" w="med" len="med"/>
+                      <a:tailEnd type="none" w="med" len="med"/>
+                    </a:lnR>
+                    <a:lnT w="12700" cap="flat" cmpd="sng" algn="ctr">
+                      <a:solidFill>
+                        <a:schemeClr val="tx1"/>
+                      </a:solidFill>
+                      <a:prstDash val="solid"/>
+                      <a:round/>
+                      <a:headEnd type="none" w="med" len="med"/>
+                      <a:tailEnd type="none" w="med" len="med"/>
+                    </a:lnT>
+                    <a:lnB w="12700" cap="flat" cmpd="sng" algn="ctr">
+                      <a:solidFill>
+                        <a:schemeClr val="tx1"/>
+                      </a:solidFill>
+                      <a:prstDash val="solid"/>
+                      <a:round/>
+                      <a:headEnd type="none" w="med" len="med"/>
+                      <a:tailEnd type="none" w="med" len="med"/>
+                    </a:lnB>
+                    <a:noFill/>
+                  </a:tcPr>
+                </a:tc>
+                <a:tc>
+                  <a:txBody>
+                    <a:bodyPr/>
+                    <a:lstStyle/>
+                    <a:p>
+                      <a:pPr algn="ctr" latinLnBrk="1"/>
+                      <a:endParaRPr lang="ko-KR" altLang="en-US" sz="3200" b="1" dirty="0">
+                        <a:solidFill>
+                          <a:srgbClr val="FF0000"/>
+                        </a:solidFill>
+                      </a:endParaRPr>
+                    </a:p>
+                  </a:txBody>
+                  <a:tcPr anchor="ctr">
+                    <a:lnL w="12700" cap="flat" cmpd="sng" algn="ctr">
+                      <a:solidFill>
+                        <a:schemeClr val="tx1"/>
+                      </a:solidFill>
+                      <a:prstDash val="solid"/>
+                      <a:round/>
+                      <a:headEnd type="none" w="med" len="med"/>
+                      <a:tailEnd type="none" w="med" len="med"/>
+                    </a:lnL>
+                    <a:lnR w="12700" cap="flat" cmpd="sng" algn="ctr">
+                      <a:solidFill>
+                        <a:schemeClr val="tx1"/>
+                      </a:solidFill>
+                      <a:prstDash val="solid"/>
+                      <a:round/>
+                      <a:headEnd type="none" w="med" len="med"/>
+                      <a:tailEnd type="none" w="med" len="med"/>
+                    </a:lnR>
+                    <a:lnT w="12700" cap="flat" cmpd="sng" algn="ctr">
+                      <a:solidFill>
+                        <a:schemeClr val="tx1"/>
+                      </a:solidFill>
+                      <a:prstDash val="solid"/>
+                      <a:round/>
+                      <a:headEnd type="none" w="med" len="med"/>
+                      <a:tailEnd type="none" w="med" len="med"/>
+                    </a:lnT>
+                    <a:lnB w="12700" cap="flat" cmpd="sng" algn="ctr">
+                      <a:solidFill>
+                        <a:schemeClr val="tx1"/>
+                      </a:solidFill>
+                      <a:prstDash val="solid"/>
+                      <a:round/>
+                      <a:headEnd type="none" w="med" len="med"/>
+                      <a:tailEnd type="none" w="med" len="med"/>
+                    </a:lnB>
+                    <a:noFill/>
+                  </a:tcPr>
+                </a:tc>
+                <a:extLst>
+                  <a:ext uri="{0D108BD9-81ED-4DB2-BD59-A6C34878D82A}">
+                    <a16:rowId xmlns:a16="http://schemas.microsoft.com/office/drawing/2014/main" val="482910767"/>
+                  </a:ext>
+                </a:extLst>
+              </a:tr>
+              <a:tr h="660000">
+                <a:tc>
+                  <a:txBody>
+                    <a:bodyPr/>
+                    <a:lstStyle/>
+                    <a:p>
+                      <a:pPr algn="ctr" latinLnBrk="1"/>
+                      <a:endParaRPr lang="ko-KR" altLang="en-US" sz="3200" b="1" dirty="0">
+                        <a:solidFill>
+                          <a:srgbClr val="FF0000"/>
+                        </a:solidFill>
+                      </a:endParaRPr>
+                    </a:p>
+                  </a:txBody>
+                  <a:tcPr anchor="ctr">
+                    <a:lnL w="12700" cap="flat" cmpd="sng" algn="ctr">
+                      <a:solidFill>
+                        <a:schemeClr val="tx1"/>
+                      </a:solidFill>
+                      <a:prstDash val="solid"/>
+                      <a:round/>
+                      <a:headEnd type="none" w="med" len="med"/>
+                      <a:tailEnd type="none" w="med" len="med"/>
+                    </a:lnL>
+                    <a:lnR w="12700" cap="flat" cmpd="sng" algn="ctr">
+                      <a:solidFill>
+                        <a:schemeClr val="tx1"/>
+                      </a:solidFill>
+                      <a:prstDash val="solid"/>
+                      <a:round/>
+                      <a:headEnd type="none" w="med" len="med"/>
+                      <a:tailEnd type="none" w="med" len="med"/>
+                    </a:lnR>
+                    <a:lnT w="12700" cap="flat" cmpd="sng" algn="ctr">
+                      <a:solidFill>
+                        <a:schemeClr val="tx1"/>
+                      </a:solidFill>
+                      <a:prstDash val="solid"/>
+                      <a:round/>
+                      <a:headEnd type="none" w="med" len="med"/>
+                      <a:tailEnd type="none" w="med" len="med"/>
+                    </a:lnT>
+                    <a:lnB w="12700" cap="flat" cmpd="sng" algn="ctr">
+                      <a:solidFill>
+                        <a:schemeClr val="tx1"/>
+                      </a:solidFill>
+                      <a:prstDash val="solid"/>
+                      <a:round/>
+                      <a:headEnd type="none" w="med" len="med"/>
+                      <a:tailEnd type="none" w="med" len="med"/>
+                    </a:lnB>
+                    <a:noFill/>
+                  </a:tcPr>
+                </a:tc>
+                <a:tc>
+                  <a:txBody>
+                    <a:bodyPr/>
+                    <a:lstStyle/>
+                    <a:p>
+                      <a:pPr algn="ctr" latinLnBrk="1"/>
+                      <a:endParaRPr lang="ko-KR" altLang="en-US" sz="3200" b="1" dirty="0">
+                        <a:solidFill>
+                          <a:srgbClr val="FF0000"/>
+                        </a:solidFill>
+                      </a:endParaRPr>
+                    </a:p>
+                  </a:txBody>
+                  <a:tcPr anchor="ctr">
+                    <a:lnL w="12700" cap="flat" cmpd="sng" algn="ctr">
+                      <a:solidFill>
+                        <a:schemeClr val="tx1"/>
+                      </a:solidFill>
+                      <a:prstDash val="solid"/>
+                      <a:round/>
+                      <a:headEnd type="none" w="med" len="med"/>
+                      <a:tailEnd type="none" w="med" len="med"/>
+                    </a:lnL>
+                    <a:lnR w="12700" cap="flat" cmpd="sng" algn="ctr">
+                      <a:solidFill>
+                        <a:schemeClr val="tx1"/>
+                      </a:solidFill>
+                      <a:prstDash val="solid"/>
+                      <a:round/>
+                      <a:headEnd type="none" w="med" len="med"/>
+                      <a:tailEnd type="none" w="med" len="med"/>
+                    </a:lnR>
+                    <a:lnT w="12700" cap="flat" cmpd="sng" algn="ctr">
+                      <a:solidFill>
+                        <a:schemeClr val="tx1"/>
+                      </a:solidFill>
+                      <a:prstDash val="solid"/>
+                      <a:round/>
+                      <a:headEnd type="none" w="med" len="med"/>
+                      <a:tailEnd type="none" w="med" len="med"/>
+                    </a:lnT>
+                    <a:lnB w="12700" cap="flat" cmpd="sng" algn="ctr">
+                      <a:solidFill>
+                        <a:schemeClr val="tx1"/>
+                      </a:solidFill>
+                      <a:prstDash val="solid"/>
+                      <a:round/>
+                      <a:headEnd type="none" w="med" len="med"/>
+                      <a:tailEnd type="none" w="med" len="med"/>
+                    </a:lnB>
+                    <a:noFill/>
+                  </a:tcPr>
+                </a:tc>
+                <a:tc>
+                  <a:txBody>
+                    <a:bodyPr/>
+                    <a:lstStyle/>
+                    <a:p>
+                      <a:pPr marL="0" marR="0" lvl="0" indent="0" algn="ctr" defTabSz="914400" rtl="0" eaLnBrk="1" fontAlgn="auto" latinLnBrk="1" hangingPunct="1">
+                        <a:lnSpc>
+                          <a:spcPct val="100000"/>
+                        </a:lnSpc>
+                        <a:spcBef>
+                          <a:spcPts val="0"/>
+                        </a:spcBef>
+                        <a:spcAft>
+                          <a:spcPts val="0"/>
+                        </a:spcAft>
+                        <a:buClrTx/>
+                        <a:buSzTx/>
+                        <a:buFontTx/>
+                        <a:buNone/>
+                        <a:tabLst/>
+                        <a:defRPr/>
+                      </a:pPr>
+                      <a:endParaRPr lang="ko-KR" altLang="en-US" sz="3200" b="1" dirty="0">
+                        <a:solidFill>
+                          <a:srgbClr val="FF0000"/>
+                        </a:solidFill>
+                      </a:endParaRPr>
+                    </a:p>
+                  </a:txBody>
+                  <a:tcPr anchor="ctr">
+                    <a:lnL w="12700" cap="flat" cmpd="sng" algn="ctr">
+                      <a:solidFill>
+                        <a:schemeClr val="tx1"/>
+                      </a:solidFill>
+                      <a:prstDash val="solid"/>
+                      <a:round/>
+                      <a:headEnd type="none" w="med" len="med"/>
+                      <a:tailEnd type="none" w="med" len="med"/>
+                    </a:lnL>
+                    <a:lnR w="12700" cap="flat" cmpd="sng" algn="ctr">
+                      <a:solidFill>
+                        <a:schemeClr val="tx1"/>
+                      </a:solidFill>
+                      <a:prstDash val="solid"/>
+                      <a:round/>
+                      <a:headEnd type="none" w="med" len="med"/>
+                      <a:tailEnd type="none" w="med" len="med"/>
+                    </a:lnR>
+                    <a:lnT w="12700" cap="flat" cmpd="sng" algn="ctr">
+                      <a:solidFill>
+                        <a:schemeClr val="tx1"/>
+                      </a:solidFill>
+                      <a:prstDash val="solid"/>
+                      <a:round/>
+                      <a:headEnd type="none" w="med" len="med"/>
+                      <a:tailEnd type="none" w="med" len="med"/>
+                    </a:lnT>
+                    <a:lnB w="12700" cap="flat" cmpd="sng" algn="ctr">
+                      <a:solidFill>
+                        <a:schemeClr val="tx1"/>
+                      </a:solidFill>
+                      <a:prstDash val="solid"/>
+                      <a:round/>
+                      <a:headEnd type="none" w="med" len="med"/>
+                      <a:tailEnd type="none" w="med" len="med"/>
+                    </a:lnB>
+                    <a:noFill/>
+                  </a:tcPr>
+                </a:tc>
+                <a:tc>
+                  <a:txBody>
+                    <a:bodyPr/>
+                    <a:lstStyle/>
+                    <a:p>
+                      <a:pPr algn="ctr" latinLnBrk="1"/>
+                      <a:endParaRPr lang="ko-KR" altLang="en-US" sz="3200" b="1" dirty="0">
+                        <a:solidFill>
+                          <a:srgbClr val="FF0000"/>
+                        </a:solidFill>
+                      </a:endParaRPr>
+                    </a:p>
+                  </a:txBody>
+                  <a:tcPr anchor="ctr">
+                    <a:lnL w="12700" cap="flat" cmpd="sng" algn="ctr">
+                      <a:solidFill>
+                        <a:schemeClr val="tx1"/>
+                      </a:solidFill>
+                      <a:prstDash val="solid"/>
+                      <a:round/>
+                      <a:headEnd type="none" w="med" len="med"/>
+                      <a:tailEnd type="none" w="med" len="med"/>
+                    </a:lnL>
+                    <a:lnR w="12700" cap="flat" cmpd="sng" algn="ctr">
+                      <a:solidFill>
+                        <a:schemeClr val="tx1"/>
+                      </a:solidFill>
+                      <a:prstDash val="solid"/>
+                      <a:round/>
+                      <a:headEnd type="none" w="med" len="med"/>
+                      <a:tailEnd type="none" w="med" len="med"/>
+                    </a:lnR>
+                    <a:lnT w="12700" cap="flat" cmpd="sng" algn="ctr">
+                      <a:solidFill>
+                        <a:schemeClr val="tx1"/>
+                      </a:solidFill>
+                      <a:prstDash val="solid"/>
+                      <a:round/>
+                      <a:headEnd type="none" w="med" len="med"/>
+                      <a:tailEnd type="none" w="med" len="med"/>
+                    </a:lnT>
+                    <a:lnB w="12700" cap="flat" cmpd="sng" algn="ctr">
+                      <a:solidFill>
+                        <a:schemeClr val="tx1"/>
+                      </a:solidFill>
+                      <a:prstDash val="solid"/>
+                      <a:round/>
+                      <a:headEnd type="none" w="med" len="med"/>
+                      <a:tailEnd type="none" w="med" len="med"/>
+                    </a:lnB>
+                    <a:noFill/>
+                  </a:tcPr>
+                </a:tc>
+                <a:extLst>
+                  <a:ext uri="{0D108BD9-81ED-4DB2-BD59-A6C34878D82A}">
+                    <a16:rowId xmlns:a16="http://schemas.microsoft.com/office/drawing/2014/main" val="733504754"/>
+                  </a:ext>
+                </a:extLst>
+              </a:tr>
+              <a:tr h="660000">
+                <a:tc>
+                  <a:txBody>
+                    <a:bodyPr/>
+                    <a:lstStyle/>
+                    <a:p>
+                      <a:pPr algn="ctr" latinLnBrk="1"/>
+                      <a:endParaRPr lang="ko-KR" altLang="en-US" sz="3200" b="1" dirty="0">
+                        <a:solidFill>
+                          <a:srgbClr val="FF0000"/>
+                        </a:solidFill>
+                      </a:endParaRPr>
+                    </a:p>
+                  </a:txBody>
+                  <a:tcPr anchor="ctr">
+                    <a:lnL w="12700" cap="flat" cmpd="sng" algn="ctr">
+                      <a:solidFill>
+                        <a:schemeClr val="tx1"/>
+                      </a:solidFill>
+                      <a:prstDash val="solid"/>
+                      <a:round/>
+                      <a:headEnd type="none" w="med" len="med"/>
+                      <a:tailEnd type="none" w="med" len="med"/>
+                    </a:lnL>
+                    <a:lnR w="12700" cap="flat" cmpd="sng" algn="ctr">
+                      <a:solidFill>
+                        <a:schemeClr val="tx1"/>
+                      </a:solidFill>
+                      <a:prstDash val="solid"/>
+                      <a:round/>
+                      <a:headEnd type="none" w="med" len="med"/>
+                      <a:tailEnd type="none" w="med" len="med"/>
+                    </a:lnR>
+                    <a:lnT w="12700" cap="flat" cmpd="sng" algn="ctr">
+                      <a:solidFill>
+                        <a:schemeClr val="tx1"/>
+                      </a:solidFill>
+                      <a:prstDash val="solid"/>
+                      <a:round/>
+                      <a:headEnd type="none" w="med" len="med"/>
+                      <a:tailEnd type="none" w="med" len="med"/>
+                    </a:lnT>
+                    <a:lnB w="12700" cap="flat" cmpd="sng" algn="ctr">
+                      <a:solidFill>
+                        <a:schemeClr val="tx1"/>
+                      </a:solidFill>
+                      <a:prstDash val="solid"/>
+                      <a:round/>
+                      <a:headEnd type="none" w="med" len="med"/>
+                      <a:tailEnd type="none" w="med" len="med"/>
+                    </a:lnB>
+                    <a:noFill/>
+                  </a:tcPr>
+                </a:tc>
+                <a:tc>
+                  <a:txBody>
+                    <a:bodyPr/>
+                    <a:lstStyle/>
+                    <a:p>
+                      <a:pPr algn="ctr" latinLnBrk="1"/>
+                      <a:endParaRPr lang="ko-KR" altLang="en-US" sz="3200" b="1" dirty="0">
+                        <a:solidFill>
+                          <a:srgbClr val="FF0000"/>
+                        </a:solidFill>
+                      </a:endParaRPr>
+                    </a:p>
+                  </a:txBody>
+                  <a:tcPr anchor="ctr">
+                    <a:lnL w="12700" cap="flat" cmpd="sng" algn="ctr">
+                      <a:solidFill>
+                        <a:schemeClr val="tx1"/>
+                      </a:solidFill>
+                      <a:prstDash val="solid"/>
+                      <a:round/>
+                      <a:headEnd type="none" w="med" len="med"/>
+                      <a:tailEnd type="none" w="med" len="med"/>
+                    </a:lnL>
+                    <a:lnR w="12700" cap="flat" cmpd="sng" algn="ctr">
+                      <a:solidFill>
+                        <a:schemeClr val="tx1"/>
+                      </a:solidFill>
+                      <a:prstDash val="solid"/>
+                      <a:round/>
+                      <a:headEnd type="none" w="med" len="med"/>
+                      <a:tailEnd type="none" w="med" len="med"/>
+                    </a:lnR>
+                    <a:lnT w="12700" cap="flat" cmpd="sng" algn="ctr">
+                      <a:solidFill>
+                        <a:schemeClr val="tx1"/>
+                      </a:solidFill>
+                      <a:prstDash val="solid"/>
+                      <a:round/>
+                      <a:headEnd type="none" w="med" len="med"/>
+                      <a:tailEnd type="none" w="med" len="med"/>
+                    </a:lnT>
+                    <a:lnB w="12700" cap="flat" cmpd="sng" algn="ctr">
+                      <a:solidFill>
+                        <a:schemeClr val="tx1"/>
+                      </a:solidFill>
+                      <a:prstDash val="solid"/>
+                      <a:round/>
+                      <a:headEnd type="none" w="med" len="med"/>
+                      <a:tailEnd type="none" w="med" len="med"/>
+                    </a:lnB>
+                    <a:noFill/>
+                  </a:tcPr>
+                </a:tc>
+                <a:tc>
+                  <a:txBody>
+                    <a:bodyPr/>
+                    <a:lstStyle/>
+                    <a:p>
+                      <a:pPr algn="ctr" latinLnBrk="1"/>
+                      <a:endParaRPr lang="ko-KR" altLang="en-US" sz="3200" b="1" dirty="0">
+                        <a:solidFill>
+                          <a:srgbClr val="FF0000"/>
+                        </a:solidFill>
+                      </a:endParaRPr>
+                    </a:p>
+                  </a:txBody>
+                  <a:tcPr anchor="ctr">
+                    <a:lnL w="12700" cap="flat" cmpd="sng" algn="ctr">
+                      <a:solidFill>
+                        <a:schemeClr val="tx1"/>
+                      </a:solidFill>
+                      <a:prstDash val="solid"/>
+                      <a:round/>
+                      <a:headEnd type="none" w="med" len="med"/>
+                      <a:tailEnd type="none" w="med" len="med"/>
+                    </a:lnL>
+                    <a:lnR w="12700" cap="flat" cmpd="sng" algn="ctr">
+                      <a:solidFill>
+                        <a:schemeClr val="tx1"/>
+                      </a:solidFill>
+                      <a:prstDash val="solid"/>
+                      <a:round/>
+                      <a:headEnd type="none" w="med" len="med"/>
+                      <a:tailEnd type="none" w="med" len="med"/>
+                    </a:lnR>
+                    <a:lnT w="12700" cap="flat" cmpd="sng" algn="ctr">
+                      <a:solidFill>
+                        <a:schemeClr val="tx1"/>
+                      </a:solidFill>
+                      <a:prstDash val="solid"/>
+                      <a:round/>
+                      <a:headEnd type="none" w="med" len="med"/>
+                      <a:tailEnd type="none" w="med" len="med"/>
+                    </a:lnT>
+                    <a:lnB w="12700" cap="flat" cmpd="sng" algn="ctr">
+                      <a:solidFill>
+                        <a:schemeClr val="tx1"/>
+                      </a:solidFill>
+                      <a:prstDash val="solid"/>
+                      <a:round/>
+                      <a:headEnd type="none" w="med" len="med"/>
+                      <a:tailEnd type="none" w="med" len="med"/>
+                    </a:lnB>
+                    <a:noFill/>
+                  </a:tcPr>
+                </a:tc>
+                <a:tc>
+                  <a:txBody>
+                    <a:bodyPr/>
+                    <a:lstStyle/>
+                    <a:p>
+                      <a:pPr algn="ctr" latinLnBrk="1"/>
+                      <a:endParaRPr lang="ko-KR" altLang="en-US" sz="3200" b="1" dirty="0">
+                        <a:solidFill>
+                          <a:srgbClr val="FF0000"/>
+                        </a:solidFill>
+                      </a:endParaRPr>
+                    </a:p>
+                  </a:txBody>
+                  <a:tcPr anchor="ctr">
+                    <a:lnL w="12700" cap="flat" cmpd="sng" algn="ctr">
+                      <a:solidFill>
+                        <a:schemeClr val="tx1"/>
+                      </a:solidFill>
+                      <a:prstDash val="solid"/>
+                      <a:round/>
+                      <a:headEnd type="none" w="med" len="med"/>
+                      <a:tailEnd type="none" w="med" len="med"/>
+                    </a:lnL>
+                    <a:lnR w="12700" cap="flat" cmpd="sng" algn="ctr">
+                      <a:solidFill>
+                        <a:schemeClr val="tx1"/>
+                      </a:solidFill>
+                      <a:prstDash val="solid"/>
+                      <a:round/>
+                      <a:headEnd type="none" w="med" len="med"/>
+                      <a:tailEnd type="none" w="med" len="med"/>
+                    </a:lnR>
+                    <a:lnT w="12700" cap="flat" cmpd="sng" algn="ctr">
+                      <a:solidFill>
+                        <a:schemeClr val="tx1"/>
+                      </a:solidFill>
+                      <a:prstDash val="solid"/>
+                      <a:round/>
+                      <a:headEnd type="none" w="med" len="med"/>
+                      <a:tailEnd type="none" w="med" len="med"/>
+                    </a:lnT>
+                    <a:lnB w="12700" cap="flat" cmpd="sng" algn="ctr">
+                      <a:solidFill>
+                        <a:schemeClr val="tx1"/>
+                      </a:solidFill>
+                      <a:prstDash val="solid"/>
+                      <a:round/>
+                      <a:headEnd type="none" w="med" len="med"/>
+                      <a:tailEnd type="none" w="med" len="med"/>
+                    </a:lnB>
+                    <a:noFill/>
+                  </a:tcPr>
+                </a:tc>
+                <a:extLst>
+                  <a:ext uri="{0D108BD9-81ED-4DB2-BD59-A6C34878D82A}">
+                    <a16:rowId xmlns:a16="http://schemas.microsoft.com/office/drawing/2014/main" val="2553521684"/>
+                  </a:ext>
+                </a:extLst>
+              </a:tr>
+            </a:tbl>
+          </a:graphicData>
+        </a:graphic>
+      </p:graphicFrame>
+      <p:cxnSp>
+        <p:nvCxnSpPr>
+          <p:cNvPr id="4" name="직선 화살표 연결선 3">
+            <a:extLst>
+              <a:ext uri="{FF2B5EF4-FFF2-40B4-BE49-F238E27FC236}">
+                <a16:creationId xmlns:a16="http://schemas.microsoft.com/office/drawing/2014/main" id="{B76BE427-A1AE-4CA1-B875-B0BCF0A2F7F9}"/>
+              </a:ext>
+            </a:extLst>
+          </p:cNvPr>
+          <p:cNvCxnSpPr>
+            <a:cxnSpLocks/>
+          </p:cNvCxnSpPr>
+          <p:nvPr/>
+        </p:nvCxnSpPr>
+        <p:spPr>
+          <a:xfrm>
+            <a:off x="6516216" y="4155926"/>
+            <a:ext cx="792088" cy="0"/>
+          </a:xfrm>
+          <a:prstGeom prst="straightConnector1">
+            <a:avLst/>
+          </a:prstGeom>
+          <a:ln w="28575">
+            <a:solidFill>
+              <a:srgbClr val="FFC000"/>
+            </a:solidFill>
+            <a:tailEnd type="triangle"/>
+          </a:ln>
+        </p:spPr>
+        <p:style>
+          <a:lnRef idx="1">
+            <a:schemeClr val="accent1"/>
+          </a:lnRef>
+          <a:fillRef idx="0">
+            <a:schemeClr val="accent1"/>
+          </a:fillRef>
+          <a:effectRef idx="0">
+            <a:schemeClr val="accent1"/>
+          </a:effectRef>
+          <a:fontRef idx="minor">
+            <a:schemeClr val="tx1"/>
+          </a:fontRef>
+        </p:style>
+      </p:cxnSp>
+      <p:cxnSp>
+        <p:nvCxnSpPr>
+          <p:cNvPr id="18" name="직선 화살표 연결선 17">
+            <a:extLst>
+              <a:ext uri="{FF2B5EF4-FFF2-40B4-BE49-F238E27FC236}">
+                <a16:creationId xmlns:a16="http://schemas.microsoft.com/office/drawing/2014/main" id="{0EC9BFC1-1486-4784-A343-2E205130A29D}"/>
+              </a:ext>
+            </a:extLst>
+          </p:cNvPr>
+          <p:cNvCxnSpPr/>
+          <p:nvPr/>
+        </p:nvCxnSpPr>
+        <p:spPr>
+          <a:xfrm>
+            <a:off x="5004048" y="4299942"/>
+            <a:ext cx="2304256" cy="0"/>
+          </a:xfrm>
+          <a:prstGeom prst="straightConnector1">
+            <a:avLst/>
+          </a:prstGeom>
+          <a:ln w="28575">
+            <a:solidFill>
+              <a:srgbClr val="FF0000"/>
+            </a:solidFill>
+            <a:tailEnd type="triangle"/>
+          </a:ln>
+        </p:spPr>
+        <p:style>
+          <a:lnRef idx="1">
+            <a:schemeClr val="accent1"/>
+          </a:lnRef>
+          <a:fillRef idx="0">
+            <a:schemeClr val="accent1"/>
+          </a:fillRef>
+          <a:effectRef idx="0">
+            <a:schemeClr val="accent1"/>
+          </a:effectRef>
+          <a:fontRef idx="minor">
+            <a:schemeClr val="tx1"/>
+          </a:fontRef>
+        </p:style>
+      </p:cxnSp>
+      <p:cxnSp>
+        <p:nvCxnSpPr>
+          <p:cNvPr id="8" name="직선 연결선 7">
+            <a:extLst>
+              <a:ext uri="{FF2B5EF4-FFF2-40B4-BE49-F238E27FC236}">
+                <a16:creationId xmlns:a16="http://schemas.microsoft.com/office/drawing/2014/main" id="{5311ABE5-4D89-4B56-B22E-87BD90B2A5BE}"/>
+              </a:ext>
+            </a:extLst>
+          </p:cNvPr>
+          <p:cNvCxnSpPr/>
+          <p:nvPr/>
+        </p:nvCxnSpPr>
+        <p:spPr>
+          <a:xfrm flipV="1">
+            <a:off x="5004048" y="2847832"/>
+            <a:ext cx="0" cy="1452110"/>
+          </a:xfrm>
+          <a:prstGeom prst="line">
+            <a:avLst/>
+          </a:prstGeom>
+          <a:ln w="28575">
+            <a:solidFill>
+              <a:srgbClr val="FF0000"/>
+            </a:solidFill>
+          </a:ln>
+        </p:spPr>
+        <p:style>
+          <a:lnRef idx="1">
+            <a:schemeClr val="accent1"/>
+          </a:lnRef>
+          <a:fillRef idx="0">
+            <a:schemeClr val="accent1"/>
+          </a:fillRef>
+          <a:effectRef idx="0">
+            <a:schemeClr val="accent1"/>
+          </a:effectRef>
+          <a:fontRef idx="minor">
+            <a:schemeClr val="tx1"/>
+          </a:fontRef>
+        </p:style>
+      </p:cxnSp>
+      <p:cxnSp>
+        <p:nvCxnSpPr>
+          <p:cNvPr id="24" name="직선 연결선 23">
+            <a:extLst>
+              <a:ext uri="{FF2B5EF4-FFF2-40B4-BE49-F238E27FC236}">
+                <a16:creationId xmlns:a16="http://schemas.microsoft.com/office/drawing/2014/main" id="{CE465727-7291-4D71-9C04-EC6AFE9ACF91}"/>
+              </a:ext>
+            </a:extLst>
+          </p:cNvPr>
+          <p:cNvCxnSpPr>
+            <a:cxnSpLocks/>
+          </p:cNvCxnSpPr>
+          <p:nvPr/>
+        </p:nvCxnSpPr>
+        <p:spPr>
+          <a:xfrm flipV="1">
+            <a:off x="6516216" y="2847832"/>
+            <a:ext cx="0" cy="1308094"/>
+          </a:xfrm>
+          <a:prstGeom prst="line">
+            <a:avLst/>
+          </a:prstGeom>
+          <a:ln w="28575">
+            <a:solidFill>
+              <a:srgbClr val="FFC000"/>
+            </a:solidFill>
+          </a:ln>
+        </p:spPr>
+        <p:style>
+          <a:lnRef idx="1">
+            <a:schemeClr val="accent1"/>
+          </a:lnRef>
+          <a:fillRef idx="0">
+            <a:schemeClr val="accent1"/>
+          </a:fillRef>
+          <a:effectRef idx="0">
+            <a:schemeClr val="accent1"/>
+          </a:effectRef>
+          <a:fontRef idx="minor">
+            <a:schemeClr val="tx1"/>
+          </a:fontRef>
+        </p:style>
+      </p:cxnSp>
+      <p:cxnSp>
+        <p:nvCxnSpPr>
+          <p:cNvPr id="12" name="직선 연결선 11">
+            <a:extLst>
+              <a:ext uri="{FF2B5EF4-FFF2-40B4-BE49-F238E27FC236}">
+                <a16:creationId xmlns:a16="http://schemas.microsoft.com/office/drawing/2014/main" id="{5EE26639-AE23-4674-BCD5-F37E55BEA2FB}"/>
+              </a:ext>
+            </a:extLst>
+          </p:cNvPr>
+          <p:cNvCxnSpPr/>
+          <p:nvPr/>
+        </p:nvCxnSpPr>
+        <p:spPr>
+          <a:xfrm>
+            <a:off x="5148064" y="2847832"/>
+            <a:ext cx="1368152" cy="0"/>
+          </a:xfrm>
+          <a:prstGeom prst="line">
+            <a:avLst/>
+          </a:prstGeom>
+          <a:ln w="28575">
+            <a:solidFill>
+              <a:srgbClr val="FFC000"/>
+            </a:solidFill>
+          </a:ln>
+        </p:spPr>
+        <p:style>
+          <a:lnRef idx="1">
+            <a:schemeClr val="accent1"/>
+          </a:lnRef>
+          <a:fillRef idx="0">
+            <a:schemeClr val="accent1"/>
+          </a:fillRef>
+          <a:effectRef idx="0">
+            <a:schemeClr val="accent1"/>
+          </a:effectRef>
+          <a:fontRef idx="minor">
+            <a:schemeClr val="tx1"/>
+          </a:fontRef>
+        </p:style>
+      </p:cxnSp>
+      <p:cxnSp>
+        <p:nvCxnSpPr>
+          <p:cNvPr id="31" name="직선 연결선 30">
+            <a:extLst>
+              <a:ext uri="{FF2B5EF4-FFF2-40B4-BE49-F238E27FC236}">
+                <a16:creationId xmlns:a16="http://schemas.microsoft.com/office/drawing/2014/main" id="{8B24D42E-9B76-4D78-9381-80CD5F6B7152}"/>
+              </a:ext>
+            </a:extLst>
+          </p:cNvPr>
+          <p:cNvCxnSpPr>
+            <a:cxnSpLocks/>
+          </p:cNvCxnSpPr>
+          <p:nvPr/>
+        </p:nvCxnSpPr>
+        <p:spPr>
+          <a:xfrm>
+            <a:off x="5148064" y="2715766"/>
+            <a:ext cx="2088232" cy="0"/>
+          </a:xfrm>
+          <a:prstGeom prst="line">
+            <a:avLst/>
+          </a:prstGeom>
+          <a:ln w="28575">
+            <a:solidFill>
+              <a:srgbClr val="FFFF00"/>
+            </a:solidFill>
+          </a:ln>
+        </p:spPr>
+        <p:style>
+          <a:lnRef idx="1">
+            <a:schemeClr val="accent1"/>
+          </a:lnRef>
+          <a:fillRef idx="0">
+            <a:schemeClr val="accent1"/>
+          </a:fillRef>
+          <a:effectRef idx="0">
+            <a:schemeClr val="accent1"/>
+          </a:effectRef>
+          <a:fontRef idx="minor">
+            <a:schemeClr val="tx1"/>
+          </a:fontRef>
+        </p:style>
+      </p:cxnSp>
+      <p:cxnSp>
+        <p:nvCxnSpPr>
+          <p:cNvPr id="16" name="직선 화살표 연결선 15">
+            <a:extLst>
+              <a:ext uri="{FF2B5EF4-FFF2-40B4-BE49-F238E27FC236}">
+                <a16:creationId xmlns:a16="http://schemas.microsoft.com/office/drawing/2014/main" id="{83EE7879-53FA-414B-B7D1-656EA9E05963}"/>
+              </a:ext>
+            </a:extLst>
+          </p:cNvPr>
+          <p:cNvCxnSpPr/>
+          <p:nvPr/>
+        </p:nvCxnSpPr>
+        <p:spPr>
+          <a:xfrm>
+            <a:off x="7236296" y="2715766"/>
+            <a:ext cx="0" cy="1296144"/>
+          </a:xfrm>
+          <a:prstGeom prst="straightConnector1">
+            <a:avLst/>
+          </a:prstGeom>
+          <a:ln w="28575">
+            <a:solidFill>
+              <a:srgbClr val="FFFF00"/>
+            </a:solidFill>
+            <a:tailEnd type="triangle"/>
+          </a:ln>
+        </p:spPr>
+        <p:style>
+          <a:lnRef idx="1">
+            <a:schemeClr val="accent1"/>
+          </a:lnRef>
+          <a:fillRef idx="0">
+            <a:schemeClr val="accent1"/>
+          </a:fillRef>
+          <a:effectRef idx="0">
+            <a:schemeClr val="accent1"/>
+          </a:effectRef>
+          <a:fontRef idx="minor">
+            <a:schemeClr val="tx1"/>
+          </a:fontRef>
+        </p:style>
+      </p:cxnSp>
+      <p:cxnSp>
+        <p:nvCxnSpPr>
+          <p:cNvPr id="36" name="직선 연결선 35">
+            <a:extLst>
+              <a:ext uri="{FF2B5EF4-FFF2-40B4-BE49-F238E27FC236}">
+                <a16:creationId xmlns:a16="http://schemas.microsoft.com/office/drawing/2014/main" id="{9E3F6DA9-A27C-4B69-93FE-0ED707DD03C8}"/>
+              </a:ext>
+            </a:extLst>
+          </p:cNvPr>
+          <p:cNvCxnSpPr>
+            <a:cxnSpLocks/>
+          </p:cNvCxnSpPr>
+          <p:nvPr/>
+        </p:nvCxnSpPr>
+        <p:spPr>
+          <a:xfrm>
+            <a:off x="5148064" y="3075806"/>
+            <a:ext cx="1512168" cy="0"/>
+          </a:xfrm>
+          <a:prstGeom prst="line">
+            <a:avLst/>
+          </a:prstGeom>
+          <a:ln w="28575">
+            <a:solidFill>
+              <a:srgbClr val="00B050"/>
+            </a:solidFill>
+          </a:ln>
+        </p:spPr>
+        <p:style>
+          <a:lnRef idx="1">
+            <a:schemeClr val="accent1"/>
+          </a:lnRef>
+          <a:fillRef idx="0">
+            <a:schemeClr val="accent1"/>
+          </a:fillRef>
+          <a:effectRef idx="0">
+            <a:schemeClr val="accent1"/>
+          </a:effectRef>
+          <a:fontRef idx="minor">
+            <a:schemeClr val="tx1"/>
+          </a:fontRef>
+        </p:style>
+      </p:cxnSp>
+      <p:cxnSp>
+        <p:nvCxnSpPr>
+          <p:cNvPr id="37" name="직선 연결선 36">
+            <a:extLst>
+              <a:ext uri="{FF2B5EF4-FFF2-40B4-BE49-F238E27FC236}">
+                <a16:creationId xmlns:a16="http://schemas.microsoft.com/office/drawing/2014/main" id="{1FD67C19-45B1-4BFB-AE18-1C7294420536}"/>
+              </a:ext>
+            </a:extLst>
+          </p:cNvPr>
+          <p:cNvCxnSpPr>
+            <a:cxnSpLocks/>
+          </p:cNvCxnSpPr>
+          <p:nvPr/>
+        </p:nvCxnSpPr>
+        <p:spPr>
+          <a:xfrm flipV="1">
+            <a:off x="6660232" y="3069428"/>
+            <a:ext cx="0" cy="654450"/>
+          </a:xfrm>
+          <a:prstGeom prst="line">
+            <a:avLst/>
+          </a:prstGeom>
+          <a:ln w="28575">
+            <a:solidFill>
+              <a:srgbClr val="00B050"/>
+            </a:solidFill>
+          </a:ln>
+        </p:spPr>
+        <p:style>
+          <a:lnRef idx="1">
+            <a:schemeClr val="accent1"/>
+          </a:lnRef>
+          <a:fillRef idx="0">
+            <a:schemeClr val="accent1"/>
+          </a:fillRef>
+          <a:effectRef idx="0">
+            <a:schemeClr val="accent1"/>
+          </a:effectRef>
+          <a:fontRef idx="minor">
+            <a:schemeClr val="tx1"/>
+          </a:fontRef>
+        </p:style>
+      </p:cxnSp>
+      <p:cxnSp>
+        <p:nvCxnSpPr>
+          <p:cNvPr id="38" name="직선 연결선 37">
+            <a:extLst>
+              <a:ext uri="{FF2B5EF4-FFF2-40B4-BE49-F238E27FC236}">
+                <a16:creationId xmlns:a16="http://schemas.microsoft.com/office/drawing/2014/main" id="{76864D63-0CC2-45E2-9DF7-F338FC51D665}"/>
+              </a:ext>
+            </a:extLst>
+          </p:cNvPr>
+          <p:cNvCxnSpPr>
+            <a:cxnSpLocks/>
+          </p:cNvCxnSpPr>
+          <p:nvPr/>
+        </p:nvCxnSpPr>
+        <p:spPr>
+          <a:xfrm>
+            <a:off x="6660232" y="3720273"/>
+            <a:ext cx="432048" cy="0"/>
+          </a:xfrm>
+          <a:prstGeom prst="line">
+            <a:avLst/>
+          </a:prstGeom>
+          <a:ln w="28575">
+            <a:solidFill>
+              <a:srgbClr val="00B050"/>
+            </a:solidFill>
+          </a:ln>
+        </p:spPr>
+        <p:style>
+          <a:lnRef idx="1">
+            <a:schemeClr val="accent1"/>
+          </a:lnRef>
+          <a:fillRef idx="0">
+            <a:schemeClr val="accent1"/>
+          </a:fillRef>
+          <a:effectRef idx="0">
+            <a:schemeClr val="accent1"/>
+          </a:effectRef>
+          <a:fontRef idx="minor">
+            <a:schemeClr val="tx1"/>
+          </a:fontRef>
+        </p:style>
+      </p:cxnSp>
+      <p:cxnSp>
+        <p:nvCxnSpPr>
+          <p:cNvPr id="40" name="직선 화살표 연결선 39">
+            <a:extLst>
+              <a:ext uri="{FF2B5EF4-FFF2-40B4-BE49-F238E27FC236}">
+                <a16:creationId xmlns:a16="http://schemas.microsoft.com/office/drawing/2014/main" id="{03DAA7D5-5420-4E65-9F38-836B8E7536A5}"/>
+              </a:ext>
+            </a:extLst>
+          </p:cNvPr>
+          <p:cNvCxnSpPr>
+            <a:cxnSpLocks/>
+          </p:cNvCxnSpPr>
+          <p:nvPr/>
+        </p:nvCxnSpPr>
+        <p:spPr>
+          <a:xfrm>
+            <a:off x="7082014" y="3715494"/>
+            <a:ext cx="0" cy="296416"/>
+          </a:xfrm>
+          <a:prstGeom prst="straightConnector1">
+            <a:avLst/>
+          </a:prstGeom>
+          <a:ln w="28575">
+            <a:solidFill>
+              <a:srgbClr val="00B050"/>
+            </a:solidFill>
+            <a:tailEnd type="triangle"/>
+          </a:ln>
+        </p:spPr>
+        <p:style>
+          <a:lnRef idx="1">
+            <a:schemeClr val="accent1"/>
+          </a:lnRef>
+          <a:fillRef idx="0">
+            <a:schemeClr val="accent1"/>
+          </a:fillRef>
+          <a:effectRef idx="0">
+            <a:schemeClr val="accent1"/>
+          </a:effectRef>
+          <a:fontRef idx="minor">
+            <a:schemeClr val="tx1"/>
+          </a:fontRef>
+        </p:style>
+      </p:cxnSp>
     </p:spTree>
     <p:extLst>
       <p:ext uri="{BB962C8B-B14F-4D97-AF65-F5344CB8AC3E}">
@@ -9876,6 +11132,462 @@
                                         <p:strVal val="visible"/>
                                       </p:to>
                                     </p:set>
+                                  </p:childTnLst>
+                                </p:cTn>
+                              </p:par>
+                            </p:childTnLst>
+                          </p:cTn>
+                        </p:par>
+                      </p:childTnLst>
+                    </p:cTn>
+                  </p:par>
+                  <p:par>
+                    <p:cTn id="29" fill="hold">
+                      <p:stCondLst>
+                        <p:cond delay="indefinite"/>
+                      </p:stCondLst>
+                      <p:childTnLst>
+                        <p:par>
+                          <p:cTn id="30" fill="hold">
+                            <p:stCondLst>
+                              <p:cond delay="0"/>
+                            </p:stCondLst>
+                            <p:childTnLst>
+                              <p:par>
+                                <p:cTn id="31" presetID="10" presetClass="entr" presetSubtype="0" fill="hold" nodeType="clickEffect">
+                                  <p:stCondLst>
+                                    <p:cond delay="0"/>
+                                  </p:stCondLst>
+                                  <p:childTnLst>
+                                    <p:set>
+                                      <p:cBhvr>
+                                        <p:cTn id="32" dur="1" fill="hold">
+                                          <p:stCondLst>
+                                            <p:cond delay="0"/>
+                                          </p:stCondLst>
+                                        </p:cTn>
+                                        <p:tgtEl>
+                                          <p:spTgt spid="15"/>
+                                        </p:tgtEl>
+                                        <p:attrNameLst>
+                                          <p:attrName>style.visibility</p:attrName>
+                                        </p:attrNameLst>
+                                      </p:cBhvr>
+                                      <p:to>
+                                        <p:strVal val="visible"/>
+                                      </p:to>
+                                    </p:set>
+                                    <p:animEffect transition="in" filter="fade">
+                                      <p:cBhvr>
+                                        <p:cTn id="33" dur="500"/>
+                                        <p:tgtEl>
+                                          <p:spTgt spid="15"/>
+                                        </p:tgtEl>
+                                      </p:cBhvr>
+                                    </p:animEffect>
+                                  </p:childTnLst>
+                                </p:cTn>
+                              </p:par>
+                            </p:childTnLst>
+                          </p:cTn>
+                        </p:par>
+                      </p:childTnLst>
+                    </p:cTn>
+                  </p:par>
+                  <p:par>
+                    <p:cTn id="34" fill="hold">
+                      <p:stCondLst>
+                        <p:cond delay="indefinite"/>
+                      </p:stCondLst>
+                      <p:childTnLst>
+                        <p:par>
+                          <p:cTn id="35" fill="hold">
+                            <p:stCondLst>
+                              <p:cond delay="0"/>
+                            </p:stCondLst>
+                            <p:childTnLst>
+                              <p:par>
+                                <p:cTn id="36" presetID="16" presetClass="entr" presetSubtype="21" fill="hold" nodeType="clickEffect">
+                                  <p:stCondLst>
+                                    <p:cond delay="0"/>
+                                  </p:stCondLst>
+                                  <p:childTnLst>
+                                    <p:set>
+                                      <p:cBhvr>
+                                        <p:cTn id="37" dur="1" fill="hold">
+                                          <p:stCondLst>
+                                            <p:cond delay="0"/>
+                                          </p:stCondLst>
+                                        </p:cTn>
+                                        <p:tgtEl>
+                                          <p:spTgt spid="8"/>
+                                        </p:tgtEl>
+                                        <p:attrNameLst>
+                                          <p:attrName>style.visibility</p:attrName>
+                                        </p:attrNameLst>
+                                      </p:cBhvr>
+                                      <p:to>
+                                        <p:strVal val="visible"/>
+                                      </p:to>
+                                    </p:set>
+                                    <p:animEffect transition="in" filter="barn(inVertical)">
+                                      <p:cBhvr>
+                                        <p:cTn id="38" dur="500"/>
+                                        <p:tgtEl>
+                                          <p:spTgt spid="8"/>
+                                        </p:tgtEl>
+                                      </p:cBhvr>
+                                    </p:animEffect>
+                                  </p:childTnLst>
+                                </p:cTn>
+                              </p:par>
+                              <p:par>
+                                <p:cTn id="39" presetID="16" presetClass="entr" presetSubtype="21" fill="hold" nodeType="withEffect">
+                                  <p:stCondLst>
+                                    <p:cond delay="0"/>
+                                  </p:stCondLst>
+                                  <p:childTnLst>
+                                    <p:set>
+                                      <p:cBhvr>
+                                        <p:cTn id="40" dur="1" fill="hold">
+                                          <p:stCondLst>
+                                            <p:cond delay="0"/>
+                                          </p:stCondLst>
+                                        </p:cTn>
+                                        <p:tgtEl>
+                                          <p:spTgt spid="18"/>
+                                        </p:tgtEl>
+                                        <p:attrNameLst>
+                                          <p:attrName>style.visibility</p:attrName>
+                                        </p:attrNameLst>
+                                      </p:cBhvr>
+                                      <p:to>
+                                        <p:strVal val="visible"/>
+                                      </p:to>
+                                    </p:set>
+                                    <p:animEffect transition="in" filter="barn(inVertical)">
+                                      <p:cBhvr>
+                                        <p:cTn id="41" dur="500"/>
+                                        <p:tgtEl>
+                                          <p:spTgt spid="18"/>
+                                        </p:tgtEl>
+                                      </p:cBhvr>
+                                    </p:animEffect>
+                                  </p:childTnLst>
+                                </p:cTn>
+                              </p:par>
+                              <p:par>
+                                <p:cTn id="42" presetID="16" presetClass="entr" presetSubtype="21" fill="hold" nodeType="withEffect">
+                                  <p:stCondLst>
+                                    <p:cond delay="0"/>
+                                  </p:stCondLst>
+                                  <p:childTnLst>
+                                    <p:set>
+                                      <p:cBhvr>
+                                        <p:cTn id="43" dur="1" fill="hold">
+                                          <p:stCondLst>
+                                            <p:cond delay="0"/>
+                                          </p:stCondLst>
+                                        </p:cTn>
+                                        <p:tgtEl>
+                                          <p:spTgt spid="36"/>
+                                        </p:tgtEl>
+                                        <p:attrNameLst>
+                                          <p:attrName>style.visibility</p:attrName>
+                                        </p:attrNameLst>
+                                      </p:cBhvr>
+                                      <p:to>
+                                        <p:strVal val="visible"/>
+                                      </p:to>
+                                    </p:set>
+                                    <p:animEffect transition="in" filter="barn(inVertical)">
+                                      <p:cBhvr>
+                                        <p:cTn id="44" dur="500"/>
+                                        <p:tgtEl>
+                                          <p:spTgt spid="36"/>
+                                        </p:tgtEl>
+                                      </p:cBhvr>
+                                    </p:animEffect>
+                                  </p:childTnLst>
+                                </p:cTn>
+                              </p:par>
+                              <p:par>
+                                <p:cTn id="45" presetID="16" presetClass="entr" presetSubtype="21" fill="hold" nodeType="withEffect">
+                                  <p:stCondLst>
+                                    <p:cond delay="0"/>
+                                  </p:stCondLst>
+                                  <p:childTnLst>
+                                    <p:set>
+                                      <p:cBhvr>
+                                        <p:cTn id="46" dur="1" fill="hold">
+                                          <p:stCondLst>
+                                            <p:cond delay="0"/>
+                                          </p:stCondLst>
+                                        </p:cTn>
+                                        <p:tgtEl>
+                                          <p:spTgt spid="12"/>
+                                        </p:tgtEl>
+                                        <p:attrNameLst>
+                                          <p:attrName>style.visibility</p:attrName>
+                                        </p:attrNameLst>
+                                      </p:cBhvr>
+                                      <p:to>
+                                        <p:strVal val="visible"/>
+                                      </p:to>
+                                    </p:set>
+                                    <p:animEffect transition="in" filter="barn(inVertical)">
+                                      <p:cBhvr>
+                                        <p:cTn id="47" dur="500"/>
+                                        <p:tgtEl>
+                                          <p:spTgt spid="12"/>
+                                        </p:tgtEl>
+                                      </p:cBhvr>
+                                    </p:animEffect>
+                                  </p:childTnLst>
+                                </p:cTn>
+                              </p:par>
+                              <p:par>
+                                <p:cTn id="48" presetID="16" presetClass="entr" presetSubtype="21" fill="hold" nodeType="withEffect">
+                                  <p:stCondLst>
+                                    <p:cond delay="0"/>
+                                  </p:stCondLst>
+                                  <p:childTnLst>
+                                    <p:set>
+                                      <p:cBhvr>
+                                        <p:cTn id="49" dur="1" fill="hold">
+                                          <p:stCondLst>
+                                            <p:cond delay="0"/>
+                                          </p:stCondLst>
+                                        </p:cTn>
+                                        <p:tgtEl>
+                                          <p:spTgt spid="31"/>
+                                        </p:tgtEl>
+                                        <p:attrNameLst>
+                                          <p:attrName>style.visibility</p:attrName>
+                                        </p:attrNameLst>
+                                      </p:cBhvr>
+                                      <p:to>
+                                        <p:strVal val="visible"/>
+                                      </p:to>
+                                    </p:set>
+                                    <p:animEffect transition="in" filter="barn(inVertical)">
+                                      <p:cBhvr>
+                                        <p:cTn id="50" dur="500"/>
+                                        <p:tgtEl>
+                                          <p:spTgt spid="31"/>
+                                        </p:tgtEl>
+                                      </p:cBhvr>
+                                    </p:animEffect>
+                                  </p:childTnLst>
+                                </p:cTn>
+                              </p:par>
+                              <p:par>
+                                <p:cTn id="51" presetID="16" presetClass="entr" presetSubtype="21" fill="hold" nodeType="withEffect">
+                                  <p:stCondLst>
+                                    <p:cond delay="0"/>
+                                  </p:stCondLst>
+                                  <p:childTnLst>
+                                    <p:set>
+                                      <p:cBhvr>
+                                        <p:cTn id="52" dur="1" fill="hold">
+                                          <p:stCondLst>
+                                            <p:cond delay="0"/>
+                                          </p:stCondLst>
+                                        </p:cTn>
+                                        <p:tgtEl>
+                                          <p:spTgt spid="16"/>
+                                        </p:tgtEl>
+                                        <p:attrNameLst>
+                                          <p:attrName>style.visibility</p:attrName>
+                                        </p:attrNameLst>
+                                      </p:cBhvr>
+                                      <p:to>
+                                        <p:strVal val="visible"/>
+                                      </p:to>
+                                    </p:set>
+                                    <p:animEffect transition="in" filter="barn(inVertical)">
+                                      <p:cBhvr>
+                                        <p:cTn id="53" dur="500"/>
+                                        <p:tgtEl>
+                                          <p:spTgt spid="16"/>
+                                        </p:tgtEl>
+                                      </p:cBhvr>
+                                    </p:animEffect>
+                                  </p:childTnLst>
+                                </p:cTn>
+                              </p:par>
+                              <p:par>
+                                <p:cTn id="54" presetID="16" presetClass="entr" presetSubtype="21" fill="hold" nodeType="withEffect">
+                                  <p:stCondLst>
+                                    <p:cond delay="0"/>
+                                  </p:stCondLst>
+                                  <p:childTnLst>
+                                    <p:set>
+                                      <p:cBhvr>
+                                        <p:cTn id="55" dur="1" fill="hold">
+                                          <p:stCondLst>
+                                            <p:cond delay="0"/>
+                                          </p:stCondLst>
+                                        </p:cTn>
+                                        <p:tgtEl>
+                                          <p:spTgt spid="37"/>
+                                        </p:tgtEl>
+                                        <p:attrNameLst>
+                                          <p:attrName>style.visibility</p:attrName>
+                                        </p:attrNameLst>
+                                      </p:cBhvr>
+                                      <p:to>
+                                        <p:strVal val="visible"/>
+                                      </p:to>
+                                    </p:set>
+                                    <p:animEffect transition="in" filter="barn(inVertical)">
+                                      <p:cBhvr>
+                                        <p:cTn id="56" dur="500"/>
+                                        <p:tgtEl>
+                                          <p:spTgt spid="37"/>
+                                        </p:tgtEl>
+                                      </p:cBhvr>
+                                    </p:animEffect>
+                                  </p:childTnLst>
+                                </p:cTn>
+                              </p:par>
+                              <p:par>
+                                <p:cTn id="57" presetID="16" presetClass="entr" presetSubtype="21" fill="hold" nodeType="withEffect">
+                                  <p:stCondLst>
+                                    <p:cond delay="0"/>
+                                  </p:stCondLst>
+                                  <p:childTnLst>
+                                    <p:set>
+                                      <p:cBhvr>
+                                        <p:cTn id="58" dur="1" fill="hold">
+                                          <p:stCondLst>
+                                            <p:cond delay="0"/>
+                                          </p:stCondLst>
+                                        </p:cTn>
+                                        <p:tgtEl>
+                                          <p:spTgt spid="38"/>
+                                        </p:tgtEl>
+                                        <p:attrNameLst>
+                                          <p:attrName>style.visibility</p:attrName>
+                                        </p:attrNameLst>
+                                      </p:cBhvr>
+                                      <p:to>
+                                        <p:strVal val="visible"/>
+                                      </p:to>
+                                    </p:set>
+                                    <p:animEffect transition="in" filter="barn(inVertical)">
+                                      <p:cBhvr>
+                                        <p:cTn id="59" dur="500"/>
+                                        <p:tgtEl>
+                                          <p:spTgt spid="38"/>
+                                        </p:tgtEl>
+                                      </p:cBhvr>
+                                    </p:animEffect>
+                                  </p:childTnLst>
+                                </p:cTn>
+                              </p:par>
+                              <p:par>
+                                <p:cTn id="60" presetID="16" presetClass="entr" presetSubtype="21" fill="hold" nodeType="withEffect">
+                                  <p:stCondLst>
+                                    <p:cond delay="0"/>
+                                  </p:stCondLst>
+                                  <p:childTnLst>
+                                    <p:set>
+                                      <p:cBhvr>
+                                        <p:cTn id="61" dur="1" fill="hold">
+                                          <p:stCondLst>
+                                            <p:cond delay="0"/>
+                                          </p:stCondLst>
+                                        </p:cTn>
+                                        <p:tgtEl>
+                                          <p:spTgt spid="40"/>
+                                        </p:tgtEl>
+                                        <p:attrNameLst>
+                                          <p:attrName>style.visibility</p:attrName>
+                                        </p:attrNameLst>
+                                      </p:cBhvr>
+                                      <p:to>
+                                        <p:strVal val="visible"/>
+                                      </p:to>
+                                    </p:set>
+                                    <p:animEffect transition="in" filter="barn(inVertical)">
+                                      <p:cBhvr>
+                                        <p:cTn id="62" dur="500"/>
+                                        <p:tgtEl>
+                                          <p:spTgt spid="40"/>
+                                        </p:tgtEl>
+                                      </p:cBhvr>
+                                    </p:animEffect>
+                                  </p:childTnLst>
+                                </p:cTn>
+                              </p:par>
+                              <p:par>
+                                <p:cTn id="63" presetID="16" presetClass="entr" presetSubtype="21" fill="hold" nodeType="withEffect">
+                                  <p:stCondLst>
+                                    <p:cond delay="0"/>
+                                  </p:stCondLst>
+                                  <p:childTnLst>
+                                    <p:set>
+                                      <p:cBhvr>
+                                        <p:cTn id="64" dur="1" fill="hold">
+                                          <p:stCondLst>
+                                            <p:cond delay="0"/>
+                                          </p:stCondLst>
+                                        </p:cTn>
+                                        <p:tgtEl>
+                                          <p:spTgt spid="24"/>
+                                        </p:tgtEl>
+                                        <p:attrNameLst>
+                                          <p:attrName>style.visibility</p:attrName>
+                                        </p:attrNameLst>
+                                      </p:cBhvr>
+                                      <p:to>
+                                        <p:strVal val="visible"/>
+                                      </p:to>
+                                    </p:set>
+                                    <p:animEffect transition="in" filter="barn(inVertical)">
+                                      <p:cBhvr>
+                                        <p:cTn id="65" dur="500"/>
+                                        <p:tgtEl>
+                                          <p:spTgt spid="24"/>
+                                        </p:tgtEl>
+                                      </p:cBhvr>
+                                    </p:animEffect>
+                                  </p:childTnLst>
+                                </p:cTn>
+                              </p:par>
+                              <p:par>
+                                <p:cTn id="66" presetID="16" presetClass="entr" presetSubtype="21" fill="hold" nodeType="withEffect">
+                                  <p:stCondLst>
+                                    <p:cond delay="0"/>
+                                  </p:stCondLst>
+                                  <p:childTnLst>
+                                    <p:set>
+                                      <p:cBhvr>
+                                        <p:cTn id="67" dur="1" fill="hold">
+                                          <p:stCondLst>
+                                            <p:cond delay="0"/>
+                                          </p:stCondLst>
+                                        </p:cTn>
+                                        <p:tgtEl>
+                                          <p:spTgt spid="4"/>
+                                        </p:tgtEl>
+                                        <p:attrNameLst>
+                                          <p:attrName>style.visibility</p:attrName>
+                                        </p:attrNameLst>
+                                      </p:cBhvr>
+                                      <p:to>
+                                        <p:strVal val="visible"/>
+                                      </p:to>
+                                    </p:set>
+                                    <p:animEffect transition="in" filter="barn(inVertical)">
+                                      <p:cBhvr>
+                                        <p:cTn id="68" dur="500"/>
+                                        <p:tgtEl>
+                                          <p:spTgt spid="4"/>
+                                        </p:tgtEl>
+                                      </p:cBhvr>
+                                    </p:animEffect>
                                   </p:childTnLst>
                                 </p:cTn>
                               </p:par>

--- a/개인공부/알고리즘 스터디/5주차/알쓰5주차.pptx
+++ b/개인공부/알고리즘 스터디/5주차/알쓰5주차.pptx
@@ -15,13 +15,7 @@
     <p:sldId id="266" r:id="rId9"/>
     <p:sldId id="271" r:id="rId10"/>
     <p:sldId id="272" r:id="rId11"/>
-    <p:sldId id="265" r:id="rId12"/>
-    <p:sldId id="259" r:id="rId13"/>
-    <p:sldId id="263" r:id="rId14"/>
-    <p:sldId id="260" r:id="rId15"/>
-    <p:sldId id="264" r:id="rId16"/>
-    <p:sldId id="261" r:id="rId17"/>
-    <p:sldId id="262" r:id="rId18"/>
+    <p:sldId id="262" r:id="rId12"/>
   </p:sldIdLst>
   <p:sldSz cx="9144000" cy="5143500" type="screen16x9"/>
   <p:notesSz cx="6858000" cy="9144000"/>
@@ -3214,8 +3208,8 @@
           </a:p>
         </p:txBody>
       </p:sp>
-      <mc:AlternateContent xmlns:mc="http://schemas.openxmlformats.org/markup-compatibility/2006">
-        <mc:Choice xmlns:a14="http://schemas.microsoft.com/office/drawing/2010/main" Requires="a14">
+      <mc:AlternateContent xmlns:mc="http://schemas.openxmlformats.org/markup-compatibility/2006" xmlns:a14="http://schemas.microsoft.com/office/drawing/2010/main">
+        <mc:Choice Requires="a14">
           <p:graphicFrame>
             <p:nvGraphicFramePr>
               <p:cNvPr id="6" name="표 16">
@@ -4153,7 +4147,7 @@
             </a:graphic>
           </p:graphicFrame>
         </mc:Choice>
-        <mc:Fallback>
+        <mc:Fallback xmlns="">
           <p:graphicFrame>
             <p:nvGraphicFramePr>
               <p:cNvPr id="6" name="표 16">
@@ -5161,8 +5155,8 @@
           </a:graphicData>
         </a:graphic>
       </p:graphicFrame>
-      <mc:AlternateContent xmlns:mc="http://schemas.openxmlformats.org/markup-compatibility/2006">
-        <mc:Choice xmlns:a14="http://schemas.microsoft.com/office/drawing/2010/main" Requires="a14">
+      <mc:AlternateContent xmlns:mc="http://schemas.openxmlformats.org/markup-compatibility/2006" xmlns:a14="http://schemas.microsoft.com/office/drawing/2010/main">
+        <mc:Choice Requires="a14">
           <p:sp>
             <p:nvSpPr>
               <p:cNvPr id="24" name="내용 개체 틀 2">
@@ -5548,7 +5542,7 @@
             </p:txBody>
           </p:sp>
         </mc:Choice>
-        <mc:Fallback>
+        <mc:Fallback xmlns="">
           <p:sp>
             <p:nvSpPr>
               <p:cNvPr id="24" name="내용 개체 틀 2">
@@ -5940,267 +5934,6 @@
 </file>
 
 <file path=ppt/slides/slide11.xml><?xml version="1.0" encoding="utf-8"?>
-<p:sld xmlns:a="http://schemas.openxmlformats.org/drawingml/2006/main" xmlns:r="http://schemas.openxmlformats.org/officeDocument/2006/relationships" xmlns:p="http://schemas.openxmlformats.org/presentationml/2006/main">
-  <p:cSld>
-    <p:bg>
-      <p:bgPr>
-        <a:blipFill dpi="0" rotWithShape="1">
-          <a:blip r:embed="rId2" cstate="print">
-            <a:lum/>
-          </a:blip>
-          <a:srcRect/>
-          <a:stretch>
-            <a:fillRect/>
-          </a:stretch>
-        </a:blipFill>
-        <a:effectLst/>
-      </p:bgPr>
-    </p:bg>
-    <p:spTree>
-      <p:nvGrpSpPr>
-        <p:cNvPr id="1" name=""/>
-        <p:cNvGrpSpPr/>
-        <p:nvPr/>
-      </p:nvGrpSpPr>
-      <p:grpSpPr>
-        <a:xfrm>
-          <a:off x="0" y="0"/>
-          <a:ext cx="0" cy="0"/>
-          <a:chOff x="0" y="0"/>
-          <a:chExt cx="0" cy="0"/>
-        </a:xfrm>
-      </p:grpSpPr>
-    </p:spTree>
-    <p:extLst>
-      <p:ext uri="{BB962C8B-B14F-4D97-AF65-F5344CB8AC3E}">
-        <p14:creationId xmlns:p14="http://schemas.microsoft.com/office/powerpoint/2010/main" val="1138225734"/>
-      </p:ext>
-    </p:extLst>
-  </p:cSld>
-  <p:clrMapOvr>
-    <a:masterClrMapping/>
-  </p:clrMapOvr>
-</p:sld>
-</file>
-
-<file path=ppt/slides/slide12.xml><?xml version="1.0" encoding="utf-8"?>
-<p:sld xmlns:a="http://schemas.openxmlformats.org/drawingml/2006/main" xmlns:r="http://schemas.openxmlformats.org/officeDocument/2006/relationships" xmlns:p="http://schemas.openxmlformats.org/presentationml/2006/main">
-  <p:cSld>
-    <p:spTree>
-      <p:nvGrpSpPr>
-        <p:cNvPr id="1" name=""/>
-        <p:cNvGrpSpPr/>
-        <p:nvPr/>
-      </p:nvGrpSpPr>
-      <p:grpSpPr>
-        <a:xfrm>
-          <a:off x="0" y="0"/>
-          <a:ext cx="0" cy="0"/>
-          <a:chOff x="0" y="0"/>
-          <a:chExt cx="0" cy="0"/>
-        </a:xfrm>
-      </p:grpSpPr>
-      <p:pic>
-        <p:nvPicPr>
-          <p:cNvPr id="2" name="Picture 3" descr="C:\Users\진희\Desktop\재배포 나빠요.png"/>
-          <p:cNvPicPr>
-            <a:picLocks noChangeAspect="1" noChangeArrowheads="1"/>
-          </p:cNvPicPr>
-          <p:nvPr/>
-        </p:nvPicPr>
-        <p:blipFill>
-          <a:blip r:embed="rId2" cstate="print"/>
-          <a:srcRect/>
-          <a:stretch>
-            <a:fillRect/>
-          </a:stretch>
-        </p:blipFill>
-        <p:spPr bwMode="auto">
-          <a:xfrm>
-            <a:off x="5842028" y="2981894"/>
-            <a:ext cx="2834428" cy="1738093"/>
-          </a:xfrm>
-          <a:prstGeom prst="rect">
-            <a:avLst/>
-          </a:prstGeom>
-          <a:noFill/>
-        </p:spPr>
-      </p:pic>
-      <p:pic>
-        <p:nvPicPr>
-          <p:cNvPr id="2050" name="Picture 2" descr="C:\Users\진희\Desktop\그림1.png"/>
-          <p:cNvPicPr>
-            <a:picLocks noChangeAspect="1" noChangeArrowheads="1"/>
-          </p:cNvPicPr>
-          <p:nvPr/>
-        </p:nvPicPr>
-        <p:blipFill>
-          <a:blip r:embed="rId3" cstate="print"/>
-          <a:srcRect/>
-          <a:stretch>
-            <a:fillRect/>
-          </a:stretch>
-        </p:blipFill>
-        <p:spPr bwMode="auto">
-          <a:xfrm>
-            <a:off x="467544" y="1059582"/>
-            <a:ext cx="5760640" cy="3876429"/>
-          </a:xfrm>
-          <a:prstGeom prst="rect">
-            <a:avLst/>
-          </a:prstGeom>
-          <a:noFill/>
-        </p:spPr>
-      </p:pic>
-      <p:pic>
-        <p:nvPicPr>
-          <p:cNvPr id="2051" name="Picture 3" descr="C:\Users\진희\Desktop\5.png"/>
-          <p:cNvPicPr>
-            <a:picLocks noChangeAspect="1" noChangeArrowheads="1"/>
-          </p:cNvPicPr>
-          <p:nvPr/>
-        </p:nvPicPr>
-        <p:blipFill>
-          <a:blip r:embed="rId4" cstate="print"/>
-          <a:srcRect/>
-          <a:stretch>
-            <a:fillRect/>
-          </a:stretch>
-        </p:blipFill>
-        <p:spPr bwMode="auto">
-          <a:xfrm>
-            <a:off x="6156176" y="1492880"/>
-            <a:ext cx="2255540" cy="1282891"/>
-          </a:xfrm>
-          <a:prstGeom prst="rect">
-            <a:avLst/>
-          </a:prstGeom>
-          <a:noFill/>
-        </p:spPr>
-      </p:pic>
-    </p:spTree>
-  </p:cSld>
-  <p:clrMapOvr>
-    <a:masterClrMapping/>
-  </p:clrMapOvr>
-</p:sld>
-</file>
-
-<file path=ppt/slides/slide13.xml><?xml version="1.0" encoding="utf-8"?>
-<p:sld xmlns:a="http://schemas.openxmlformats.org/drawingml/2006/main" xmlns:r="http://schemas.openxmlformats.org/officeDocument/2006/relationships" xmlns:p="http://schemas.openxmlformats.org/presentationml/2006/main">
-  <p:cSld>
-    <p:spTree>
-      <p:nvGrpSpPr>
-        <p:cNvPr id="1" name=""/>
-        <p:cNvGrpSpPr/>
-        <p:nvPr/>
-      </p:nvGrpSpPr>
-      <p:grpSpPr>
-        <a:xfrm>
-          <a:off x="0" y="0"/>
-          <a:ext cx="0" cy="0"/>
-          <a:chOff x="0" y="0"/>
-          <a:chExt cx="0" cy="0"/>
-        </a:xfrm>
-      </p:grpSpPr>
-    </p:spTree>
-  </p:cSld>
-  <p:clrMapOvr>
-    <a:masterClrMapping/>
-  </p:clrMapOvr>
-</p:sld>
-</file>
-
-<file path=ppt/slides/slide14.xml><?xml version="1.0" encoding="utf-8"?>
-<p:sld xmlns:a="http://schemas.openxmlformats.org/drawingml/2006/main" xmlns:r="http://schemas.openxmlformats.org/officeDocument/2006/relationships" xmlns:p="http://schemas.openxmlformats.org/presentationml/2006/main">
-  <p:cSld>
-    <p:spTree>
-      <p:nvGrpSpPr>
-        <p:cNvPr id="1" name=""/>
-        <p:cNvGrpSpPr/>
-        <p:nvPr/>
-      </p:nvGrpSpPr>
-      <p:grpSpPr>
-        <a:xfrm>
-          <a:off x="0" y="0"/>
-          <a:ext cx="0" cy="0"/>
-          <a:chOff x="0" y="0"/>
-          <a:chExt cx="0" cy="0"/>
-        </a:xfrm>
-      </p:grpSpPr>
-    </p:spTree>
-  </p:cSld>
-  <p:clrMapOvr>
-    <a:masterClrMapping/>
-  </p:clrMapOvr>
-</p:sld>
-</file>
-
-<file path=ppt/slides/slide15.xml><?xml version="1.0" encoding="utf-8"?>
-<p:sld xmlns:a="http://schemas.openxmlformats.org/drawingml/2006/main" xmlns:r="http://schemas.openxmlformats.org/officeDocument/2006/relationships" xmlns:p="http://schemas.openxmlformats.org/presentationml/2006/main">
-  <p:cSld>
-    <p:spTree>
-      <p:nvGrpSpPr>
-        <p:cNvPr id="1" name=""/>
-        <p:cNvGrpSpPr/>
-        <p:nvPr/>
-      </p:nvGrpSpPr>
-      <p:grpSpPr>
-        <a:xfrm>
-          <a:off x="0" y="0"/>
-          <a:ext cx="0" cy="0"/>
-          <a:chOff x="0" y="0"/>
-          <a:chExt cx="0" cy="0"/>
-        </a:xfrm>
-      </p:grpSpPr>
-    </p:spTree>
-  </p:cSld>
-  <p:clrMapOvr>
-    <a:masterClrMapping/>
-  </p:clrMapOvr>
-</p:sld>
-</file>
-
-<file path=ppt/slides/slide16.xml><?xml version="1.0" encoding="utf-8"?>
-<p:sld xmlns:a="http://schemas.openxmlformats.org/drawingml/2006/main" xmlns:r="http://schemas.openxmlformats.org/officeDocument/2006/relationships" xmlns:p="http://schemas.openxmlformats.org/presentationml/2006/main">
-  <p:cSld>
-    <p:bg>
-      <p:bgPr>
-        <a:blipFill dpi="0" rotWithShape="1">
-          <a:blip r:embed="rId2" cstate="print">
-            <a:lum/>
-          </a:blip>
-          <a:srcRect/>
-          <a:stretch>
-            <a:fillRect/>
-          </a:stretch>
-        </a:blipFill>
-        <a:effectLst/>
-      </p:bgPr>
-    </p:bg>
-    <p:spTree>
-      <p:nvGrpSpPr>
-        <p:cNvPr id="1" name=""/>
-        <p:cNvGrpSpPr/>
-        <p:nvPr/>
-      </p:nvGrpSpPr>
-      <p:grpSpPr>
-        <a:xfrm>
-          <a:off x="0" y="0"/>
-          <a:ext cx="0" cy="0"/>
-          <a:chOff x="0" y="0"/>
-          <a:chExt cx="0" cy="0"/>
-        </a:xfrm>
-      </p:grpSpPr>
-    </p:spTree>
-  </p:cSld>
-  <p:clrMapOvr>
-    <a:masterClrMapping/>
-  </p:clrMapOvr>
-</p:sld>
-</file>
-
-<file path=ppt/slides/slide17.xml><?xml version="1.0" encoding="utf-8"?>
 <p:sld xmlns:a="http://schemas.openxmlformats.org/drawingml/2006/main" xmlns:r="http://schemas.openxmlformats.org/officeDocument/2006/relationships" xmlns:p="http://schemas.openxmlformats.org/presentationml/2006/main">
   <p:cSld>
     <p:bg>
